--- a/презентация PochaZZZ.pptx
+++ b/презентация PochaZZZ.pptx
@@ -3528,6 +3528,149 @@
           <a:chExt cx="0" cy="0"/>
         </a:xfrm>
       </p:grpSpPr>
+      <p:sp>
+        <p:nvSpPr>
+          <p:cNvPr id="2" name="TextBox 1"/>
+          <p:cNvSpPr txBox="1"/>
+          <p:nvPr/>
+        </p:nvSpPr>
+        <p:spPr>
+          <a:xfrm>
+            <a:off x="1205345" y="249382"/>
+            <a:ext cx="8861368" cy="830997"/>
+          </a:xfrm>
+          <a:prstGeom prst="rect">
+            <a:avLst/>
+          </a:prstGeom>
+          <a:noFill/>
+        </p:spPr>
+        <p:txBody>
+          <a:bodyPr wrap="square" rtlCol="0" anchor="ctr">
+            <a:spAutoFit/>
+          </a:bodyPr>
+          <a:lstStyle/>
+          <a:p>
+            <a:pPr algn="ctr"/>
+            <a:r>
+              <a:rPr lang="ru-RU" sz="4800" b="1" dirty="0" smtClean="0">
+                <a:latin typeface="Garamond" panose="02020404030301010803" pitchFamily="18" charset="0"/>
+              </a:rPr>
+              <a:t>Сбор данных</a:t>
+            </a:r>
+            <a:endParaRPr lang="ru-RU" sz="4800" b="1" dirty="0">
+              <a:latin typeface="Garamond" panose="02020404030301010803" pitchFamily="18" charset="0"/>
+            </a:endParaRPr>
+          </a:p>
+        </p:txBody>
+      </p:sp>
+      <p:sp>
+        <p:nvSpPr>
+          <p:cNvPr id="3" name="TextBox 2"/>
+          <p:cNvSpPr txBox="1"/>
+          <p:nvPr/>
+        </p:nvSpPr>
+        <p:spPr>
+          <a:xfrm>
+            <a:off x="490451" y="1512916"/>
+            <a:ext cx="5386647" cy="830997"/>
+          </a:xfrm>
+          <a:prstGeom prst="rect">
+            <a:avLst/>
+          </a:prstGeom>
+          <a:noFill/>
+        </p:spPr>
+        <p:txBody>
+          <a:bodyPr wrap="square" rtlCol="0">
+            <a:spAutoFit/>
+          </a:bodyPr>
+          <a:lstStyle/>
+          <a:p>
+            <a:pPr marL="342900" indent="-342900">
+              <a:buFont typeface="Arial" panose="020B0604020202020204" pitchFamily="34" charset="0"/>
+              <a:buChar char="•"/>
+            </a:pPr>
+            <a:r>
+              <a:rPr lang="ru-RU" sz="2400" dirty="0" smtClean="0">
+                <a:latin typeface="Garamond" panose="02020404030301010803" pitchFamily="18" charset="0"/>
+              </a:rPr>
+              <a:t>Сбор данных производился на 3 участках, указанных на карте</a:t>
+            </a:r>
+            <a:endParaRPr lang="ru-RU" sz="2400" dirty="0">
+              <a:latin typeface="Garamond" panose="02020404030301010803" pitchFamily="18" charset="0"/>
+            </a:endParaRPr>
+          </a:p>
+        </p:txBody>
+      </p:sp>
+      <p:pic>
+        <p:nvPicPr>
+          <p:cNvPr id="5" name="Рисунок 4"/>
+          <p:cNvPicPr>
+            <a:picLocks noChangeAspect="1"/>
+          </p:cNvPicPr>
+          <p:nvPr/>
+        </p:nvPicPr>
+        <p:blipFill>
+          <a:blip r:embed="rId2">
+            <a:extLst>
+              <a:ext uri="{28A0092B-C50C-407E-A947-70E740481C1C}">
+                <a14:useLocalDpi xmlns:a14="http://schemas.microsoft.com/office/drawing/2010/main" val="0"/>
+              </a:ext>
+            </a:extLst>
+          </a:blip>
+          <a:stretch>
+            <a:fillRect/>
+          </a:stretch>
+        </p:blipFill>
+        <p:spPr>
+          <a:xfrm>
+            <a:off x="8806435" y="2343913"/>
+            <a:ext cx="3385565" cy="4514087"/>
+          </a:xfrm>
+          <a:prstGeom prst="rect">
+            <a:avLst/>
+          </a:prstGeom>
+        </p:spPr>
+      </p:pic>
+      <p:pic>
+        <p:nvPicPr>
+          <p:cNvPr id="6" name="Рисунок 5"/>
+          <p:cNvPicPr>
+            <a:picLocks noChangeAspect="1"/>
+          </p:cNvPicPr>
+          <p:nvPr/>
+        </p:nvPicPr>
+        <p:blipFill>
+          <a:blip r:embed="rId3" cstate="print">
+            <a:extLst>
+              <a:ext uri="{28A0092B-C50C-407E-A947-70E740481C1C}">
+                <a14:useLocalDpi xmlns:a14="http://schemas.microsoft.com/office/drawing/2010/main" val="0"/>
+              </a:ext>
+            </a:extLst>
+          </a:blip>
+          <a:stretch>
+            <a:fillRect/>
+          </a:stretch>
+        </p:blipFill>
+        <p:spPr>
+          <a:xfrm>
+            <a:off x="-714894" y="3280710"/>
+            <a:ext cx="5288516" cy="2640491"/>
+          </a:xfrm>
+          <a:prstGeom prst="rect">
+            <a:avLst/>
+          </a:prstGeom>
+          <a:ln>
+            <a:noFill/>
+          </a:ln>
+          <a:scene3d>
+            <a:camera prst="isometricRightUp"/>
+            <a:lightRig rig="threePt" dir="t"/>
+          </a:scene3d>
+          <a:sp3d>
+            <a:bevelT w="101600" prst="riblet"/>
+          </a:sp3d>
+        </p:spPr>
+      </p:pic>
     </p:spTree>
     <p:extLst>
       <p:ext uri="{BB962C8B-B14F-4D97-AF65-F5344CB8AC3E}">

--- a/презентация PochaZZZ.pptx
+++ b/презентация PochaZZZ.pptx
@@ -9,6 +9,10 @@
     <p:sldId id="257" r:id="rId3"/>
     <p:sldId id="258" r:id="rId4"/>
     <p:sldId id="259" r:id="rId5"/>
+    <p:sldId id="261" r:id="rId6"/>
+    <p:sldId id="264" r:id="rId7"/>
+    <p:sldId id="262" r:id="rId8"/>
+    <p:sldId id="263" r:id="rId9"/>
   </p:sldIdLst>
   <p:sldSz cx="12192000" cy="6858000"/>
   <p:notesSz cx="6858000" cy="9144000"/>
@@ -107,6 +111,11 @@
       </a:defRPr>
     </a:lvl9pPr>
   </p:defaultTextStyle>
+  <p:extLst>
+    <p:ext uri="{EFAFB233-063F-42B5-8137-9DF3F51BA10A}">
+      <p15:sldGuideLst xmlns:p15="http://schemas.microsoft.com/office/powerpoint/2012/main"/>
+    </p:ext>
+  </p:extLst>
 </p:presentation>
 </file>
 
@@ -241,7 +250,7 @@
           <a:p>
             <a:fld id="{2994EAAF-8E2B-4A3F-881A-40ECFB194ECF}" type="datetimeFigureOut">
               <a:rPr lang="ru-RU" smtClean="0"/>
-              <a:t>04.08.2024</a:t>
+              <a:t>05.08.2024</a:t>
             </a:fld>
             <a:endParaRPr lang="ru-RU"/>
           </a:p>
@@ -411,7 +420,7 @@
           <a:p>
             <a:fld id="{2994EAAF-8E2B-4A3F-881A-40ECFB194ECF}" type="datetimeFigureOut">
               <a:rPr lang="ru-RU" smtClean="0"/>
-              <a:t>04.08.2024</a:t>
+              <a:t>05.08.2024</a:t>
             </a:fld>
             <a:endParaRPr lang="ru-RU"/>
           </a:p>
@@ -591,7 +600,7 @@
           <a:p>
             <a:fld id="{2994EAAF-8E2B-4A3F-881A-40ECFB194ECF}" type="datetimeFigureOut">
               <a:rPr lang="ru-RU" smtClean="0"/>
-              <a:t>04.08.2024</a:t>
+              <a:t>05.08.2024</a:t>
             </a:fld>
             <a:endParaRPr lang="ru-RU"/>
           </a:p>
@@ -761,7 +770,7 @@
           <a:p>
             <a:fld id="{2994EAAF-8E2B-4A3F-881A-40ECFB194ECF}" type="datetimeFigureOut">
               <a:rPr lang="ru-RU" smtClean="0"/>
-              <a:t>04.08.2024</a:t>
+              <a:t>05.08.2024</a:t>
             </a:fld>
             <a:endParaRPr lang="ru-RU"/>
           </a:p>
@@ -1007,7 +1016,7 @@
           <a:p>
             <a:fld id="{2994EAAF-8E2B-4A3F-881A-40ECFB194ECF}" type="datetimeFigureOut">
               <a:rPr lang="ru-RU" smtClean="0"/>
-              <a:t>04.08.2024</a:t>
+              <a:t>05.08.2024</a:t>
             </a:fld>
             <a:endParaRPr lang="ru-RU"/>
           </a:p>
@@ -1239,7 +1248,7 @@
           <a:p>
             <a:fld id="{2994EAAF-8E2B-4A3F-881A-40ECFB194ECF}" type="datetimeFigureOut">
               <a:rPr lang="ru-RU" smtClean="0"/>
-              <a:t>04.08.2024</a:t>
+              <a:t>05.08.2024</a:t>
             </a:fld>
             <a:endParaRPr lang="ru-RU"/>
           </a:p>
@@ -1606,7 +1615,7 @@
           <a:p>
             <a:fld id="{2994EAAF-8E2B-4A3F-881A-40ECFB194ECF}" type="datetimeFigureOut">
               <a:rPr lang="ru-RU" smtClean="0"/>
-              <a:t>04.08.2024</a:t>
+              <a:t>05.08.2024</a:t>
             </a:fld>
             <a:endParaRPr lang="ru-RU"/>
           </a:p>
@@ -1724,7 +1733,7 @@
           <a:p>
             <a:fld id="{2994EAAF-8E2B-4A3F-881A-40ECFB194ECF}" type="datetimeFigureOut">
               <a:rPr lang="ru-RU" smtClean="0"/>
-              <a:t>04.08.2024</a:t>
+              <a:t>05.08.2024</a:t>
             </a:fld>
             <a:endParaRPr lang="ru-RU"/>
           </a:p>
@@ -1819,7 +1828,7 @@
           <a:p>
             <a:fld id="{2994EAAF-8E2B-4A3F-881A-40ECFB194ECF}" type="datetimeFigureOut">
               <a:rPr lang="ru-RU" smtClean="0"/>
-              <a:t>04.08.2024</a:t>
+              <a:t>05.08.2024</a:t>
             </a:fld>
             <a:endParaRPr lang="ru-RU"/>
           </a:p>
@@ -2096,7 +2105,7 @@
           <a:p>
             <a:fld id="{2994EAAF-8E2B-4A3F-881A-40ECFB194ECF}" type="datetimeFigureOut">
               <a:rPr lang="ru-RU" smtClean="0"/>
-              <a:t>04.08.2024</a:t>
+              <a:t>05.08.2024</a:t>
             </a:fld>
             <a:endParaRPr lang="ru-RU"/>
           </a:p>
@@ -2349,7 +2358,7 @@
           <a:p>
             <a:fld id="{2994EAAF-8E2B-4A3F-881A-40ECFB194ECF}" type="datetimeFigureOut">
               <a:rPr lang="ru-RU" smtClean="0"/>
-              <a:t>04.08.2024</a:t>
+              <a:t>05.08.2024</a:t>
             </a:fld>
             <a:endParaRPr lang="ru-RU"/>
           </a:p>
@@ -2562,7 +2571,7 @@
           <a:p>
             <a:fld id="{2994EAAF-8E2B-4A3F-881A-40ECFB194ECF}" type="datetimeFigureOut">
               <a:rPr lang="ru-RU" smtClean="0"/>
-              <a:t>04.08.2024</a:t>
+              <a:t>05.08.2024</a:t>
             </a:fld>
             <a:endParaRPr lang="ru-RU"/>
           </a:p>
@@ -3056,7 +3065,13 @@
               <a:rPr lang="ru-RU" dirty="0" smtClean="0">
                 <a:latin typeface="Garamond" panose="02020404030301010803" pitchFamily="18" charset="0"/>
               </a:rPr>
-              <a:t>Алиса Сергеевна</a:t>
+              <a:t>Величко Алиса </a:t>
+            </a:r>
+            <a:r>
+              <a:rPr lang="ru-RU" dirty="0" smtClean="0">
+                <a:latin typeface="Garamond" panose="02020404030301010803" pitchFamily="18" charset="0"/>
+              </a:rPr>
+              <a:t>Сергеевна</a:t>
             </a:r>
             <a:endParaRPr lang="ru-RU" dirty="0">
               <a:latin typeface="Garamond" panose="02020404030301010803" pitchFamily="18" charset="0"/>
@@ -3435,7 +3450,7 @@
         </p:nvSpPr>
         <p:spPr>
           <a:xfrm>
-            <a:off x="439266" y="2645972"/>
+            <a:off x="439266" y="2462490"/>
             <a:ext cx="6816437" cy="461665"/>
           </a:xfrm>
           <a:prstGeom prst="rect">
@@ -3490,7 +3505,7 @@
         </p:blipFill>
         <p:spPr>
           <a:xfrm>
-            <a:off x="5866170" y="0"/>
+            <a:off x="5905246" y="0"/>
             <a:ext cx="8079971" cy="5386647"/>
           </a:xfrm>
           <a:prstGeom prst="rect">
@@ -3498,6 +3513,50 @@
           </a:prstGeom>
         </p:spPr>
       </p:pic>
+      <p:sp>
+        <p:nvSpPr>
+          <p:cNvPr id="4" name="TextBox 3"/>
+          <p:cNvSpPr txBox="1"/>
+          <p:nvPr/>
+        </p:nvSpPr>
+        <p:spPr>
+          <a:xfrm>
+            <a:off x="439266" y="2924155"/>
+            <a:ext cx="6375749" cy="461665"/>
+          </a:xfrm>
+          <a:prstGeom prst="rect">
+            <a:avLst/>
+          </a:prstGeom>
+          <a:noFill/>
+        </p:spPr>
+        <p:txBody>
+          <a:bodyPr wrap="square" rtlCol="0">
+            <a:spAutoFit/>
+          </a:bodyPr>
+          <a:lstStyle/>
+          <a:p>
+            <a:pPr marL="342900" indent="-342900">
+              <a:buFont typeface="Arial" panose="020B0604020202020204" pitchFamily="34" charset="0"/>
+              <a:buChar char="•"/>
+            </a:pPr>
+            <a:r>
+              <a:rPr lang="ru-RU" sz="2400" b="1" dirty="0" smtClean="0">
+                <a:latin typeface="Garamond" panose="02020404030301010803" pitchFamily="18" charset="0"/>
+              </a:rPr>
+              <a:t>Методика: </a:t>
+            </a:r>
+            <a:r>
+              <a:rPr lang="ru-RU" sz="2400" dirty="0" smtClean="0">
+                <a:latin typeface="Garamond" panose="02020404030301010803" pitchFamily="18" charset="0"/>
+              </a:rPr>
+              <a:t>полевой метод шнура</a:t>
+            </a:r>
+            <a:endParaRPr lang="ru-RU" sz="2400" b="1" dirty="0">
+              <a:latin typeface="Garamond" panose="02020404030301010803" pitchFamily="18" charset="0"/>
+            </a:endParaRPr>
+          </a:p>
+        </p:txBody>
+      </p:sp>
     </p:spTree>
     <p:extLst>
       <p:ext uri="{BB962C8B-B14F-4D97-AF65-F5344CB8AC3E}">
@@ -3623,7 +3682,7 @@
         </p:blipFill>
         <p:spPr>
           <a:xfrm>
-            <a:off x="8806435" y="2343913"/>
+            <a:off x="8806435" y="1992221"/>
             <a:ext cx="3385565" cy="4514087"/>
           </a:xfrm>
           <a:prstGeom prst="rect">
@@ -3653,7 +3712,7 @@
         </p:blipFill>
         <p:spPr>
           <a:xfrm>
-            <a:off x="-714894" y="3280710"/>
+            <a:off x="0" y="3163479"/>
             <a:ext cx="5288516" cy="2640491"/>
           </a:xfrm>
           <a:prstGeom prst="rect">
@@ -3675,6 +3734,3988 @@
     <p:extLst>
       <p:ext uri="{BB962C8B-B14F-4D97-AF65-F5344CB8AC3E}">
         <p14:creationId xmlns:p14="http://schemas.microsoft.com/office/powerpoint/2010/main" val="1550373415"/>
+      </p:ext>
+    </p:extLst>
+  </p:cSld>
+  <p:clrMapOvr>
+    <a:masterClrMapping/>
+  </p:clrMapOvr>
+</p:sld>
+</file>
+
+<file path=ppt/slides/slide5.xml><?xml version="1.0" encoding="utf-8"?>
+<p:sld xmlns:a="http://schemas.openxmlformats.org/drawingml/2006/main" xmlns:r="http://schemas.openxmlformats.org/officeDocument/2006/relationships" xmlns:p="http://schemas.openxmlformats.org/presentationml/2006/main">
+  <p:cSld>
+    <p:spTree>
+      <p:nvGrpSpPr>
+        <p:cNvPr id="1" name=""/>
+        <p:cNvGrpSpPr/>
+        <p:nvPr/>
+      </p:nvGrpSpPr>
+      <p:grpSpPr>
+        <a:xfrm>
+          <a:off x="0" y="0"/>
+          <a:ext cx="0" cy="0"/>
+          <a:chOff x="0" y="0"/>
+          <a:chExt cx="0" cy="0"/>
+        </a:xfrm>
+      </p:grpSpPr>
+      <p:sp>
+        <p:nvSpPr>
+          <p:cNvPr id="2" name="TextBox 1"/>
+          <p:cNvSpPr txBox="1"/>
+          <p:nvPr/>
+        </p:nvSpPr>
+        <p:spPr>
+          <a:xfrm>
+            <a:off x="2219569" y="476738"/>
+            <a:ext cx="7494954" cy="769441"/>
+          </a:xfrm>
+          <a:prstGeom prst="rect">
+            <a:avLst/>
+          </a:prstGeom>
+          <a:noFill/>
+        </p:spPr>
+        <p:txBody>
+          <a:bodyPr wrap="square" rtlCol="0" anchor="ctr">
+            <a:spAutoFit/>
+          </a:bodyPr>
+          <a:lstStyle/>
+          <a:p>
+            <a:r>
+              <a:rPr lang="ru-RU" sz="4400" b="1" dirty="0" smtClean="0">
+                <a:latin typeface="Garamond" panose="02020404030301010803" pitchFamily="18" charset="0"/>
+              </a:rPr>
+              <a:t>Результаты сбора данных</a:t>
+            </a:r>
+            <a:endParaRPr lang="ru-RU" sz="4400" b="1" dirty="0">
+              <a:latin typeface="Garamond" panose="02020404030301010803" pitchFamily="18" charset="0"/>
+            </a:endParaRPr>
+          </a:p>
+        </p:txBody>
+      </p:sp>
+      <p:graphicFrame>
+        <p:nvGraphicFramePr>
+          <p:cNvPr id="3" name="Таблица 2"/>
+          <p:cNvGraphicFramePr>
+            <a:graphicFrameLocks noGrp="1"/>
+          </p:cNvGraphicFramePr>
+          <p:nvPr>
+            <p:extLst>
+              <p:ext uri="{D42A27DB-BD31-4B8C-83A1-F6EECF244321}">
+                <p14:modId xmlns:p14="http://schemas.microsoft.com/office/powerpoint/2010/main" val="1888806474"/>
+              </p:ext>
+            </p:extLst>
+          </p:nvPr>
+        </p:nvGraphicFramePr>
+        <p:xfrm>
+          <a:off x="1281723" y="1555913"/>
+          <a:ext cx="8128000" cy="4252872"/>
+        </p:xfrm>
+        <a:graphic>
+          <a:graphicData uri="http://schemas.openxmlformats.org/drawingml/2006/table">
+            <a:tbl>
+              <a:tblPr firstRow="1" bandRow="1">
+                <a:tableStyleId>{5C22544A-7EE6-4342-B048-85BDC9FD1C3A}</a:tableStyleId>
+              </a:tblPr>
+              <a:tblGrid>
+                <a:gridCol w="2032000">
+                  <a:extLst>
+                    <a:ext uri="{9D8B030D-6E8A-4147-A177-3AD203B41FA5}">
+                      <a16:colId xmlns:a16="http://schemas.microsoft.com/office/drawing/2014/main" val="781814201"/>
+                    </a:ext>
+                  </a:extLst>
+                </a:gridCol>
+                <a:gridCol w="2032000">
+                  <a:extLst>
+                    <a:ext uri="{9D8B030D-6E8A-4147-A177-3AD203B41FA5}">
+                      <a16:colId xmlns:a16="http://schemas.microsoft.com/office/drawing/2014/main" val="2055137972"/>
+                    </a:ext>
+                  </a:extLst>
+                </a:gridCol>
+                <a:gridCol w="2032000">
+                  <a:extLst>
+                    <a:ext uri="{9D8B030D-6E8A-4147-A177-3AD203B41FA5}">
+                      <a16:colId xmlns:a16="http://schemas.microsoft.com/office/drawing/2014/main" val="2937634764"/>
+                    </a:ext>
+                  </a:extLst>
+                </a:gridCol>
+                <a:gridCol w="2032000">
+                  <a:extLst>
+                    <a:ext uri="{9D8B030D-6E8A-4147-A177-3AD203B41FA5}">
+                      <a16:colId xmlns:a16="http://schemas.microsoft.com/office/drawing/2014/main" val="2456483943"/>
+                    </a:ext>
+                  </a:extLst>
+                </a:gridCol>
+              </a:tblGrid>
+              <a:tr h="370840">
+                <a:tc>
+                  <a:txBody>
+                    <a:bodyPr/>
+                    <a:lstStyle/>
+                    <a:p>
+                      <a:pPr algn="ctr"/>
+                      <a:r>
+                        <a:rPr lang="ru-RU" dirty="0" smtClean="0">
+                          <a:solidFill>
+                            <a:schemeClr val="tx1">
+                              <a:lumMod val="85000"/>
+                              <a:lumOff val="15000"/>
+                            </a:schemeClr>
+                          </a:solidFill>
+                          <a:latin typeface="Garamond" panose="02020404030301010803" pitchFamily="18" charset="0"/>
+                        </a:rPr>
+                        <a:t>Участок</a:t>
+                      </a:r>
+                      <a:endParaRPr lang="ru-RU" dirty="0">
+                        <a:solidFill>
+                          <a:schemeClr val="tx1">
+                            <a:lumMod val="85000"/>
+                            <a:lumOff val="15000"/>
+                          </a:schemeClr>
+                        </a:solidFill>
+                        <a:latin typeface="Garamond" panose="02020404030301010803" pitchFamily="18" charset="0"/>
+                      </a:endParaRPr>
+                    </a:p>
+                  </a:txBody>
+                  <a:tcPr>
+                    <a:lnL w="12700" cap="flat" cmpd="sng" algn="ctr">
+                      <a:solidFill>
+                        <a:schemeClr val="tx1"/>
+                      </a:solidFill>
+                      <a:prstDash val="solid"/>
+                      <a:round/>
+                      <a:headEnd type="none" w="med" len="med"/>
+                      <a:tailEnd type="none" w="med" len="med"/>
+                    </a:lnL>
+                    <a:lnR w="12700" cap="flat" cmpd="sng" algn="ctr">
+                      <a:solidFill>
+                        <a:schemeClr val="tx1"/>
+                      </a:solidFill>
+                      <a:prstDash val="solid"/>
+                      <a:round/>
+                      <a:headEnd type="none" w="med" len="med"/>
+                      <a:tailEnd type="none" w="med" len="med"/>
+                    </a:lnR>
+                    <a:lnT w="12700" cap="flat" cmpd="sng" algn="ctr">
+                      <a:solidFill>
+                        <a:schemeClr val="tx1"/>
+                      </a:solidFill>
+                      <a:prstDash val="solid"/>
+                      <a:round/>
+                      <a:headEnd type="none" w="med" len="med"/>
+                      <a:tailEnd type="none" w="med" len="med"/>
+                    </a:lnT>
+                    <a:lnB w="12700" cap="flat" cmpd="sng" algn="ctr">
+                      <a:solidFill>
+                        <a:schemeClr val="tx1"/>
+                      </a:solidFill>
+                      <a:prstDash val="solid"/>
+                      <a:round/>
+                      <a:headEnd type="none" w="med" len="med"/>
+                      <a:tailEnd type="none" w="med" len="med"/>
+                    </a:lnB>
+                    <a:solidFill>
+                      <a:schemeClr val="tx1">
+                        <a:lumMod val="50000"/>
+                        <a:lumOff val="50000"/>
+                      </a:schemeClr>
+                    </a:solidFill>
+                  </a:tcPr>
+                </a:tc>
+                <a:tc>
+                  <a:txBody>
+                    <a:bodyPr/>
+                    <a:lstStyle/>
+                    <a:p>
+                      <a:pPr algn="ctr"/>
+                      <a:r>
+                        <a:rPr lang="ru-RU" dirty="0" smtClean="0">
+                          <a:solidFill>
+                            <a:schemeClr val="tx1">
+                              <a:lumMod val="85000"/>
+                              <a:lumOff val="15000"/>
+                            </a:schemeClr>
+                          </a:solidFill>
+                          <a:latin typeface="Garamond" panose="02020404030301010803" pitchFamily="18" charset="0"/>
+                        </a:rPr>
+                        <a:t>Слой</a:t>
+                      </a:r>
+                      <a:endParaRPr lang="ru-RU" dirty="0">
+                        <a:solidFill>
+                          <a:schemeClr val="tx1">
+                            <a:lumMod val="85000"/>
+                            <a:lumOff val="15000"/>
+                          </a:schemeClr>
+                        </a:solidFill>
+                        <a:latin typeface="Garamond" panose="02020404030301010803" pitchFamily="18" charset="0"/>
+                      </a:endParaRPr>
+                    </a:p>
+                  </a:txBody>
+                  <a:tcPr>
+                    <a:lnL w="12700" cap="flat" cmpd="sng" algn="ctr">
+                      <a:solidFill>
+                        <a:schemeClr val="tx1"/>
+                      </a:solidFill>
+                      <a:prstDash val="solid"/>
+                      <a:round/>
+                      <a:headEnd type="none" w="med" len="med"/>
+                      <a:tailEnd type="none" w="med" len="med"/>
+                    </a:lnL>
+                    <a:lnR w="12700" cap="flat" cmpd="sng" algn="ctr">
+                      <a:solidFill>
+                        <a:schemeClr val="tx1"/>
+                      </a:solidFill>
+                      <a:prstDash val="solid"/>
+                      <a:round/>
+                      <a:headEnd type="none" w="med" len="med"/>
+                      <a:tailEnd type="none" w="med" len="med"/>
+                    </a:lnR>
+                    <a:lnT w="12700" cap="flat" cmpd="sng" algn="ctr">
+                      <a:solidFill>
+                        <a:schemeClr val="tx1"/>
+                      </a:solidFill>
+                      <a:prstDash val="solid"/>
+                      <a:round/>
+                      <a:headEnd type="none" w="med" len="med"/>
+                      <a:tailEnd type="none" w="med" len="med"/>
+                    </a:lnT>
+                    <a:lnB w="12700" cap="flat" cmpd="sng" algn="ctr">
+                      <a:solidFill>
+                        <a:schemeClr val="tx1"/>
+                      </a:solidFill>
+                      <a:prstDash val="solid"/>
+                      <a:round/>
+                      <a:headEnd type="none" w="med" len="med"/>
+                      <a:tailEnd type="none" w="med" len="med"/>
+                    </a:lnB>
+                    <a:lnTlToBr w="12700" cmpd="sng">
+                      <a:noFill/>
+                      <a:prstDash val="solid"/>
+                    </a:lnTlToBr>
+                    <a:lnBlToTr w="12700" cmpd="sng">
+                      <a:noFill/>
+                      <a:prstDash val="solid"/>
+                    </a:lnBlToTr>
+                    <a:solidFill>
+                      <a:schemeClr val="tx1">
+                        <a:lumMod val="50000"/>
+                        <a:lumOff val="50000"/>
+                      </a:schemeClr>
+                    </a:solidFill>
+                  </a:tcPr>
+                </a:tc>
+                <a:tc>
+                  <a:txBody>
+                    <a:bodyPr/>
+                    <a:lstStyle/>
+                    <a:p>
+                      <a:pPr algn="ctr"/>
+                      <a:r>
+                        <a:rPr lang="ru-RU" dirty="0" smtClean="0">
+                          <a:solidFill>
+                            <a:schemeClr val="tx1">
+                              <a:lumMod val="85000"/>
+                              <a:lumOff val="15000"/>
+                            </a:schemeClr>
+                          </a:solidFill>
+                          <a:latin typeface="Garamond" panose="02020404030301010803" pitchFamily="18" charset="0"/>
+                        </a:rPr>
+                        <a:t>ГМС</a:t>
+                      </a:r>
+                      <a:endParaRPr lang="ru-RU" dirty="0">
+                        <a:solidFill>
+                          <a:schemeClr val="tx1">
+                            <a:lumMod val="85000"/>
+                            <a:lumOff val="15000"/>
+                          </a:schemeClr>
+                        </a:solidFill>
+                        <a:latin typeface="Garamond" panose="02020404030301010803" pitchFamily="18" charset="0"/>
+                      </a:endParaRPr>
+                    </a:p>
+                  </a:txBody>
+                  <a:tcPr>
+                    <a:lnL w="12700" cap="flat" cmpd="sng" algn="ctr">
+                      <a:solidFill>
+                        <a:schemeClr val="tx1"/>
+                      </a:solidFill>
+                      <a:prstDash val="solid"/>
+                      <a:round/>
+                      <a:headEnd type="none" w="med" len="med"/>
+                      <a:tailEnd type="none" w="med" len="med"/>
+                    </a:lnL>
+                    <a:lnR w="12700" cap="flat" cmpd="sng" algn="ctr">
+                      <a:solidFill>
+                        <a:schemeClr val="tx1"/>
+                      </a:solidFill>
+                      <a:prstDash val="solid"/>
+                      <a:round/>
+                      <a:headEnd type="none" w="med" len="med"/>
+                      <a:tailEnd type="none" w="med" len="med"/>
+                    </a:lnR>
+                    <a:lnT w="12700" cap="flat" cmpd="sng" algn="ctr">
+                      <a:solidFill>
+                        <a:schemeClr val="tx1"/>
+                      </a:solidFill>
+                      <a:prstDash val="solid"/>
+                      <a:round/>
+                      <a:headEnd type="none" w="med" len="med"/>
+                      <a:tailEnd type="none" w="med" len="med"/>
+                    </a:lnT>
+                    <a:lnB w="12700" cap="flat" cmpd="sng" algn="ctr">
+                      <a:solidFill>
+                        <a:schemeClr val="tx1"/>
+                      </a:solidFill>
+                      <a:prstDash val="solid"/>
+                      <a:round/>
+                      <a:headEnd type="none" w="med" len="med"/>
+                      <a:tailEnd type="none" w="med" len="med"/>
+                    </a:lnB>
+                    <a:solidFill>
+                      <a:schemeClr val="tx1">
+                        <a:lumMod val="50000"/>
+                        <a:lumOff val="50000"/>
+                      </a:schemeClr>
+                    </a:solidFill>
+                  </a:tcPr>
+                </a:tc>
+                <a:tc>
+                  <a:txBody>
+                    <a:bodyPr/>
+                    <a:lstStyle/>
+                    <a:p>
+                      <a:pPr algn="ctr"/>
+                      <a:r>
+                        <a:rPr lang="ru-RU" dirty="0" smtClean="0">
+                          <a:solidFill>
+                            <a:schemeClr val="tx1">
+                              <a:lumMod val="85000"/>
+                              <a:lumOff val="15000"/>
+                            </a:schemeClr>
+                          </a:solidFill>
+                          <a:latin typeface="Garamond" panose="02020404030301010803" pitchFamily="18" charset="0"/>
+                        </a:rPr>
+                        <a:t>Новообразования</a:t>
+                      </a:r>
+                      <a:endParaRPr lang="ru-RU" dirty="0">
+                        <a:solidFill>
+                          <a:schemeClr val="tx1">
+                            <a:lumMod val="85000"/>
+                            <a:lumOff val="15000"/>
+                          </a:schemeClr>
+                        </a:solidFill>
+                        <a:latin typeface="Garamond" panose="02020404030301010803" pitchFamily="18" charset="0"/>
+                      </a:endParaRPr>
+                    </a:p>
+                  </a:txBody>
+                  <a:tcPr>
+                    <a:lnL w="12700" cap="flat" cmpd="sng" algn="ctr">
+                      <a:solidFill>
+                        <a:schemeClr val="tx1"/>
+                      </a:solidFill>
+                      <a:prstDash val="solid"/>
+                      <a:round/>
+                      <a:headEnd type="none" w="med" len="med"/>
+                      <a:tailEnd type="none" w="med" len="med"/>
+                    </a:lnL>
+                    <a:lnR w="12700" cap="flat" cmpd="sng" algn="ctr">
+                      <a:solidFill>
+                        <a:schemeClr val="tx1"/>
+                      </a:solidFill>
+                      <a:prstDash val="solid"/>
+                      <a:round/>
+                      <a:headEnd type="none" w="med" len="med"/>
+                      <a:tailEnd type="none" w="med" len="med"/>
+                    </a:lnR>
+                    <a:lnT w="12700" cap="flat" cmpd="sng" algn="ctr">
+                      <a:solidFill>
+                        <a:schemeClr val="tx1"/>
+                      </a:solidFill>
+                      <a:prstDash val="solid"/>
+                      <a:round/>
+                      <a:headEnd type="none" w="med" len="med"/>
+                      <a:tailEnd type="none" w="med" len="med"/>
+                    </a:lnT>
+                    <a:lnB w="12700" cap="flat" cmpd="sng" algn="ctr">
+                      <a:solidFill>
+                        <a:schemeClr val="tx1"/>
+                      </a:solidFill>
+                      <a:prstDash val="solid"/>
+                      <a:round/>
+                      <a:headEnd type="none" w="med" len="med"/>
+                      <a:tailEnd type="none" w="med" len="med"/>
+                    </a:lnB>
+                    <a:solidFill>
+                      <a:schemeClr val="tx1">
+                        <a:lumMod val="50000"/>
+                        <a:lumOff val="50000"/>
+                      </a:schemeClr>
+                    </a:solidFill>
+                  </a:tcPr>
+                </a:tc>
+                <a:extLst>
+                  <a:ext uri="{0D108BD9-81ED-4DB2-BD59-A6C34878D82A}">
+                    <a16:rowId xmlns:a16="http://schemas.microsoft.com/office/drawing/2014/main" val="2708243417"/>
+                  </a:ext>
+                </a:extLst>
+              </a:tr>
+              <a:tr h="370840">
+                <a:tc rowSpan="3">
+                  <a:txBody>
+                    <a:bodyPr/>
+                    <a:lstStyle/>
+                    <a:p>
+                      <a:pPr algn="ctr"/>
+                      <a:r>
+                        <a:rPr lang="en-US" sz="3200" dirty="0" smtClean="0">
+                          <a:solidFill>
+                            <a:schemeClr val="tx2">
+                              <a:lumMod val="50000"/>
+                            </a:schemeClr>
+                          </a:solidFill>
+                          <a:latin typeface="Garamond" panose="02020404030301010803" pitchFamily="18" charset="0"/>
+                        </a:rPr>
+                        <a:t>1</a:t>
+                      </a:r>
+                      <a:endParaRPr lang="ru-RU" sz="3200" dirty="0">
+                        <a:solidFill>
+                          <a:schemeClr val="tx2">
+                            <a:lumMod val="50000"/>
+                          </a:schemeClr>
+                        </a:solidFill>
+                        <a:latin typeface="Garamond" panose="02020404030301010803" pitchFamily="18" charset="0"/>
+                      </a:endParaRPr>
+                    </a:p>
+                  </a:txBody>
+                  <a:tcPr anchor="ctr">
+                    <a:lnL w="12700" cap="flat" cmpd="sng" algn="ctr">
+                      <a:solidFill>
+                        <a:schemeClr val="tx1"/>
+                      </a:solidFill>
+                      <a:prstDash val="solid"/>
+                      <a:round/>
+                      <a:headEnd type="none" w="med" len="med"/>
+                      <a:tailEnd type="none" w="med" len="med"/>
+                    </a:lnL>
+                    <a:lnR w="12700" cap="flat" cmpd="sng" algn="ctr">
+                      <a:solidFill>
+                        <a:schemeClr val="tx1"/>
+                      </a:solidFill>
+                      <a:prstDash val="solid"/>
+                      <a:round/>
+                      <a:headEnd type="none" w="med" len="med"/>
+                      <a:tailEnd type="none" w="med" len="med"/>
+                    </a:lnR>
+                    <a:lnT w="12700" cap="flat" cmpd="sng" algn="ctr">
+                      <a:solidFill>
+                        <a:schemeClr val="tx1"/>
+                      </a:solidFill>
+                      <a:prstDash val="solid"/>
+                      <a:round/>
+                      <a:headEnd type="none" w="med" len="med"/>
+                      <a:tailEnd type="none" w="med" len="med"/>
+                    </a:lnT>
+                    <a:lnB w="12700" cap="flat" cmpd="sng" algn="ctr">
+                      <a:solidFill>
+                        <a:schemeClr val="tx1"/>
+                      </a:solidFill>
+                      <a:prstDash val="solid"/>
+                      <a:round/>
+                      <a:headEnd type="none" w="med" len="med"/>
+                      <a:tailEnd type="none" w="med" len="med"/>
+                    </a:lnB>
+                    <a:solidFill>
+                      <a:schemeClr val="bg1">
+                        <a:lumMod val="85000"/>
+                      </a:schemeClr>
+                    </a:solidFill>
+                  </a:tcPr>
+                </a:tc>
+                <a:tc>
+                  <a:txBody>
+                    <a:bodyPr/>
+                    <a:lstStyle/>
+                    <a:p>
+                      <a:pPr algn="ctr"/>
+                      <a:r>
+                        <a:rPr lang="en-US" dirty="0" smtClean="0">
+                          <a:solidFill>
+                            <a:schemeClr val="tx2">
+                              <a:lumMod val="50000"/>
+                            </a:schemeClr>
+                          </a:solidFill>
+                          <a:latin typeface="Garamond" panose="02020404030301010803" pitchFamily="18" charset="0"/>
+                        </a:rPr>
+                        <a:t>A1</a:t>
+                      </a:r>
+                      <a:endParaRPr lang="ru-RU" dirty="0">
+                        <a:solidFill>
+                          <a:schemeClr val="tx2">
+                            <a:lumMod val="50000"/>
+                          </a:schemeClr>
+                        </a:solidFill>
+                        <a:latin typeface="Garamond" panose="02020404030301010803" pitchFamily="18" charset="0"/>
+                      </a:endParaRPr>
+                    </a:p>
+                  </a:txBody>
+                  <a:tcPr>
+                    <a:lnL w="12700" cap="flat" cmpd="sng" algn="ctr">
+                      <a:solidFill>
+                        <a:schemeClr val="tx1"/>
+                      </a:solidFill>
+                      <a:prstDash val="solid"/>
+                      <a:round/>
+                      <a:headEnd type="none" w="med" len="med"/>
+                      <a:tailEnd type="none" w="med" len="med"/>
+                    </a:lnL>
+                    <a:lnR w="12700" cap="flat" cmpd="sng" algn="ctr">
+                      <a:solidFill>
+                        <a:schemeClr val="tx1"/>
+                      </a:solidFill>
+                      <a:prstDash val="solid"/>
+                      <a:round/>
+                      <a:headEnd type="none" w="med" len="med"/>
+                      <a:tailEnd type="none" w="med" len="med"/>
+                    </a:lnR>
+                    <a:lnT w="12700" cap="flat" cmpd="sng" algn="ctr">
+                      <a:solidFill>
+                        <a:schemeClr val="tx1"/>
+                      </a:solidFill>
+                      <a:prstDash val="solid"/>
+                      <a:round/>
+                      <a:headEnd type="none" w="med" len="med"/>
+                      <a:tailEnd type="none" w="med" len="med"/>
+                    </a:lnT>
+                    <a:lnB w="12700" cap="flat" cmpd="sng" algn="ctr">
+                      <a:solidFill>
+                        <a:schemeClr val="tx1"/>
+                      </a:solidFill>
+                      <a:prstDash val="solid"/>
+                      <a:round/>
+                      <a:headEnd type="none" w="med" len="med"/>
+                      <a:tailEnd type="none" w="med" len="med"/>
+                    </a:lnB>
+                    <a:solidFill>
+                      <a:schemeClr val="bg1">
+                        <a:lumMod val="85000"/>
+                      </a:schemeClr>
+                    </a:solidFill>
+                  </a:tcPr>
+                </a:tc>
+                <a:tc>
+                  <a:txBody>
+                    <a:bodyPr/>
+                    <a:lstStyle/>
+                    <a:p>
+                      <a:pPr algn="ctr"/>
+                      <a:r>
+                        <a:rPr lang="ru-RU" dirty="0" smtClean="0">
+                          <a:solidFill>
+                            <a:schemeClr val="tx2">
+                              <a:lumMod val="50000"/>
+                            </a:schemeClr>
+                          </a:solidFill>
+                          <a:latin typeface="Garamond" panose="02020404030301010803" pitchFamily="18" charset="0"/>
+                        </a:rPr>
+                        <a:t>Легкий</a:t>
+                      </a:r>
+                      <a:r>
+                        <a:rPr lang="ru-RU" baseline="0" dirty="0" smtClean="0">
+                          <a:solidFill>
+                            <a:schemeClr val="tx2">
+                              <a:lumMod val="50000"/>
+                            </a:schemeClr>
+                          </a:solidFill>
+                          <a:latin typeface="Garamond" panose="02020404030301010803" pitchFamily="18" charset="0"/>
+                        </a:rPr>
+                        <a:t> суглинок</a:t>
+                      </a:r>
+                      <a:endParaRPr lang="ru-RU" dirty="0">
+                        <a:solidFill>
+                          <a:schemeClr val="tx2">
+                            <a:lumMod val="50000"/>
+                          </a:schemeClr>
+                        </a:solidFill>
+                        <a:latin typeface="Garamond" panose="02020404030301010803" pitchFamily="18" charset="0"/>
+                      </a:endParaRPr>
+                    </a:p>
+                  </a:txBody>
+                  <a:tcPr>
+                    <a:lnL w="12700" cap="flat" cmpd="sng" algn="ctr">
+                      <a:solidFill>
+                        <a:schemeClr val="tx1"/>
+                      </a:solidFill>
+                      <a:prstDash val="solid"/>
+                      <a:round/>
+                      <a:headEnd type="none" w="med" len="med"/>
+                      <a:tailEnd type="none" w="med" len="med"/>
+                    </a:lnL>
+                    <a:lnR w="12700" cap="flat" cmpd="sng" algn="ctr">
+                      <a:solidFill>
+                        <a:schemeClr val="tx1"/>
+                      </a:solidFill>
+                      <a:prstDash val="solid"/>
+                      <a:round/>
+                      <a:headEnd type="none" w="med" len="med"/>
+                      <a:tailEnd type="none" w="med" len="med"/>
+                    </a:lnR>
+                    <a:lnT w="12700" cap="flat" cmpd="sng" algn="ctr">
+                      <a:solidFill>
+                        <a:schemeClr val="tx1"/>
+                      </a:solidFill>
+                      <a:prstDash val="solid"/>
+                      <a:round/>
+                      <a:headEnd type="none" w="med" len="med"/>
+                      <a:tailEnd type="none" w="med" len="med"/>
+                    </a:lnT>
+                    <a:lnB w="12700" cap="flat" cmpd="sng" algn="ctr">
+                      <a:solidFill>
+                        <a:schemeClr val="tx1"/>
+                      </a:solidFill>
+                      <a:prstDash val="solid"/>
+                      <a:round/>
+                      <a:headEnd type="none" w="med" len="med"/>
+                      <a:tailEnd type="none" w="med" len="med"/>
+                    </a:lnB>
+                    <a:solidFill>
+                      <a:schemeClr val="bg1">
+                        <a:lumMod val="85000"/>
+                      </a:schemeClr>
+                    </a:solidFill>
+                  </a:tcPr>
+                </a:tc>
+                <a:tc>
+                  <a:txBody>
+                    <a:bodyPr/>
+                    <a:lstStyle/>
+                    <a:p>
+                      <a:pPr algn="ctr"/>
+                      <a:r>
+                        <a:rPr lang="ru-RU" dirty="0" err="1" smtClean="0">
+                          <a:solidFill>
+                            <a:schemeClr val="tx2">
+                              <a:lumMod val="50000"/>
+                            </a:schemeClr>
+                          </a:solidFill>
+                          <a:latin typeface="Garamond" panose="02020404030301010803" pitchFamily="18" charset="0"/>
+                        </a:rPr>
+                        <a:t>Корневины</a:t>
+                      </a:r>
+                      <a:r>
+                        <a:rPr lang="ru-RU" dirty="0" smtClean="0">
+                          <a:solidFill>
+                            <a:schemeClr val="tx2">
+                              <a:lumMod val="50000"/>
+                            </a:schemeClr>
+                          </a:solidFill>
+                          <a:latin typeface="Garamond" panose="02020404030301010803" pitchFamily="18" charset="0"/>
+                        </a:rPr>
+                        <a:t>,</a:t>
+                      </a:r>
+                      <a:r>
+                        <a:rPr lang="ru-RU" baseline="0" dirty="0" smtClean="0">
+                          <a:solidFill>
+                            <a:schemeClr val="tx2">
+                              <a:lumMod val="50000"/>
+                            </a:schemeClr>
+                          </a:solidFill>
+                          <a:latin typeface="Garamond" panose="02020404030301010803" pitchFamily="18" charset="0"/>
+                        </a:rPr>
+                        <a:t> </a:t>
+                      </a:r>
+                      <a:r>
+                        <a:rPr lang="ru-RU" baseline="0" dirty="0" err="1" smtClean="0">
+                          <a:solidFill>
+                            <a:schemeClr val="tx2">
+                              <a:lumMod val="50000"/>
+                            </a:schemeClr>
+                          </a:solidFill>
+                          <a:latin typeface="Garamond" panose="02020404030301010803" pitchFamily="18" charset="0"/>
+                        </a:rPr>
+                        <a:t>капролисты</a:t>
+                      </a:r>
+                      <a:endParaRPr lang="ru-RU" baseline="0" dirty="0" smtClean="0">
+                        <a:solidFill>
+                          <a:schemeClr val="tx2">
+                            <a:lumMod val="50000"/>
+                          </a:schemeClr>
+                        </a:solidFill>
+                        <a:latin typeface="Garamond" panose="02020404030301010803" pitchFamily="18" charset="0"/>
+                      </a:endParaRPr>
+                    </a:p>
+                  </a:txBody>
+                  <a:tcPr>
+                    <a:lnL w="12700" cap="flat" cmpd="sng" algn="ctr">
+                      <a:solidFill>
+                        <a:schemeClr val="tx1"/>
+                      </a:solidFill>
+                      <a:prstDash val="solid"/>
+                      <a:round/>
+                      <a:headEnd type="none" w="med" len="med"/>
+                      <a:tailEnd type="none" w="med" len="med"/>
+                    </a:lnL>
+                    <a:lnR w="12700" cap="flat" cmpd="sng" algn="ctr">
+                      <a:solidFill>
+                        <a:schemeClr val="tx1"/>
+                      </a:solidFill>
+                      <a:prstDash val="solid"/>
+                      <a:round/>
+                      <a:headEnd type="none" w="med" len="med"/>
+                      <a:tailEnd type="none" w="med" len="med"/>
+                    </a:lnR>
+                    <a:lnT w="12700" cap="flat" cmpd="sng" algn="ctr">
+                      <a:solidFill>
+                        <a:schemeClr val="tx1"/>
+                      </a:solidFill>
+                      <a:prstDash val="solid"/>
+                      <a:round/>
+                      <a:headEnd type="none" w="med" len="med"/>
+                      <a:tailEnd type="none" w="med" len="med"/>
+                    </a:lnT>
+                    <a:lnB w="12700" cap="flat" cmpd="sng" algn="ctr">
+                      <a:solidFill>
+                        <a:schemeClr val="tx1"/>
+                      </a:solidFill>
+                      <a:prstDash val="solid"/>
+                      <a:round/>
+                      <a:headEnd type="none" w="med" len="med"/>
+                      <a:tailEnd type="none" w="med" len="med"/>
+                    </a:lnB>
+                    <a:solidFill>
+                      <a:schemeClr val="bg1">
+                        <a:lumMod val="85000"/>
+                      </a:schemeClr>
+                    </a:solidFill>
+                  </a:tcPr>
+                </a:tc>
+                <a:extLst>
+                  <a:ext uri="{0D108BD9-81ED-4DB2-BD59-A6C34878D82A}">
+                    <a16:rowId xmlns:a16="http://schemas.microsoft.com/office/drawing/2014/main" val="3763886526"/>
+                  </a:ext>
+                </a:extLst>
+              </a:tr>
+              <a:tr h="370840">
+                <a:tc vMerge="1">
+                  <a:txBody>
+                    <a:bodyPr/>
+                    <a:lstStyle/>
+                    <a:p>
+                      <a:endParaRPr lang="ru-RU">
+                        <a:solidFill>
+                          <a:schemeClr val="tx2">
+                            <a:lumMod val="50000"/>
+                          </a:schemeClr>
+                        </a:solidFill>
+                      </a:endParaRPr>
+                    </a:p>
+                  </a:txBody>
+                  <a:tcPr>
+                    <a:lnL w="12700" cap="flat" cmpd="sng" algn="ctr">
+                      <a:solidFill>
+                        <a:schemeClr val="tx1"/>
+                      </a:solidFill>
+                      <a:prstDash val="solid"/>
+                      <a:round/>
+                      <a:headEnd type="none" w="med" len="med"/>
+                      <a:tailEnd type="none" w="med" len="med"/>
+                    </a:lnL>
+                    <a:lnR w="12700" cap="flat" cmpd="sng" algn="ctr">
+                      <a:solidFill>
+                        <a:schemeClr val="tx1"/>
+                      </a:solidFill>
+                      <a:prstDash val="solid"/>
+                      <a:round/>
+                      <a:headEnd type="none" w="med" len="med"/>
+                      <a:tailEnd type="none" w="med" len="med"/>
+                    </a:lnR>
+                    <a:lnT w="12700" cap="flat" cmpd="sng" algn="ctr">
+                      <a:solidFill>
+                        <a:schemeClr val="tx1"/>
+                      </a:solidFill>
+                      <a:prstDash val="solid"/>
+                      <a:round/>
+                      <a:headEnd type="none" w="med" len="med"/>
+                      <a:tailEnd type="none" w="med" len="med"/>
+                    </a:lnT>
+                    <a:lnB w="12700" cap="flat" cmpd="sng" algn="ctr">
+                      <a:solidFill>
+                        <a:schemeClr val="tx1"/>
+                      </a:solidFill>
+                      <a:prstDash val="solid"/>
+                      <a:round/>
+                      <a:headEnd type="none" w="med" len="med"/>
+                      <a:tailEnd type="none" w="med" len="med"/>
+                    </a:lnB>
+                  </a:tcPr>
+                </a:tc>
+                <a:tc>
+                  <a:txBody>
+                    <a:bodyPr/>
+                    <a:lstStyle/>
+                    <a:p>
+                      <a:pPr algn="ctr"/>
+                      <a:r>
+                        <a:rPr lang="en-US" dirty="0" smtClean="0">
+                          <a:solidFill>
+                            <a:schemeClr val="tx2">
+                              <a:lumMod val="50000"/>
+                            </a:schemeClr>
+                          </a:solidFill>
+                          <a:latin typeface="Garamond" panose="02020404030301010803" pitchFamily="18" charset="0"/>
+                        </a:rPr>
+                        <a:t>A2</a:t>
+                      </a:r>
+                      <a:endParaRPr lang="ru-RU" dirty="0">
+                        <a:solidFill>
+                          <a:schemeClr val="tx2">
+                            <a:lumMod val="50000"/>
+                          </a:schemeClr>
+                        </a:solidFill>
+                        <a:latin typeface="Garamond" panose="02020404030301010803" pitchFamily="18" charset="0"/>
+                      </a:endParaRPr>
+                    </a:p>
+                  </a:txBody>
+                  <a:tcPr>
+                    <a:lnL w="12700" cap="flat" cmpd="sng" algn="ctr">
+                      <a:solidFill>
+                        <a:schemeClr val="tx1"/>
+                      </a:solidFill>
+                      <a:prstDash val="solid"/>
+                      <a:round/>
+                      <a:headEnd type="none" w="med" len="med"/>
+                      <a:tailEnd type="none" w="med" len="med"/>
+                    </a:lnL>
+                    <a:lnR w="12700" cap="flat" cmpd="sng" algn="ctr">
+                      <a:solidFill>
+                        <a:schemeClr val="tx1"/>
+                      </a:solidFill>
+                      <a:prstDash val="solid"/>
+                      <a:round/>
+                      <a:headEnd type="none" w="med" len="med"/>
+                      <a:tailEnd type="none" w="med" len="med"/>
+                    </a:lnR>
+                    <a:lnT w="12700" cap="flat" cmpd="sng" algn="ctr">
+                      <a:solidFill>
+                        <a:schemeClr val="tx1"/>
+                      </a:solidFill>
+                      <a:prstDash val="solid"/>
+                      <a:round/>
+                      <a:headEnd type="none" w="med" len="med"/>
+                      <a:tailEnd type="none" w="med" len="med"/>
+                    </a:lnT>
+                    <a:lnB w="12700" cap="flat" cmpd="sng" algn="ctr">
+                      <a:solidFill>
+                        <a:schemeClr val="tx1"/>
+                      </a:solidFill>
+                      <a:prstDash val="solid"/>
+                      <a:round/>
+                      <a:headEnd type="none" w="med" len="med"/>
+                      <a:tailEnd type="none" w="med" len="med"/>
+                    </a:lnB>
+                    <a:solidFill>
+                      <a:schemeClr val="bg1">
+                        <a:lumMod val="85000"/>
+                      </a:schemeClr>
+                    </a:solidFill>
+                  </a:tcPr>
+                </a:tc>
+                <a:tc>
+                  <a:txBody>
+                    <a:bodyPr/>
+                    <a:lstStyle/>
+                    <a:p>
+                      <a:pPr algn="ctr"/>
+                      <a:r>
+                        <a:rPr lang="ru-RU" dirty="0" smtClean="0">
+                          <a:solidFill>
+                            <a:schemeClr val="tx2">
+                              <a:lumMod val="50000"/>
+                            </a:schemeClr>
+                          </a:solidFill>
+                          <a:latin typeface="Garamond" panose="02020404030301010803" pitchFamily="18" charset="0"/>
+                        </a:rPr>
+                        <a:t>Супесь</a:t>
+                      </a:r>
+                      <a:endParaRPr lang="ru-RU" dirty="0">
+                        <a:solidFill>
+                          <a:schemeClr val="tx2">
+                            <a:lumMod val="50000"/>
+                          </a:schemeClr>
+                        </a:solidFill>
+                        <a:latin typeface="Garamond" panose="02020404030301010803" pitchFamily="18" charset="0"/>
+                      </a:endParaRPr>
+                    </a:p>
+                  </a:txBody>
+                  <a:tcPr>
+                    <a:lnL w="12700" cap="flat" cmpd="sng" algn="ctr">
+                      <a:solidFill>
+                        <a:schemeClr val="tx1"/>
+                      </a:solidFill>
+                      <a:prstDash val="solid"/>
+                      <a:round/>
+                      <a:headEnd type="none" w="med" len="med"/>
+                      <a:tailEnd type="none" w="med" len="med"/>
+                    </a:lnL>
+                    <a:lnR w="12700" cap="flat" cmpd="sng" algn="ctr">
+                      <a:solidFill>
+                        <a:schemeClr val="tx1"/>
+                      </a:solidFill>
+                      <a:prstDash val="solid"/>
+                      <a:round/>
+                      <a:headEnd type="none" w="med" len="med"/>
+                      <a:tailEnd type="none" w="med" len="med"/>
+                    </a:lnR>
+                    <a:lnT w="12700" cap="flat" cmpd="sng" algn="ctr">
+                      <a:solidFill>
+                        <a:schemeClr val="tx1"/>
+                      </a:solidFill>
+                      <a:prstDash val="solid"/>
+                      <a:round/>
+                      <a:headEnd type="none" w="med" len="med"/>
+                      <a:tailEnd type="none" w="med" len="med"/>
+                    </a:lnT>
+                    <a:lnB w="12700" cap="flat" cmpd="sng" algn="ctr">
+                      <a:solidFill>
+                        <a:schemeClr val="tx1"/>
+                      </a:solidFill>
+                      <a:prstDash val="solid"/>
+                      <a:round/>
+                      <a:headEnd type="none" w="med" len="med"/>
+                      <a:tailEnd type="none" w="med" len="med"/>
+                    </a:lnB>
+                    <a:solidFill>
+                      <a:schemeClr val="bg1">
+                        <a:lumMod val="85000"/>
+                      </a:schemeClr>
+                    </a:solidFill>
+                  </a:tcPr>
+                </a:tc>
+                <a:tc>
+                  <a:txBody>
+                    <a:bodyPr/>
+                    <a:lstStyle/>
+                    <a:p>
+                      <a:pPr algn="ctr"/>
+                      <a:r>
+                        <a:rPr lang="ru-RU" dirty="0" smtClean="0">
+                          <a:solidFill>
+                            <a:schemeClr val="tx2">
+                              <a:lumMod val="50000"/>
+                            </a:schemeClr>
+                          </a:solidFill>
+                          <a:latin typeface="Garamond" panose="02020404030301010803" pitchFamily="18" charset="0"/>
+                        </a:rPr>
+                        <a:t>Корни</a:t>
+                      </a:r>
+                      <a:endParaRPr lang="ru-RU" dirty="0">
+                        <a:solidFill>
+                          <a:schemeClr val="tx2">
+                            <a:lumMod val="50000"/>
+                          </a:schemeClr>
+                        </a:solidFill>
+                        <a:latin typeface="Garamond" panose="02020404030301010803" pitchFamily="18" charset="0"/>
+                      </a:endParaRPr>
+                    </a:p>
+                  </a:txBody>
+                  <a:tcPr>
+                    <a:lnL w="12700" cap="flat" cmpd="sng" algn="ctr">
+                      <a:solidFill>
+                        <a:schemeClr val="tx1"/>
+                      </a:solidFill>
+                      <a:prstDash val="solid"/>
+                      <a:round/>
+                      <a:headEnd type="none" w="med" len="med"/>
+                      <a:tailEnd type="none" w="med" len="med"/>
+                    </a:lnL>
+                    <a:lnR w="12700" cap="flat" cmpd="sng" algn="ctr">
+                      <a:solidFill>
+                        <a:schemeClr val="tx1"/>
+                      </a:solidFill>
+                      <a:prstDash val="solid"/>
+                      <a:round/>
+                      <a:headEnd type="none" w="med" len="med"/>
+                      <a:tailEnd type="none" w="med" len="med"/>
+                    </a:lnR>
+                    <a:lnT w="12700" cap="flat" cmpd="sng" algn="ctr">
+                      <a:solidFill>
+                        <a:schemeClr val="tx1"/>
+                      </a:solidFill>
+                      <a:prstDash val="solid"/>
+                      <a:round/>
+                      <a:headEnd type="none" w="med" len="med"/>
+                      <a:tailEnd type="none" w="med" len="med"/>
+                    </a:lnT>
+                    <a:lnB w="12700" cap="flat" cmpd="sng" algn="ctr">
+                      <a:solidFill>
+                        <a:schemeClr val="tx1"/>
+                      </a:solidFill>
+                      <a:prstDash val="solid"/>
+                      <a:round/>
+                      <a:headEnd type="none" w="med" len="med"/>
+                      <a:tailEnd type="none" w="med" len="med"/>
+                    </a:lnB>
+                    <a:solidFill>
+                      <a:schemeClr val="bg1">
+                        <a:lumMod val="85000"/>
+                      </a:schemeClr>
+                    </a:solidFill>
+                  </a:tcPr>
+                </a:tc>
+                <a:extLst>
+                  <a:ext uri="{0D108BD9-81ED-4DB2-BD59-A6C34878D82A}">
+                    <a16:rowId xmlns:a16="http://schemas.microsoft.com/office/drawing/2014/main" val="2876692119"/>
+                  </a:ext>
+                </a:extLst>
+              </a:tr>
+              <a:tr h="370840">
+                <a:tc vMerge="1">
+                  <a:txBody>
+                    <a:bodyPr/>
+                    <a:lstStyle/>
+                    <a:p>
+                      <a:endParaRPr lang="ru-RU">
+                        <a:solidFill>
+                          <a:schemeClr val="tx2">
+                            <a:lumMod val="50000"/>
+                          </a:schemeClr>
+                        </a:solidFill>
+                      </a:endParaRPr>
+                    </a:p>
+                  </a:txBody>
+                  <a:tcPr>
+                    <a:lnL w="12700" cap="flat" cmpd="sng" algn="ctr">
+                      <a:solidFill>
+                        <a:schemeClr val="tx1"/>
+                      </a:solidFill>
+                      <a:prstDash val="solid"/>
+                      <a:round/>
+                      <a:headEnd type="none" w="med" len="med"/>
+                      <a:tailEnd type="none" w="med" len="med"/>
+                    </a:lnL>
+                    <a:lnR w="12700" cap="flat" cmpd="sng" algn="ctr">
+                      <a:solidFill>
+                        <a:schemeClr val="tx1"/>
+                      </a:solidFill>
+                      <a:prstDash val="solid"/>
+                      <a:round/>
+                      <a:headEnd type="none" w="med" len="med"/>
+                      <a:tailEnd type="none" w="med" len="med"/>
+                    </a:lnR>
+                    <a:lnT w="12700" cap="flat" cmpd="sng" algn="ctr">
+                      <a:solidFill>
+                        <a:schemeClr val="tx1"/>
+                      </a:solidFill>
+                      <a:prstDash val="solid"/>
+                      <a:round/>
+                      <a:headEnd type="none" w="med" len="med"/>
+                      <a:tailEnd type="none" w="med" len="med"/>
+                    </a:lnT>
+                    <a:lnB w="12700" cap="flat" cmpd="sng" algn="ctr">
+                      <a:solidFill>
+                        <a:schemeClr val="tx1"/>
+                      </a:solidFill>
+                      <a:prstDash val="solid"/>
+                      <a:round/>
+                      <a:headEnd type="none" w="med" len="med"/>
+                      <a:tailEnd type="none" w="med" len="med"/>
+                    </a:lnB>
+                  </a:tcPr>
+                </a:tc>
+                <a:tc>
+                  <a:txBody>
+                    <a:bodyPr/>
+                    <a:lstStyle/>
+                    <a:p>
+                      <a:pPr algn="ctr"/>
+                      <a:r>
+                        <a:rPr lang="en-US" dirty="0" smtClean="0">
+                          <a:solidFill>
+                            <a:schemeClr val="tx2">
+                              <a:lumMod val="50000"/>
+                            </a:schemeClr>
+                          </a:solidFill>
+                          <a:latin typeface="Garamond" panose="02020404030301010803" pitchFamily="18" charset="0"/>
+                        </a:rPr>
+                        <a:t>A2B</a:t>
+                      </a:r>
+                      <a:endParaRPr lang="ru-RU" dirty="0">
+                        <a:solidFill>
+                          <a:schemeClr val="tx2">
+                            <a:lumMod val="50000"/>
+                          </a:schemeClr>
+                        </a:solidFill>
+                        <a:latin typeface="Garamond" panose="02020404030301010803" pitchFamily="18" charset="0"/>
+                      </a:endParaRPr>
+                    </a:p>
+                  </a:txBody>
+                  <a:tcPr>
+                    <a:lnL w="12700" cap="flat" cmpd="sng" algn="ctr">
+                      <a:solidFill>
+                        <a:schemeClr val="tx1"/>
+                      </a:solidFill>
+                      <a:prstDash val="solid"/>
+                      <a:round/>
+                      <a:headEnd type="none" w="med" len="med"/>
+                      <a:tailEnd type="none" w="med" len="med"/>
+                    </a:lnL>
+                    <a:lnR w="12700" cap="flat" cmpd="sng" algn="ctr">
+                      <a:solidFill>
+                        <a:schemeClr val="tx1"/>
+                      </a:solidFill>
+                      <a:prstDash val="solid"/>
+                      <a:round/>
+                      <a:headEnd type="none" w="med" len="med"/>
+                      <a:tailEnd type="none" w="med" len="med"/>
+                    </a:lnR>
+                    <a:lnT w="12700" cap="flat" cmpd="sng" algn="ctr">
+                      <a:solidFill>
+                        <a:schemeClr val="tx1"/>
+                      </a:solidFill>
+                      <a:prstDash val="solid"/>
+                      <a:round/>
+                      <a:headEnd type="none" w="med" len="med"/>
+                      <a:tailEnd type="none" w="med" len="med"/>
+                    </a:lnT>
+                    <a:lnB w="12700" cap="flat" cmpd="sng" algn="ctr">
+                      <a:solidFill>
+                        <a:schemeClr val="tx1"/>
+                      </a:solidFill>
+                      <a:prstDash val="solid"/>
+                      <a:round/>
+                      <a:headEnd type="none" w="med" len="med"/>
+                      <a:tailEnd type="none" w="med" len="med"/>
+                    </a:lnB>
+                    <a:solidFill>
+                      <a:schemeClr val="bg1">
+                        <a:lumMod val="85000"/>
+                      </a:schemeClr>
+                    </a:solidFill>
+                  </a:tcPr>
+                </a:tc>
+                <a:tc>
+                  <a:txBody>
+                    <a:bodyPr/>
+                    <a:lstStyle/>
+                    <a:p>
+                      <a:pPr algn="ctr"/>
+                      <a:r>
+                        <a:rPr lang="ru-RU" dirty="0" smtClean="0">
+                          <a:solidFill>
+                            <a:schemeClr val="tx2">
+                              <a:lumMod val="50000"/>
+                            </a:schemeClr>
+                          </a:solidFill>
+                          <a:latin typeface="Garamond" panose="02020404030301010803" pitchFamily="18" charset="0"/>
+                        </a:rPr>
+                        <a:t>Супесь</a:t>
+                      </a:r>
+                      <a:endParaRPr lang="ru-RU" dirty="0">
+                        <a:solidFill>
+                          <a:schemeClr val="tx2">
+                            <a:lumMod val="50000"/>
+                          </a:schemeClr>
+                        </a:solidFill>
+                        <a:latin typeface="Garamond" panose="02020404030301010803" pitchFamily="18" charset="0"/>
+                      </a:endParaRPr>
+                    </a:p>
+                  </a:txBody>
+                  <a:tcPr>
+                    <a:lnL w="12700" cap="flat" cmpd="sng" algn="ctr">
+                      <a:solidFill>
+                        <a:schemeClr val="tx1"/>
+                      </a:solidFill>
+                      <a:prstDash val="solid"/>
+                      <a:round/>
+                      <a:headEnd type="none" w="med" len="med"/>
+                      <a:tailEnd type="none" w="med" len="med"/>
+                    </a:lnL>
+                    <a:lnR w="12700" cap="flat" cmpd="sng" algn="ctr">
+                      <a:solidFill>
+                        <a:schemeClr val="tx1"/>
+                      </a:solidFill>
+                      <a:prstDash val="solid"/>
+                      <a:round/>
+                      <a:headEnd type="none" w="med" len="med"/>
+                      <a:tailEnd type="none" w="med" len="med"/>
+                    </a:lnR>
+                    <a:lnT w="12700" cap="flat" cmpd="sng" algn="ctr">
+                      <a:solidFill>
+                        <a:schemeClr val="tx1"/>
+                      </a:solidFill>
+                      <a:prstDash val="solid"/>
+                      <a:round/>
+                      <a:headEnd type="none" w="med" len="med"/>
+                      <a:tailEnd type="none" w="med" len="med"/>
+                    </a:lnT>
+                    <a:lnB w="12700" cap="flat" cmpd="sng" algn="ctr">
+                      <a:solidFill>
+                        <a:schemeClr val="tx1"/>
+                      </a:solidFill>
+                      <a:prstDash val="solid"/>
+                      <a:round/>
+                      <a:headEnd type="none" w="med" len="med"/>
+                      <a:tailEnd type="none" w="med" len="med"/>
+                    </a:lnB>
+                    <a:solidFill>
+                      <a:schemeClr val="bg1">
+                        <a:lumMod val="85000"/>
+                      </a:schemeClr>
+                    </a:solidFill>
+                  </a:tcPr>
+                </a:tc>
+                <a:tc>
+                  <a:txBody>
+                    <a:bodyPr/>
+                    <a:lstStyle/>
+                    <a:p>
+                      <a:pPr algn="ctr"/>
+                      <a:r>
+                        <a:rPr lang="ru-RU" dirty="0" smtClean="0">
+                          <a:solidFill>
+                            <a:schemeClr val="tx2">
+                              <a:lumMod val="50000"/>
+                            </a:schemeClr>
+                          </a:solidFill>
+                          <a:latin typeface="Garamond" panose="02020404030301010803" pitchFamily="18" charset="0"/>
+                        </a:rPr>
+                        <a:t>Корни</a:t>
+                      </a:r>
+                      <a:endParaRPr lang="ru-RU" dirty="0">
+                        <a:solidFill>
+                          <a:schemeClr val="tx2">
+                            <a:lumMod val="50000"/>
+                          </a:schemeClr>
+                        </a:solidFill>
+                        <a:latin typeface="Garamond" panose="02020404030301010803" pitchFamily="18" charset="0"/>
+                      </a:endParaRPr>
+                    </a:p>
+                  </a:txBody>
+                  <a:tcPr>
+                    <a:lnL w="12700" cap="flat" cmpd="sng" algn="ctr">
+                      <a:solidFill>
+                        <a:schemeClr val="tx1"/>
+                      </a:solidFill>
+                      <a:prstDash val="solid"/>
+                      <a:round/>
+                      <a:headEnd type="none" w="med" len="med"/>
+                      <a:tailEnd type="none" w="med" len="med"/>
+                    </a:lnL>
+                    <a:lnR w="12700" cap="flat" cmpd="sng" algn="ctr">
+                      <a:solidFill>
+                        <a:schemeClr val="tx1"/>
+                      </a:solidFill>
+                      <a:prstDash val="solid"/>
+                      <a:round/>
+                      <a:headEnd type="none" w="med" len="med"/>
+                      <a:tailEnd type="none" w="med" len="med"/>
+                    </a:lnR>
+                    <a:lnT w="12700" cap="flat" cmpd="sng" algn="ctr">
+                      <a:solidFill>
+                        <a:schemeClr val="tx1"/>
+                      </a:solidFill>
+                      <a:prstDash val="solid"/>
+                      <a:round/>
+                      <a:headEnd type="none" w="med" len="med"/>
+                      <a:tailEnd type="none" w="med" len="med"/>
+                    </a:lnT>
+                    <a:lnB w="12700" cap="flat" cmpd="sng" algn="ctr">
+                      <a:solidFill>
+                        <a:schemeClr val="tx1"/>
+                      </a:solidFill>
+                      <a:prstDash val="solid"/>
+                      <a:round/>
+                      <a:headEnd type="none" w="med" len="med"/>
+                      <a:tailEnd type="none" w="med" len="med"/>
+                    </a:lnB>
+                    <a:solidFill>
+                      <a:schemeClr val="bg1">
+                        <a:lumMod val="85000"/>
+                      </a:schemeClr>
+                    </a:solidFill>
+                  </a:tcPr>
+                </a:tc>
+                <a:extLst>
+                  <a:ext uri="{0D108BD9-81ED-4DB2-BD59-A6C34878D82A}">
+                    <a16:rowId xmlns:a16="http://schemas.microsoft.com/office/drawing/2014/main" val="379808148"/>
+                  </a:ext>
+                </a:extLst>
+              </a:tr>
+              <a:tr h="138072">
+                <a:tc gridSpan="4">
+                  <a:txBody>
+                    <a:bodyPr/>
+                    <a:lstStyle/>
+                    <a:p>
+                      <a:pPr algn="ctr"/>
+                      <a:endParaRPr lang="ru-RU" sz="300" dirty="0">
+                        <a:solidFill>
+                          <a:schemeClr val="tx2">
+                            <a:lumMod val="50000"/>
+                          </a:schemeClr>
+                        </a:solidFill>
+                        <a:latin typeface="Garamond" panose="02020404030301010803" pitchFamily="18" charset="0"/>
+                      </a:endParaRPr>
+                    </a:p>
+                  </a:txBody>
+                  <a:tcPr anchor="ctr">
+                    <a:lnL w="12700" cap="flat" cmpd="sng" algn="ctr">
+                      <a:solidFill>
+                        <a:schemeClr val="tx1"/>
+                      </a:solidFill>
+                      <a:prstDash val="solid"/>
+                      <a:round/>
+                      <a:headEnd type="none" w="med" len="med"/>
+                      <a:tailEnd type="none" w="med" len="med"/>
+                    </a:lnL>
+                    <a:lnR w="12700" cap="flat" cmpd="sng" algn="ctr">
+                      <a:solidFill>
+                        <a:schemeClr val="tx1"/>
+                      </a:solidFill>
+                      <a:prstDash val="solid"/>
+                      <a:round/>
+                      <a:headEnd type="none" w="med" len="med"/>
+                      <a:tailEnd type="none" w="med" len="med"/>
+                    </a:lnR>
+                    <a:lnT w="12700" cap="flat" cmpd="sng" algn="ctr">
+                      <a:solidFill>
+                        <a:schemeClr val="tx1"/>
+                      </a:solidFill>
+                      <a:prstDash val="solid"/>
+                      <a:round/>
+                      <a:headEnd type="none" w="med" len="med"/>
+                      <a:tailEnd type="none" w="med" len="med"/>
+                    </a:lnT>
+                    <a:lnB w="12700" cap="flat" cmpd="sng" algn="ctr">
+                      <a:solidFill>
+                        <a:schemeClr val="tx1"/>
+                      </a:solidFill>
+                      <a:prstDash val="solid"/>
+                      <a:round/>
+                      <a:headEnd type="none" w="med" len="med"/>
+                      <a:tailEnd type="none" w="med" len="med"/>
+                    </a:lnB>
+                    <a:solidFill>
+                      <a:schemeClr val="tx1">
+                        <a:lumMod val="50000"/>
+                        <a:lumOff val="50000"/>
+                      </a:schemeClr>
+                    </a:solidFill>
+                  </a:tcPr>
+                </a:tc>
+                <a:tc hMerge="1">
+                  <a:txBody>
+                    <a:bodyPr/>
+                    <a:lstStyle/>
+                    <a:p>
+                      <a:pPr algn="ctr"/>
+                      <a:endParaRPr lang="ru-RU" sz="100" dirty="0">
+                        <a:solidFill>
+                          <a:schemeClr val="tx2">
+                            <a:lumMod val="50000"/>
+                          </a:schemeClr>
+                        </a:solidFill>
+                      </a:endParaRPr>
+                    </a:p>
+                  </a:txBody>
+                  <a:tcPr>
+                    <a:lnL w="12700" cap="flat" cmpd="sng" algn="ctr">
+                      <a:solidFill>
+                        <a:schemeClr val="tx1"/>
+                      </a:solidFill>
+                      <a:prstDash val="solid"/>
+                      <a:round/>
+                      <a:headEnd type="none" w="med" len="med"/>
+                      <a:tailEnd type="none" w="med" len="med"/>
+                    </a:lnL>
+                    <a:lnR w="12700" cap="flat" cmpd="sng" algn="ctr">
+                      <a:solidFill>
+                        <a:schemeClr val="tx1"/>
+                      </a:solidFill>
+                      <a:prstDash val="solid"/>
+                      <a:round/>
+                      <a:headEnd type="none" w="med" len="med"/>
+                      <a:tailEnd type="none" w="med" len="med"/>
+                    </a:lnR>
+                    <a:lnT w="12700" cap="flat" cmpd="sng" algn="ctr">
+                      <a:solidFill>
+                        <a:schemeClr val="tx1"/>
+                      </a:solidFill>
+                      <a:prstDash val="solid"/>
+                      <a:round/>
+                      <a:headEnd type="none" w="med" len="med"/>
+                      <a:tailEnd type="none" w="med" len="med"/>
+                    </a:lnT>
+                    <a:lnB w="12700" cap="flat" cmpd="sng" algn="ctr">
+                      <a:solidFill>
+                        <a:schemeClr val="tx1"/>
+                      </a:solidFill>
+                      <a:prstDash val="solid"/>
+                      <a:round/>
+                      <a:headEnd type="none" w="med" len="med"/>
+                      <a:tailEnd type="none" w="med" len="med"/>
+                    </a:lnB>
+                    <a:solidFill>
+                      <a:schemeClr val="tx1">
+                        <a:lumMod val="50000"/>
+                        <a:lumOff val="50000"/>
+                      </a:schemeClr>
+                    </a:solidFill>
+                  </a:tcPr>
+                </a:tc>
+                <a:tc hMerge="1">
+                  <a:txBody>
+                    <a:bodyPr/>
+                    <a:lstStyle/>
+                    <a:p>
+                      <a:pPr algn="ctr"/>
+                      <a:endParaRPr lang="ru-RU" sz="100" dirty="0">
+                        <a:solidFill>
+                          <a:schemeClr val="tx2">
+                            <a:lumMod val="50000"/>
+                          </a:schemeClr>
+                        </a:solidFill>
+                      </a:endParaRPr>
+                    </a:p>
+                  </a:txBody>
+                  <a:tcPr>
+                    <a:lnL w="12700" cap="flat" cmpd="sng" algn="ctr">
+                      <a:solidFill>
+                        <a:schemeClr val="tx1"/>
+                      </a:solidFill>
+                      <a:prstDash val="solid"/>
+                      <a:round/>
+                      <a:headEnd type="none" w="med" len="med"/>
+                      <a:tailEnd type="none" w="med" len="med"/>
+                    </a:lnL>
+                    <a:lnR w="12700" cap="flat" cmpd="sng" algn="ctr">
+                      <a:solidFill>
+                        <a:schemeClr val="tx1"/>
+                      </a:solidFill>
+                      <a:prstDash val="solid"/>
+                      <a:round/>
+                      <a:headEnd type="none" w="med" len="med"/>
+                      <a:tailEnd type="none" w="med" len="med"/>
+                    </a:lnR>
+                    <a:lnT w="12700" cap="flat" cmpd="sng" algn="ctr">
+                      <a:solidFill>
+                        <a:schemeClr val="tx1"/>
+                      </a:solidFill>
+                      <a:prstDash val="solid"/>
+                      <a:round/>
+                      <a:headEnd type="none" w="med" len="med"/>
+                      <a:tailEnd type="none" w="med" len="med"/>
+                    </a:lnT>
+                    <a:lnB w="12700" cap="flat" cmpd="sng" algn="ctr">
+                      <a:solidFill>
+                        <a:schemeClr val="tx1"/>
+                      </a:solidFill>
+                      <a:prstDash val="solid"/>
+                      <a:round/>
+                      <a:headEnd type="none" w="med" len="med"/>
+                      <a:tailEnd type="none" w="med" len="med"/>
+                    </a:lnB>
+                    <a:solidFill>
+                      <a:schemeClr val="tx1">
+                        <a:lumMod val="50000"/>
+                        <a:lumOff val="50000"/>
+                      </a:schemeClr>
+                    </a:solidFill>
+                  </a:tcPr>
+                </a:tc>
+                <a:tc hMerge="1">
+                  <a:txBody>
+                    <a:bodyPr/>
+                    <a:lstStyle/>
+                    <a:p>
+                      <a:endParaRPr lang="ru-RU" sz="100" dirty="0">
+                        <a:solidFill>
+                          <a:schemeClr val="tx2">
+                            <a:lumMod val="50000"/>
+                          </a:schemeClr>
+                        </a:solidFill>
+                      </a:endParaRPr>
+                    </a:p>
+                  </a:txBody>
+                  <a:tcPr>
+                    <a:lnL w="12700" cap="flat" cmpd="sng" algn="ctr">
+                      <a:solidFill>
+                        <a:schemeClr val="tx1"/>
+                      </a:solidFill>
+                      <a:prstDash val="solid"/>
+                      <a:round/>
+                      <a:headEnd type="none" w="med" len="med"/>
+                      <a:tailEnd type="none" w="med" len="med"/>
+                    </a:lnL>
+                    <a:lnR w="12700" cap="flat" cmpd="sng" algn="ctr">
+                      <a:solidFill>
+                        <a:schemeClr val="tx1"/>
+                      </a:solidFill>
+                      <a:prstDash val="solid"/>
+                      <a:round/>
+                      <a:headEnd type="none" w="med" len="med"/>
+                      <a:tailEnd type="none" w="med" len="med"/>
+                    </a:lnR>
+                    <a:lnT w="12700" cap="flat" cmpd="sng" algn="ctr">
+                      <a:solidFill>
+                        <a:schemeClr val="tx1"/>
+                      </a:solidFill>
+                      <a:prstDash val="solid"/>
+                      <a:round/>
+                      <a:headEnd type="none" w="med" len="med"/>
+                      <a:tailEnd type="none" w="med" len="med"/>
+                    </a:lnT>
+                    <a:lnB w="12700" cap="flat" cmpd="sng" algn="ctr">
+                      <a:solidFill>
+                        <a:schemeClr val="tx1"/>
+                      </a:solidFill>
+                      <a:prstDash val="solid"/>
+                      <a:round/>
+                      <a:headEnd type="none" w="med" len="med"/>
+                      <a:tailEnd type="none" w="med" len="med"/>
+                    </a:lnB>
+                    <a:solidFill>
+                      <a:schemeClr val="tx1">
+                        <a:lumMod val="50000"/>
+                        <a:lumOff val="50000"/>
+                      </a:schemeClr>
+                    </a:solidFill>
+                  </a:tcPr>
+                </a:tc>
+                <a:extLst>
+                  <a:ext uri="{0D108BD9-81ED-4DB2-BD59-A6C34878D82A}">
+                    <a16:rowId xmlns:a16="http://schemas.microsoft.com/office/drawing/2014/main" val="1439760605"/>
+                  </a:ext>
+                </a:extLst>
+              </a:tr>
+              <a:tr h="370840">
+                <a:tc rowSpan="3">
+                  <a:txBody>
+                    <a:bodyPr/>
+                    <a:lstStyle/>
+                    <a:p>
+                      <a:pPr marL="0" marR="0" indent="0" algn="ctr" defTabSz="914400" rtl="0" eaLnBrk="1" fontAlgn="auto" latinLnBrk="0" hangingPunct="1">
+                        <a:lnSpc>
+                          <a:spcPct val="100000"/>
+                        </a:lnSpc>
+                        <a:spcBef>
+                          <a:spcPts val="0"/>
+                        </a:spcBef>
+                        <a:spcAft>
+                          <a:spcPts val="0"/>
+                        </a:spcAft>
+                        <a:buClrTx/>
+                        <a:buSzTx/>
+                        <a:buFontTx/>
+                        <a:buNone/>
+                        <a:tabLst/>
+                        <a:defRPr/>
+                      </a:pPr>
+                      <a:r>
+                        <a:rPr lang="en-US" sz="3200" dirty="0" smtClean="0">
+                          <a:solidFill>
+                            <a:schemeClr val="tx2">
+                              <a:lumMod val="50000"/>
+                            </a:schemeClr>
+                          </a:solidFill>
+                          <a:latin typeface="Garamond" panose="02020404030301010803" pitchFamily="18" charset="0"/>
+                        </a:rPr>
+                        <a:t>2</a:t>
+                      </a:r>
+                      <a:endParaRPr lang="ru-RU" sz="3200" dirty="0" smtClean="0">
+                        <a:solidFill>
+                          <a:schemeClr val="tx2">
+                            <a:lumMod val="50000"/>
+                          </a:schemeClr>
+                        </a:solidFill>
+                        <a:latin typeface="Garamond" panose="02020404030301010803" pitchFamily="18" charset="0"/>
+                      </a:endParaRPr>
+                    </a:p>
+                  </a:txBody>
+                  <a:tcPr anchor="ctr">
+                    <a:lnL w="12700" cap="flat" cmpd="sng" algn="ctr">
+                      <a:solidFill>
+                        <a:schemeClr val="tx1"/>
+                      </a:solidFill>
+                      <a:prstDash val="solid"/>
+                      <a:round/>
+                      <a:headEnd type="none" w="med" len="med"/>
+                      <a:tailEnd type="none" w="med" len="med"/>
+                    </a:lnL>
+                    <a:lnR w="12700" cap="flat" cmpd="sng" algn="ctr">
+                      <a:solidFill>
+                        <a:schemeClr val="tx1"/>
+                      </a:solidFill>
+                      <a:prstDash val="solid"/>
+                      <a:round/>
+                      <a:headEnd type="none" w="med" len="med"/>
+                      <a:tailEnd type="none" w="med" len="med"/>
+                    </a:lnR>
+                    <a:lnT w="12700" cap="flat" cmpd="sng" algn="ctr">
+                      <a:solidFill>
+                        <a:schemeClr val="tx1"/>
+                      </a:solidFill>
+                      <a:prstDash val="solid"/>
+                      <a:round/>
+                      <a:headEnd type="none" w="med" len="med"/>
+                      <a:tailEnd type="none" w="med" len="med"/>
+                    </a:lnT>
+                    <a:lnB w="12700" cap="flat" cmpd="sng" algn="ctr">
+                      <a:solidFill>
+                        <a:schemeClr val="tx1"/>
+                      </a:solidFill>
+                      <a:prstDash val="solid"/>
+                      <a:round/>
+                      <a:headEnd type="none" w="med" len="med"/>
+                      <a:tailEnd type="none" w="med" len="med"/>
+                    </a:lnB>
+                    <a:solidFill>
+                      <a:schemeClr val="bg1">
+                        <a:lumMod val="85000"/>
+                      </a:schemeClr>
+                    </a:solidFill>
+                  </a:tcPr>
+                </a:tc>
+                <a:tc>
+                  <a:txBody>
+                    <a:bodyPr/>
+                    <a:lstStyle/>
+                    <a:p>
+                      <a:pPr marL="0" marR="0" indent="0" algn="ctr" defTabSz="914400" rtl="0" eaLnBrk="1" fontAlgn="auto" latinLnBrk="0" hangingPunct="1">
+                        <a:lnSpc>
+                          <a:spcPct val="100000"/>
+                        </a:lnSpc>
+                        <a:spcBef>
+                          <a:spcPts val="0"/>
+                        </a:spcBef>
+                        <a:spcAft>
+                          <a:spcPts val="0"/>
+                        </a:spcAft>
+                        <a:buClrTx/>
+                        <a:buSzTx/>
+                        <a:buFontTx/>
+                        <a:buNone/>
+                        <a:tabLst/>
+                        <a:defRPr/>
+                      </a:pPr>
+                      <a:r>
+                        <a:rPr lang="en-US" dirty="0" smtClean="0">
+                          <a:solidFill>
+                            <a:schemeClr val="tx2">
+                              <a:lumMod val="50000"/>
+                            </a:schemeClr>
+                          </a:solidFill>
+                          <a:latin typeface="Garamond" panose="02020404030301010803" pitchFamily="18" charset="0"/>
+                        </a:rPr>
+                        <a:t>A1</a:t>
+                      </a:r>
+                      <a:endParaRPr lang="ru-RU" dirty="0" smtClean="0">
+                        <a:solidFill>
+                          <a:schemeClr val="tx2">
+                            <a:lumMod val="50000"/>
+                          </a:schemeClr>
+                        </a:solidFill>
+                        <a:latin typeface="Garamond" panose="02020404030301010803" pitchFamily="18" charset="0"/>
+                      </a:endParaRPr>
+                    </a:p>
+                  </a:txBody>
+                  <a:tcPr>
+                    <a:lnL w="12700" cap="flat" cmpd="sng" algn="ctr">
+                      <a:solidFill>
+                        <a:schemeClr val="tx1"/>
+                      </a:solidFill>
+                      <a:prstDash val="solid"/>
+                      <a:round/>
+                      <a:headEnd type="none" w="med" len="med"/>
+                      <a:tailEnd type="none" w="med" len="med"/>
+                    </a:lnL>
+                    <a:lnR w="12700" cap="flat" cmpd="sng" algn="ctr">
+                      <a:solidFill>
+                        <a:schemeClr val="tx1"/>
+                      </a:solidFill>
+                      <a:prstDash val="solid"/>
+                      <a:round/>
+                      <a:headEnd type="none" w="med" len="med"/>
+                      <a:tailEnd type="none" w="med" len="med"/>
+                    </a:lnR>
+                    <a:lnT w="12700" cap="flat" cmpd="sng" algn="ctr">
+                      <a:solidFill>
+                        <a:schemeClr val="tx1"/>
+                      </a:solidFill>
+                      <a:prstDash val="solid"/>
+                      <a:round/>
+                      <a:headEnd type="none" w="med" len="med"/>
+                      <a:tailEnd type="none" w="med" len="med"/>
+                    </a:lnT>
+                    <a:lnB w="12700" cap="flat" cmpd="sng" algn="ctr">
+                      <a:solidFill>
+                        <a:schemeClr val="tx1"/>
+                      </a:solidFill>
+                      <a:prstDash val="solid"/>
+                      <a:round/>
+                      <a:headEnd type="none" w="med" len="med"/>
+                      <a:tailEnd type="none" w="med" len="med"/>
+                    </a:lnB>
+                    <a:solidFill>
+                      <a:schemeClr val="bg1">
+                        <a:lumMod val="85000"/>
+                      </a:schemeClr>
+                    </a:solidFill>
+                  </a:tcPr>
+                </a:tc>
+                <a:tc>
+                  <a:txBody>
+                    <a:bodyPr/>
+                    <a:lstStyle/>
+                    <a:p>
+                      <a:pPr algn="ctr"/>
+                      <a:r>
+                        <a:rPr lang="ru-RU" dirty="0" smtClean="0">
+                          <a:solidFill>
+                            <a:schemeClr val="tx2">
+                              <a:lumMod val="50000"/>
+                            </a:schemeClr>
+                          </a:solidFill>
+                          <a:latin typeface="Garamond" panose="02020404030301010803" pitchFamily="18" charset="0"/>
+                        </a:rPr>
+                        <a:t>Легкий суглинок</a:t>
+                      </a:r>
+                      <a:endParaRPr lang="ru-RU" dirty="0">
+                        <a:solidFill>
+                          <a:schemeClr val="tx2">
+                            <a:lumMod val="50000"/>
+                          </a:schemeClr>
+                        </a:solidFill>
+                        <a:latin typeface="Garamond" panose="02020404030301010803" pitchFamily="18" charset="0"/>
+                      </a:endParaRPr>
+                    </a:p>
+                  </a:txBody>
+                  <a:tcPr>
+                    <a:lnL w="12700" cap="flat" cmpd="sng" algn="ctr">
+                      <a:solidFill>
+                        <a:schemeClr val="tx1"/>
+                      </a:solidFill>
+                      <a:prstDash val="solid"/>
+                      <a:round/>
+                      <a:headEnd type="none" w="med" len="med"/>
+                      <a:tailEnd type="none" w="med" len="med"/>
+                    </a:lnL>
+                    <a:lnR w="12700" cap="flat" cmpd="sng" algn="ctr">
+                      <a:solidFill>
+                        <a:schemeClr val="tx1"/>
+                      </a:solidFill>
+                      <a:prstDash val="solid"/>
+                      <a:round/>
+                      <a:headEnd type="none" w="med" len="med"/>
+                      <a:tailEnd type="none" w="med" len="med"/>
+                    </a:lnR>
+                    <a:lnT w="12700" cap="flat" cmpd="sng" algn="ctr">
+                      <a:solidFill>
+                        <a:schemeClr val="tx1"/>
+                      </a:solidFill>
+                      <a:prstDash val="solid"/>
+                      <a:round/>
+                      <a:headEnd type="none" w="med" len="med"/>
+                      <a:tailEnd type="none" w="med" len="med"/>
+                    </a:lnT>
+                    <a:lnB w="12700" cap="flat" cmpd="sng" algn="ctr">
+                      <a:solidFill>
+                        <a:schemeClr val="tx1"/>
+                      </a:solidFill>
+                      <a:prstDash val="solid"/>
+                      <a:round/>
+                      <a:headEnd type="none" w="med" len="med"/>
+                      <a:tailEnd type="none" w="med" len="med"/>
+                    </a:lnB>
+                    <a:solidFill>
+                      <a:schemeClr val="bg1">
+                        <a:lumMod val="85000"/>
+                      </a:schemeClr>
+                    </a:solidFill>
+                  </a:tcPr>
+                </a:tc>
+                <a:tc>
+                  <a:txBody>
+                    <a:bodyPr/>
+                    <a:lstStyle/>
+                    <a:p>
+                      <a:pPr algn="ctr"/>
+                      <a:r>
+                        <a:rPr lang="ru-RU" dirty="0" smtClean="0">
+                          <a:solidFill>
+                            <a:schemeClr val="tx2">
+                              <a:lumMod val="50000"/>
+                            </a:schemeClr>
+                          </a:solidFill>
+                          <a:latin typeface="Garamond" panose="02020404030301010803" pitchFamily="18" charset="0"/>
+                        </a:rPr>
+                        <a:t>Корни</a:t>
+                      </a:r>
+                      <a:endParaRPr lang="ru-RU" dirty="0">
+                        <a:solidFill>
+                          <a:schemeClr val="tx2">
+                            <a:lumMod val="50000"/>
+                          </a:schemeClr>
+                        </a:solidFill>
+                        <a:latin typeface="Garamond" panose="02020404030301010803" pitchFamily="18" charset="0"/>
+                      </a:endParaRPr>
+                    </a:p>
+                  </a:txBody>
+                  <a:tcPr>
+                    <a:lnL w="12700" cap="flat" cmpd="sng" algn="ctr">
+                      <a:solidFill>
+                        <a:schemeClr val="tx1"/>
+                      </a:solidFill>
+                      <a:prstDash val="solid"/>
+                      <a:round/>
+                      <a:headEnd type="none" w="med" len="med"/>
+                      <a:tailEnd type="none" w="med" len="med"/>
+                    </a:lnL>
+                    <a:lnR w="12700" cap="flat" cmpd="sng" algn="ctr">
+                      <a:solidFill>
+                        <a:schemeClr val="tx1"/>
+                      </a:solidFill>
+                      <a:prstDash val="solid"/>
+                      <a:round/>
+                      <a:headEnd type="none" w="med" len="med"/>
+                      <a:tailEnd type="none" w="med" len="med"/>
+                    </a:lnR>
+                    <a:lnT w="12700" cap="flat" cmpd="sng" algn="ctr">
+                      <a:solidFill>
+                        <a:schemeClr val="tx1"/>
+                      </a:solidFill>
+                      <a:prstDash val="solid"/>
+                      <a:round/>
+                      <a:headEnd type="none" w="med" len="med"/>
+                      <a:tailEnd type="none" w="med" len="med"/>
+                    </a:lnT>
+                    <a:lnB w="12700" cap="flat" cmpd="sng" algn="ctr">
+                      <a:solidFill>
+                        <a:schemeClr val="tx1"/>
+                      </a:solidFill>
+                      <a:prstDash val="solid"/>
+                      <a:round/>
+                      <a:headEnd type="none" w="med" len="med"/>
+                      <a:tailEnd type="none" w="med" len="med"/>
+                    </a:lnB>
+                    <a:solidFill>
+                      <a:schemeClr val="bg1">
+                        <a:lumMod val="85000"/>
+                      </a:schemeClr>
+                    </a:solidFill>
+                  </a:tcPr>
+                </a:tc>
+                <a:extLst>
+                  <a:ext uri="{0D108BD9-81ED-4DB2-BD59-A6C34878D82A}">
+                    <a16:rowId xmlns:a16="http://schemas.microsoft.com/office/drawing/2014/main" val="79181343"/>
+                  </a:ext>
+                </a:extLst>
+              </a:tr>
+              <a:tr h="370840">
+                <a:tc vMerge="1">
+                  <a:txBody>
+                    <a:bodyPr/>
+                    <a:lstStyle/>
+                    <a:p>
+                      <a:pPr algn="ctr"/>
+                      <a:endParaRPr lang="ru-RU" sz="3200" dirty="0">
+                        <a:solidFill>
+                          <a:schemeClr val="tx2">
+                            <a:lumMod val="50000"/>
+                          </a:schemeClr>
+                        </a:solidFill>
+                        <a:latin typeface="Garamond" panose="02020404030301010803" pitchFamily="18" charset="0"/>
+                      </a:endParaRPr>
+                    </a:p>
+                  </a:txBody>
+                  <a:tcPr anchor="ctr">
+                    <a:lnL w="12700" cap="flat" cmpd="sng" algn="ctr">
+                      <a:solidFill>
+                        <a:schemeClr val="tx1"/>
+                      </a:solidFill>
+                      <a:prstDash val="solid"/>
+                      <a:round/>
+                      <a:headEnd type="none" w="med" len="med"/>
+                      <a:tailEnd type="none" w="med" len="med"/>
+                    </a:lnL>
+                    <a:lnR w="12700" cap="flat" cmpd="sng" algn="ctr">
+                      <a:solidFill>
+                        <a:schemeClr val="tx1"/>
+                      </a:solidFill>
+                      <a:prstDash val="solid"/>
+                      <a:round/>
+                      <a:headEnd type="none" w="med" len="med"/>
+                      <a:tailEnd type="none" w="med" len="med"/>
+                    </a:lnR>
+                    <a:lnT w="12700" cap="flat" cmpd="sng" algn="ctr">
+                      <a:solidFill>
+                        <a:schemeClr val="tx1"/>
+                      </a:solidFill>
+                      <a:prstDash val="solid"/>
+                      <a:round/>
+                      <a:headEnd type="none" w="med" len="med"/>
+                      <a:tailEnd type="none" w="med" len="med"/>
+                    </a:lnT>
+                    <a:lnB w="12700" cap="flat" cmpd="sng" algn="ctr">
+                      <a:solidFill>
+                        <a:schemeClr val="tx1"/>
+                      </a:solidFill>
+                      <a:prstDash val="solid"/>
+                      <a:round/>
+                      <a:headEnd type="none" w="med" len="med"/>
+                      <a:tailEnd type="none" w="med" len="med"/>
+                    </a:lnB>
+                    <a:solidFill>
+                      <a:schemeClr val="bg1">
+                        <a:lumMod val="65000"/>
+                      </a:schemeClr>
+                    </a:solidFill>
+                  </a:tcPr>
+                </a:tc>
+                <a:tc>
+                  <a:txBody>
+                    <a:bodyPr/>
+                    <a:lstStyle/>
+                    <a:p>
+                      <a:pPr marL="0" marR="0" indent="0" algn="ctr" defTabSz="914400" rtl="0" eaLnBrk="1" fontAlgn="auto" latinLnBrk="0" hangingPunct="1">
+                        <a:lnSpc>
+                          <a:spcPct val="100000"/>
+                        </a:lnSpc>
+                        <a:spcBef>
+                          <a:spcPts val="0"/>
+                        </a:spcBef>
+                        <a:spcAft>
+                          <a:spcPts val="0"/>
+                        </a:spcAft>
+                        <a:buClrTx/>
+                        <a:buSzTx/>
+                        <a:buFontTx/>
+                        <a:buNone/>
+                        <a:tabLst/>
+                        <a:defRPr/>
+                      </a:pPr>
+                      <a:r>
+                        <a:rPr lang="en-US" dirty="0" smtClean="0">
+                          <a:solidFill>
+                            <a:schemeClr val="tx2">
+                              <a:lumMod val="50000"/>
+                            </a:schemeClr>
+                          </a:solidFill>
+                          <a:latin typeface="Garamond" panose="02020404030301010803" pitchFamily="18" charset="0"/>
+                        </a:rPr>
+                        <a:t>A2</a:t>
+                      </a:r>
+                      <a:endParaRPr lang="ru-RU" dirty="0" smtClean="0">
+                        <a:solidFill>
+                          <a:schemeClr val="tx2">
+                            <a:lumMod val="50000"/>
+                          </a:schemeClr>
+                        </a:solidFill>
+                        <a:latin typeface="Garamond" panose="02020404030301010803" pitchFamily="18" charset="0"/>
+                      </a:endParaRPr>
+                    </a:p>
+                  </a:txBody>
+                  <a:tcPr>
+                    <a:lnL w="12700" cap="flat" cmpd="sng" algn="ctr">
+                      <a:solidFill>
+                        <a:schemeClr val="tx1"/>
+                      </a:solidFill>
+                      <a:prstDash val="solid"/>
+                      <a:round/>
+                      <a:headEnd type="none" w="med" len="med"/>
+                      <a:tailEnd type="none" w="med" len="med"/>
+                    </a:lnL>
+                    <a:lnR w="12700" cap="flat" cmpd="sng" algn="ctr">
+                      <a:solidFill>
+                        <a:schemeClr val="tx1"/>
+                      </a:solidFill>
+                      <a:prstDash val="solid"/>
+                      <a:round/>
+                      <a:headEnd type="none" w="med" len="med"/>
+                      <a:tailEnd type="none" w="med" len="med"/>
+                    </a:lnR>
+                    <a:lnT w="12700" cap="flat" cmpd="sng" algn="ctr">
+                      <a:solidFill>
+                        <a:schemeClr val="tx1"/>
+                      </a:solidFill>
+                      <a:prstDash val="solid"/>
+                      <a:round/>
+                      <a:headEnd type="none" w="med" len="med"/>
+                      <a:tailEnd type="none" w="med" len="med"/>
+                    </a:lnT>
+                    <a:lnB w="12700" cap="flat" cmpd="sng" algn="ctr">
+                      <a:solidFill>
+                        <a:schemeClr val="tx1"/>
+                      </a:solidFill>
+                      <a:prstDash val="solid"/>
+                      <a:round/>
+                      <a:headEnd type="none" w="med" len="med"/>
+                      <a:tailEnd type="none" w="med" len="med"/>
+                    </a:lnB>
+                    <a:solidFill>
+                      <a:schemeClr val="bg1">
+                        <a:lumMod val="85000"/>
+                      </a:schemeClr>
+                    </a:solidFill>
+                  </a:tcPr>
+                </a:tc>
+                <a:tc>
+                  <a:txBody>
+                    <a:bodyPr/>
+                    <a:lstStyle/>
+                    <a:p>
+                      <a:pPr algn="ctr"/>
+                      <a:r>
+                        <a:rPr lang="ru-RU" dirty="0" smtClean="0">
+                          <a:solidFill>
+                            <a:schemeClr val="tx2">
+                              <a:lumMod val="50000"/>
+                            </a:schemeClr>
+                          </a:solidFill>
+                          <a:latin typeface="Garamond" panose="02020404030301010803" pitchFamily="18" charset="0"/>
+                        </a:rPr>
+                        <a:t>Легкий суглинок</a:t>
+                      </a:r>
+                      <a:endParaRPr lang="ru-RU" dirty="0">
+                        <a:solidFill>
+                          <a:schemeClr val="tx2">
+                            <a:lumMod val="50000"/>
+                          </a:schemeClr>
+                        </a:solidFill>
+                        <a:latin typeface="Garamond" panose="02020404030301010803" pitchFamily="18" charset="0"/>
+                      </a:endParaRPr>
+                    </a:p>
+                  </a:txBody>
+                  <a:tcPr>
+                    <a:lnL w="12700" cap="flat" cmpd="sng" algn="ctr">
+                      <a:solidFill>
+                        <a:schemeClr val="tx1"/>
+                      </a:solidFill>
+                      <a:prstDash val="solid"/>
+                      <a:round/>
+                      <a:headEnd type="none" w="med" len="med"/>
+                      <a:tailEnd type="none" w="med" len="med"/>
+                    </a:lnL>
+                    <a:lnR w="12700" cap="flat" cmpd="sng" algn="ctr">
+                      <a:solidFill>
+                        <a:schemeClr val="tx1"/>
+                      </a:solidFill>
+                      <a:prstDash val="solid"/>
+                      <a:round/>
+                      <a:headEnd type="none" w="med" len="med"/>
+                      <a:tailEnd type="none" w="med" len="med"/>
+                    </a:lnR>
+                    <a:lnT w="12700" cap="flat" cmpd="sng" algn="ctr">
+                      <a:solidFill>
+                        <a:schemeClr val="tx1"/>
+                      </a:solidFill>
+                      <a:prstDash val="solid"/>
+                      <a:round/>
+                      <a:headEnd type="none" w="med" len="med"/>
+                      <a:tailEnd type="none" w="med" len="med"/>
+                    </a:lnT>
+                    <a:lnB w="12700" cap="flat" cmpd="sng" algn="ctr">
+                      <a:solidFill>
+                        <a:schemeClr val="tx1"/>
+                      </a:solidFill>
+                      <a:prstDash val="solid"/>
+                      <a:round/>
+                      <a:headEnd type="none" w="med" len="med"/>
+                      <a:tailEnd type="none" w="med" len="med"/>
+                    </a:lnB>
+                    <a:solidFill>
+                      <a:schemeClr val="bg1">
+                        <a:lumMod val="85000"/>
+                      </a:schemeClr>
+                    </a:solidFill>
+                  </a:tcPr>
+                </a:tc>
+                <a:tc>
+                  <a:txBody>
+                    <a:bodyPr/>
+                    <a:lstStyle/>
+                    <a:p>
+                      <a:pPr algn="ctr"/>
+                      <a:r>
+                        <a:rPr lang="ru-RU" dirty="0" smtClean="0">
+                          <a:solidFill>
+                            <a:schemeClr val="tx2">
+                              <a:lumMod val="50000"/>
+                            </a:schemeClr>
+                          </a:solidFill>
+                          <a:latin typeface="Garamond" panose="02020404030301010803" pitchFamily="18" charset="0"/>
+                        </a:rPr>
+                        <a:t>Корни</a:t>
+                      </a:r>
+                      <a:endParaRPr lang="ru-RU" dirty="0">
+                        <a:solidFill>
+                          <a:schemeClr val="tx2">
+                            <a:lumMod val="50000"/>
+                          </a:schemeClr>
+                        </a:solidFill>
+                        <a:latin typeface="Garamond" panose="02020404030301010803" pitchFamily="18" charset="0"/>
+                      </a:endParaRPr>
+                    </a:p>
+                  </a:txBody>
+                  <a:tcPr>
+                    <a:lnL w="12700" cap="flat" cmpd="sng" algn="ctr">
+                      <a:solidFill>
+                        <a:schemeClr val="tx1"/>
+                      </a:solidFill>
+                      <a:prstDash val="solid"/>
+                      <a:round/>
+                      <a:headEnd type="none" w="med" len="med"/>
+                      <a:tailEnd type="none" w="med" len="med"/>
+                    </a:lnL>
+                    <a:lnR w="12700" cap="flat" cmpd="sng" algn="ctr">
+                      <a:solidFill>
+                        <a:schemeClr val="tx1"/>
+                      </a:solidFill>
+                      <a:prstDash val="solid"/>
+                      <a:round/>
+                      <a:headEnd type="none" w="med" len="med"/>
+                      <a:tailEnd type="none" w="med" len="med"/>
+                    </a:lnR>
+                    <a:lnT w="12700" cap="flat" cmpd="sng" algn="ctr">
+                      <a:solidFill>
+                        <a:schemeClr val="tx1"/>
+                      </a:solidFill>
+                      <a:prstDash val="solid"/>
+                      <a:round/>
+                      <a:headEnd type="none" w="med" len="med"/>
+                      <a:tailEnd type="none" w="med" len="med"/>
+                    </a:lnT>
+                    <a:lnB w="12700" cap="flat" cmpd="sng" algn="ctr">
+                      <a:solidFill>
+                        <a:schemeClr val="tx1"/>
+                      </a:solidFill>
+                      <a:prstDash val="solid"/>
+                      <a:round/>
+                      <a:headEnd type="none" w="med" len="med"/>
+                      <a:tailEnd type="none" w="med" len="med"/>
+                    </a:lnB>
+                    <a:solidFill>
+                      <a:schemeClr val="bg1">
+                        <a:lumMod val="85000"/>
+                      </a:schemeClr>
+                    </a:solidFill>
+                  </a:tcPr>
+                </a:tc>
+                <a:extLst>
+                  <a:ext uri="{0D108BD9-81ED-4DB2-BD59-A6C34878D82A}">
+                    <a16:rowId xmlns:a16="http://schemas.microsoft.com/office/drawing/2014/main" val="2739342563"/>
+                  </a:ext>
+                </a:extLst>
+              </a:tr>
+              <a:tr h="370840">
+                <a:tc vMerge="1">
+                  <a:txBody>
+                    <a:bodyPr/>
+                    <a:lstStyle/>
+                    <a:p>
+                      <a:pPr algn="ctr"/>
+                      <a:endParaRPr lang="ru-RU" sz="3200" dirty="0">
+                        <a:solidFill>
+                          <a:schemeClr val="tx2">
+                            <a:lumMod val="50000"/>
+                          </a:schemeClr>
+                        </a:solidFill>
+                        <a:latin typeface="Garamond" panose="02020404030301010803" pitchFamily="18" charset="0"/>
+                      </a:endParaRPr>
+                    </a:p>
+                  </a:txBody>
+                  <a:tcPr anchor="ctr">
+                    <a:lnL w="12700" cap="flat" cmpd="sng" algn="ctr">
+                      <a:solidFill>
+                        <a:schemeClr val="tx1"/>
+                      </a:solidFill>
+                      <a:prstDash val="solid"/>
+                      <a:round/>
+                      <a:headEnd type="none" w="med" len="med"/>
+                      <a:tailEnd type="none" w="med" len="med"/>
+                    </a:lnL>
+                    <a:lnR w="12700" cap="flat" cmpd="sng" algn="ctr">
+                      <a:solidFill>
+                        <a:schemeClr val="tx1"/>
+                      </a:solidFill>
+                      <a:prstDash val="solid"/>
+                      <a:round/>
+                      <a:headEnd type="none" w="med" len="med"/>
+                      <a:tailEnd type="none" w="med" len="med"/>
+                    </a:lnR>
+                    <a:lnT w="12700" cap="flat" cmpd="sng" algn="ctr">
+                      <a:solidFill>
+                        <a:schemeClr val="tx1"/>
+                      </a:solidFill>
+                      <a:prstDash val="solid"/>
+                      <a:round/>
+                      <a:headEnd type="none" w="med" len="med"/>
+                      <a:tailEnd type="none" w="med" len="med"/>
+                    </a:lnT>
+                    <a:lnB w="12700" cap="flat" cmpd="sng" algn="ctr">
+                      <a:solidFill>
+                        <a:schemeClr val="tx1"/>
+                      </a:solidFill>
+                      <a:prstDash val="solid"/>
+                      <a:round/>
+                      <a:headEnd type="none" w="med" len="med"/>
+                      <a:tailEnd type="none" w="med" len="med"/>
+                    </a:lnB>
+                    <a:solidFill>
+                      <a:schemeClr val="bg1">
+                        <a:lumMod val="65000"/>
+                      </a:schemeClr>
+                    </a:solidFill>
+                  </a:tcPr>
+                </a:tc>
+                <a:tc>
+                  <a:txBody>
+                    <a:bodyPr/>
+                    <a:lstStyle/>
+                    <a:p>
+                      <a:pPr marL="0" marR="0" indent="0" algn="ctr" defTabSz="914400" rtl="0" eaLnBrk="1" fontAlgn="auto" latinLnBrk="0" hangingPunct="1">
+                        <a:lnSpc>
+                          <a:spcPct val="100000"/>
+                        </a:lnSpc>
+                        <a:spcBef>
+                          <a:spcPts val="0"/>
+                        </a:spcBef>
+                        <a:spcAft>
+                          <a:spcPts val="0"/>
+                        </a:spcAft>
+                        <a:buClrTx/>
+                        <a:buSzTx/>
+                        <a:buFontTx/>
+                        <a:buNone/>
+                        <a:tabLst/>
+                        <a:defRPr/>
+                      </a:pPr>
+                      <a:r>
+                        <a:rPr lang="en-US" dirty="0" smtClean="0">
+                          <a:solidFill>
+                            <a:schemeClr val="tx2">
+                              <a:lumMod val="50000"/>
+                            </a:schemeClr>
+                          </a:solidFill>
+                          <a:latin typeface="Garamond" panose="02020404030301010803" pitchFamily="18" charset="0"/>
+                        </a:rPr>
+                        <a:t>A2B</a:t>
+                      </a:r>
+                      <a:endParaRPr lang="ru-RU" dirty="0" smtClean="0">
+                        <a:solidFill>
+                          <a:schemeClr val="tx2">
+                            <a:lumMod val="50000"/>
+                          </a:schemeClr>
+                        </a:solidFill>
+                        <a:latin typeface="Garamond" panose="02020404030301010803" pitchFamily="18" charset="0"/>
+                      </a:endParaRPr>
+                    </a:p>
+                  </a:txBody>
+                  <a:tcPr>
+                    <a:lnL w="12700" cap="flat" cmpd="sng" algn="ctr">
+                      <a:solidFill>
+                        <a:schemeClr val="tx1"/>
+                      </a:solidFill>
+                      <a:prstDash val="solid"/>
+                      <a:round/>
+                      <a:headEnd type="none" w="med" len="med"/>
+                      <a:tailEnd type="none" w="med" len="med"/>
+                    </a:lnL>
+                    <a:lnR w="12700" cap="flat" cmpd="sng" algn="ctr">
+                      <a:solidFill>
+                        <a:schemeClr val="tx1"/>
+                      </a:solidFill>
+                      <a:prstDash val="solid"/>
+                      <a:round/>
+                      <a:headEnd type="none" w="med" len="med"/>
+                      <a:tailEnd type="none" w="med" len="med"/>
+                    </a:lnR>
+                    <a:lnT w="12700" cap="flat" cmpd="sng" algn="ctr">
+                      <a:solidFill>
+                        <a:schemeClr val="tx1"/>
+                      </a:solidFill>
+                      <a:prstDash val="solid"/>
+                      <a:round/>
+                      <a:headEnd type="none" w="med" len="med"/>
+                      <a:tailEnd type="none" w="med" len="med"/>
+                    </a:lnT>
+                    <a:lnB w="12700" cap="flat" cmpd="sng" algn="ctr">
+                      <a:solidFill>
+                        <a:schemeClr val="tx1"/>
+                      </a:solidFill>
+                      <a:prstDash val="solid"/>
+                      <a:round/>
+                      <a:headEnd type="none" w="med" len="med"/>
+                      <a:tailEnd type="none" w="med" len="med"/>
+                    </a:lnB>
+                    <a:solidFill>
+                      <a:schemeClr val="bg1">
+                        <a:lumMod val="85000"/>
+                      </a:schemeClr>
+                    </a:solidFill>
+                  </a:tcPr>
+                </a:tc>
+                <a:tc>
+                  <a:txBody>
+                    <a:bodyPr/>
+                    <a:lstStyle/>
+                    <a:p>
+                      <a:pPr algn="ctr"/>
+                      <a:r>
+                        <a:rPr lang="ru-RU" dirty="0" smtClean="0">
+                          <a:solidFill>
+                            <a:schemeClr val="tx2">
+                              <a:lumMod val="50000"/>
+                            </a:schemeClr>
+                          </a:solidFill>
+                          <a:latin typeface="Garamond" panose="02020404030301010803" pitchFamily="18" charset="0"/>
+                        </a:rPr>
+                        <a:t>Легкий суглинок</a:t>
+                      </a:r>
+                      <a:endParaRPr lang="ru-RU" dirty="0">
+                        <a:solidFill>
+                          <a:schemeClr val="tx2">
+                            <a:lumMod val="50000"/>
+                          </a:schemeClr>
+                        </a:solidFill>
+                        <a:latin typeface="Garamond" panose="02020404030301010803" pitchFamily="18" charset="0"/>
+                      </a:endParaRPr>
+                    </a:p>
+                  </a:txBody>
+                  <a:tcPr>
+                    <a:lnL w="12700" cap="flat" cmpd="sng" algn="ctr">
+                      <a:solidFill>
+                        <a:schemeClr val="tx1"/>
+                      </a:solidFill>
+                      <a:prstDash val="solid"/>
+                      <a:round/>
+                      <a:headEnd type="none" w="med" len="med"/>
+                      <a:tailEnd type="none" w="med" len="med"/>
+                    </a:lnL>
+                    <a:lnR w="12700" cap="flat" cmpd="sng" algn="ctr">
+                      <a:solidFill>
+                        <a:schemeClr val="tx1"/>
+                      </a:solidFill>
+                      <a:prstDash val="solid"/>
+                      <a:round/>
+                      <a:headEnd type="none" w="med" len="med"/>
+                      <a:tailEnd type="none" w="med" len="med"/>
+                    </a:lnR>
+                    <a:lnT w="12700" cap="flat" cmpd="sng" algn="ctr">
+                      <a:solidFill>
+                        <a:schemeClr val="tx1"/>
+                      </a:solidFill>
+                      <a:prstDash val="solid"/>
+                      <a:round/>
+                      <a:headEnd type="none" w="med" len="med"/>
+                      <a:tailEnd type="none" w="med" len="med"/>
+                    </a:lnT>
+                    <a:lnB w="12700" cap="flat" cmpd="sng" algn="ctr">
+                      <a:solidFill>
+                        <a:schemeClr val="tx1"/>
+                      </a:solidFill>
+                      <a:prstDash val="solid"/>
+                      <a:round/>
+                      <a:headEnd type="none" w="med" len="med"/>
+                      <a:tailEnd type="none" w="med" len="med"/>
+                    </a:lnB>
+                    <a:solidFill>
+                      <a:schemeClr val="bg1">
+                        <a:lumMod val="85000"/>
+                      </a:schemeClr>
+                    </a:solidFill>
+                  </a:tcPr>
+                </a:tc>
+                <a:tc>
+                  <a:txBody>
+                    <a:bodyPr/>
+                    <a:lstStyle/>
+                    <a:p>
+                      <a:pPr algn="ctr"/>
+                      <a:r>
+                        <a:rPr lang="ru-RU" dirty="0" smtClean="0">
+                          <a:solidFill>
+                            <a:schemeClr val="tx2">
+                              <a:lumMod val="50000"/>
+                            </a:schemeClr>
+                          </a:solidFill>
+                          <a:latin typeface="Garamond" panose="02020404030301010803" pitchFamily="18" charset="0"/>
+                        </a:rPr>
+                        <a:t>-</a:t>
+                      </a:r>
+                      <a:endParaRPr lang="ru-RU" dirty="0">
+                        <a:solidFill>
+                          <a:schemeClr val="tx2">
+                            <a:lumMod val="50000"/>
+                          </a:schemeClr>
+                        </a:solidFill>
+                        <a:latin typeface="Garamond" panose="02020404030301010803" pitchFamily="18" charset="0"/>
+                      </a:endParaRPr>
+                    </a:p>
+                  </a:txBody>
+                  <a:tcPr>
+                    <a:lnL w="12700" cap="flat" cmpd="sng" algn="ctr">
+                      <a:solidFill>
+                        <a:schemeClr val="tx1"/>
+                      </a:solidFill>
+                      <a:prstDash val="solid"/>
+                      <a:round/>
+                      <a:headEnd type="none" w="med" len="med"/>
+                      <a:tailEnd type="none" w="med" len="med"/>
+                    </a:lnL>
+                    <a:lnR w="12700" cap="flat" cmpd="sng" algn="ctr">
+                      <a:solidFill>
+                        <a:schemeClr val="tx1"/>
+                      </a:solidFill>
+                      <a:prstDash val="solid"/>
+                      <a:round/>
+                      <a:headEnd type="none" w="med" len="med"/>
+                      <a:tailEnd type="none" w="med" len="med"/>
+                    </a:lnR>
+                    <a:lnT w="12700" cap="flat" cmpd="sng" algn="ctr">
+                      <a:solidFill>
+                        <a:schemeClr val="tx1"/>
+                      </a:solidFill>
+                      <a:prstDash val="solid"/>
+                      <a:round/>
+                      <a:headEnd type="none" w="med" len="med"/>
+                      <a:tailEnd type="none" w="med" len="med"/>
+                    </a:lnT>
+                    <a:lnB w="12700" cap="flat" cmpd="sng" algn="ctr">
+                      <a:solidFill>
+                        <a:schemeClr val="tx1"/>
+                      </a:solidFill>
+                      <a:prstDash val="solid"/>
+                      <a:round/>
+                      <a:headEnd type="none" w="med" len="med"/>
+                      <a:tailEnd type="none" w="med" len="med"/>
+                    </a:lnB>
+                    <a:solidFill>
+                      <a:schemeClr val="bg1">
+                        <a:lumMod val="85000"/>
+                      </a:schemeClr>
+                    </a:solidFill>
+                  </a:tcPr>
+                </a:tc>
+                <a:extLst>
+                  <a:ext uri="{0D108BD9-81ED-4DB2-BD59-A6C34878D82A}">
+                    <a16:rowId xmlns:a16="http://schemas.microsoft.com/office/drawing/2014/main" val="3841684310"/>
+                  </a:ext>
+                </a:extLst>
+              </a:tr>
+              <a:tr h="119835">
+                <a:tc gridSpan="4">
+                  <a:txBody>
+                    <a:bodyPr/>
+                    <a:lstStyle/>
+                    <a:p>
+                      <a:pPr marL="0" marR="0" indent="0" algn="ctr" defTabSz="914400" rtl="0" eaLnBrk="1" fontAlgn="auto" latinLnBrk="0" hangingPunct="1">
+                        <a:lnSpc>
+                          <a:spcPct val="100000"/>
+                        </a:lnSpc>
+                        <a:spcBef>
+                          <a:spcPts val="0"/>
+                        </a:spcBef>
+                        <a:spcAft>
+                          <a:spcPts val="0"/>
+                        </a:spcAft>
+                        <a:buClrTx/>
+                        <a:buSzTx/>
+                        <a:buFontTx/>
+                        <a:buNone/>
+                        <a:tabLst/>
+                        <a:defRPr/>
+                      </a:pPr>
+                      <a:endParaRPr lang="ru-RU" sz="300" dirty="0" smtClean="0">
+                        <a:solidFill>
+                          <a:schemeClr val="tx2">
+                            <a:lumMod val="50000"/>
+                          </a:schemeClr>
+                        </a:solidFill>
+                        <a:latin typeface="Garamond" panose="02020404030301010803" pitchFamily="18" charset="0"/>
+                      </a:endParaRPr>
+                    </a:p>
+                  </a:txBody>
+                  <a:tcPr anchor="ctr">
+                    <a:lnL w="12700" cap="flat" cmpd="sng" algn="ctr">
+                      <a:solidFill>
+                        <a:schemeClr val="tx1"/>
+                      </a:solidFill>
+                      <a:prstDash val="solid"/>
+                      <a:round/>
+                      <a:headEnd type="none" w="med" len="med"/>
+                      <a:tailEnd type="none" w="med" len="med"/>
+                    </a:lnL>
+                    <a:lnR w="12700" cap="flat" cmpd="sng" algn="ctr">
+                      <a:solidFill>
+                        <a:schemeClr val="tx1"/>
+                      </a:solidFill>
+                      <a:prstDash val="solid"/>
+                      <a:round/>
+                      <a:headEnd type="none" w="med" len="med"/>
+                      <a:tailEnd type="none" w="med" len="med"/>
+                    </a:lnR>
+                    <a:lnT w="12700" cap="flat" cmpd="sng" algn="ctr">
+                      <a:solidFill>
+                        <a:schemeClr val="tx1"/>
+                      </a:solidFill>
+                      <a:prstDash val="solid"/>
+                      <a:round/>
+                      <a:headEnd type="none" w="med" len="med"/>
+                      <a:tailEnd type="none" w="med" len="med"/>
+                    </a:lnT>
+                    <a:lnB w="12700" cap="flat" cmpd="sng" algn="ctr">
+                      <a:solidFill>
+                        <a:schemeClr val="tx1"/>
+                      </a:solidFill>
+                      <a:prstDash val="solid"/>
+                      <a:round/>
+                      <a:headEnd type="none" w="med" len="med"/>
+                      <a:tailEnd type="none" w="med" len="med"/>
+                    </a:lnB>
+                    <a:solidFill>
+                      <a:schemeClr val="tx1">
+                        <a:lumMod val="50000"/>
+                        <a:lumOff val="50000"/>
+                      </a:schemeClr>
+                    </a:solidFill>
+                  </a:tcPr>
+                </a:tc>
+                <a:tc hMerge="1">
+                  <a:txBody>
+                    <a:bodyPr/>
+                    <a:lstStyle/>
+                    <a:p>
+                      <a:pPr marL="0" marR="0" indent="0" algn="ctr" defTabSz="914400" rtl="0" eaLnBrk="1" fontAlgn="auto" latinLnBrk="0" hangingPunct="1">
+                        <a:lnSpc>
+                          <a:spcPct val="100000"/>
+                        </a:lnSpc>
+                        <a:spcBef>
+                          <a:spcPts val="0"/>
+                        </a:spcBef>
+                        <a:spcAft>
+                          <a:spcPts val="0"/>
+                        </a:spcAft>
+                        <a:buClrTx/>
+                        <a:buSzTx/>
+                        <a:buFontTx/>
+                        <a:buNone/>
+                        <a:tabLst/>
+                        <a:defRPr/>
+                      </a:pPr>
+                      <a:endParaRPr lang="ru-RU" sz="100" dirty="0" smtClean="0">
+                        <a:solidFill>
+                          <a:schemeClr val="tx2">
+                            <a:lumMod val="50000"/>
+                          </a:schemeClr>
+                        </a:solidFill>
+                      </a:endParaRPr>
+                    </a:p>
+                  </a:txBody>
+                  <a:tcPr>
+                    <a:lnL w="12700" cap="flat" cmpd="sng" algn="ctr">
+                      <a:solidFill>
+                        <a:schemeClr val="tx1"/>
+                      </a:solidFill>
+                      <a:prstDash val="solid"/>
+                      <a:round/>
+                      <a:headEnd type="none" w="med" len="med"/>
+                      <a:tailEnd type="none" w="med" len="med"/>
+                    </a:lnL>
+                    <a:lnR w="12700" cap="flat" cmpd="sng" algn="ctr">
+                      <a:solidFill>
+                        <a:schemeClr val="tx1"/>
+                      </a:solidFill>
+                      <a:prstDash val="solid"/>
+                      <a:round/>
+                      <a:headEnd type="none" w="med" len="med"/>
+                      <a:tailEnd type="none" w="med" len="med"/>
+                    </a:lnR>
+                    <a:lnT w="12700" cap="flat" cmpd="sng" algn="ctr">
+                      <a:solidFill>
+                        <a:schemeClr val="tx1"/>
+                      </a:solidFill>
+                      <a:prstDash val="solid"/>
+                      <a:round/>
+                      <a:headEnd type="none" w="med" len="med"/>
+                      <a:tailEnd type="none" w="med" len="med"/>
+                    </a:lnT>
+                    <a:lnB w="12700" cap="flat" cmpd="sng" algn="ctr">
+                      <a:solidFill>
+                        <a:schemeClr val="tx1"/>
+                      </a:solidFill>
+                      <a:prstDash val="solid"/>
+                      <a:round/>
+                      <a:headEnd type="none" w="med" len="med"/>
+                      <a:tailEnd type="none" w="med" len="med"/>
+                    </a:lnB>
+                    <a:solidFill>
+                      <a:schemeClr val="tx1">
+                        <a:lumMod val="50000"/>
+                        <a:lumOff val="50000"/>
+                      </a:schemeClr>
+                    </a:solidFill>
+                  </a:tcPr>
+                </a:tc>
+                <a:tc hMerge="1">
+                  <a:txBody>
+                    <a:bodyPr/>
+                    <a:lstStyle/>
+                    <a:p>
+                      <a:pPr algn="ctr"/>
+                      <a:endParaRPr lang="ru-RU" sz="100" dirty="0">
+                        <a:solidFill>
+                          <a:schemeClr val="tx2">
+                            <a:lumMod val="50000"/>
+                          </a:schemeClr>
+                        </a:solidFill>
+                      </a:endParaRPr>
+                    </a:p>
+                  </a:txBody>
+                  <a:tcPr>
+                    <a:lnL w="12700" cap="flat" cmpd="sng" algn="ctr">
+                      <a:solidFill>
+                        <a:schemeClr val="tx1"/>
+                      </a:solidFill>
+                      <a:prstDash val="solid"/>
+                      <a:round/>
+                      <a:headEnd type="none" w="med" len="med"/>
+                      <a:tailEnd type="none" w="med" len="med"/>
+                    </a:lnL>
+                    <a:lnR w="12700" cap="flat" cmpd="sng" algn="ctr">
+                      <a:solidFill>
+                        <a:schemeClr val="tx1"/>
+                      </a:solidFill>
+                      <a:prstDash val="solid"/>
+                      <a:round/>
+                      <a:headEnd type="none" w="med" len="med"/>
+                      <a:tailEnd type="none" w="med" len="med"/>
+                    </a:lnR>
+                    <a:lnT w="12700" cap="flat" cmpd="sng" algn="ctr">
+                      <a:solidFill>
+                        <a:schemeClr val="tx1"/>
+                      </a:solidFill>
+                      <a:prstDash val="solid"/>
+                      <a:round/>
+                      <a:headEnd type="none" w="med" len="med"/>
+                      <a:tailEnd type="none" w="med" len="med"/>
+                    </a:lnT>
+                    <a:lnB w="12700" cap="flat" cmpd="sng" algn="ctr">
+                      <a:solidFill>
+                        <a:schemeClr val="tx1"/>
+                      </a:solidFill>
+                      <a:prstDash val="solid"/>
+                      <a:round/>
+                      <a:headEnd type="none" w="med" len="med"/>
+                      <a:tailEnd type="none" w="med" len="med"/>
+                    </a:lnB>
+                    <a:solidFill>
+                      <a:schemeClr val="tx1">
+                        <a:lumMod val="50000"/>
+                        <a:lumOff val="50000"/>
+                      </a:schemeClr>
+                    </a:solidFill>
+                  </a:tcPr>
+                </a:tc>
+                <a:tc hMerge="1">
+                  <a:txBody>
+                    <a:bodyPr/>
+                    <a:lstStyle/>
+                    <a:p>
+                      <a:endParaRPr lang="ru-RU" sz="100" dirty="0">
+                        <a:solidFill>
+                          <a:schemeClr val="tx2">
+                            <a:lumMod val="50000"/>
+                          </a:schemeClr>
+                        </a:solidFill>
+                      </a:endParaRPr>
+                    </a:p>
+                  </a:txBody>
+                  <a:tcPr>
+                    <a:lnL w="12700" cap="flat" cmpd="sng" algn="ctr">
+                      <a:solidFill>
+                        <a:schemeClr val="tx1"/>
+                      </a:solidFill>
+                      <a:prstDash val="solid"/>
+                      <a:round/>
+                      <a:headEnd type="none" w="med" len="med"/>
+                      <a:tailEnd type="none" w="med" len="med"/>
+                    </a:lnL>
+                    <a:lnR w="12700" cap="flat" cmpd="sng" algn="ctr">
+                      <a:solidFill>
+                        <a:schemeClr val="tx1"/>
+                      </a:solidFill>
+                      <a:prstDash val="solid"/>
+                      <a:round/>
+                      <a:headEnd type="none" w="med" len="med"/>
+                      <a:tailEnd type="none" w="med" len="med"/>
+                    </a:lnR>
+                    <a:lnT w="12700" cap="flat" cmpd="sng" algn="ctr">
+                      <a:solidFill>
+                        <a:schemeClr val="tx1"/>
+                      </a:solidFill>
+                      <a:prstDash val="solid"/>
+                      <a:round/>
+                      <a:headEnd type="none" w="med" len="med"/>
+                      <a:tailEnd type="none" w="med" len="med"/>
+                    </a:lnT>
+                    <a:lnB w="12700" cap="flat" cmpd="sng" algn="ctr">
+                      <a:solidFill>
+                        <a:schemeClr val="tx1"/>
+                      </a:solidFill>
+                      <a:prstDash val="solid"/>
+                      <a:round/>
+                      <a:headEnd type="none" w="med" len="med"/>
+                      <a:tailEnd type="none" w="med" len="med"/>
+                    </a:lnB>
+                    <a:solidFill>
+                      <a:schemeClr val="tx1">
+                        <a:lumMod val="50000"/>
+                        <a:lumOff val="50000"/>
+                      </a:schemeClr>
+                    </a:solidFill>
+                  </a:tcPr>
+                </a:tc>
+                <a:extLst>
+                  <a:ext uri="{0D108BD9-81ED-4DB2-BD59-A6C34878D82A}">
+                    <a16:rowId xmlns:a16="http://schemas.microsoft.com/office/drawing/2014/main" val="2293400525"/>
+                  </a:ext>
+                </a:extLst>
+              </a:tr>
+              <a:tr h="370840">
+                <a:tc rowSpan="3">
+                  <a:txBody>
+                    <a:bodyPr/>
+                    <a:lstStyle/>
+                    <a:p>
+                      <a:pPr marL="0" marR="0" indent="0" algn="ctr" defTabSz="914400" rtl="0" eaLnBrk="1" fontAlgn="auto" latinLnBrk="0" hangingPunct="1">
+                        <a:lnSpc>
+                          <a:spcPct val="100000"/>
+                        </a:lnSpc>
+                        <a:spcBef>
+                          <a:spcPts val="0"/>
+                        </a:spcBef>
+                        <a:spcAft>
+                          <a:spcPts val="0"/>
+                        </a:spcAft>
+                        <a:buClrTx/>
+                        <a:buSzTx/>
+                        <a:buFontTx/>
+                        <a:buNone/>
+                        <a:tabLst/>
+                        <a:defRPr/>
+                      </a:pPr>
+                      <a:r>
+                        <a:rPr lang="en-US" sz="3200" dirty="0" smtClean="0">
+                          <a:solidFill>
+                            <a:schemeClr val="tx2">
+                              <a:lumMod val="50000"/>
+                            </a:schemeClr>
+                          </a:solidFill>
+                          <a:latin typeface="Garamond" panose="02020404030301010803" pitchFamily="18" charset="0"/>
+                        </a:rPr>
+                        <a:t>3</a:t>
+                      </a:r>
+                      <a:endParaRPr lang="ru-RU" sz="3200" dirty="0" smtClean="0">
+                        <a:solidFill>
+                          <a:schemeClr val="tx2">
+                            <a:lumMod val="50000"/>
+                          </a:schemeClr>
+                        </a:solidFill>
+                        <a:latin typeface="Garamond" panose="02020404030301010803" pitchFamily="18" charset="0"/>
+                      </a:endParaRPr>
+                    </a:p>
+                  </a:txBody>
+                  <a:tcPr anchor="ctr">
+                    <a:lnL w="12700" cap="flat" cmpd="sng" algn="ctr">
+                      <a:solidFill>
+                        <a:schemeClr val="tx1"/>
+                      </a:solidFill>
+                      <a:prstDash val="solid"/>
+                      <a:round/>
+                      <a:headEnd type="none" w="med" len="med"/>
+                      <a:tailEnd type="none" w="med" len="med"/>
+                    </a:lnL>
+                    <a:lnR w="12700" cap="flat" cmpd="sng" algn="ctr">
+                      <a:solidFill>
+                        <a:schemeClr val="tx1"/>
+                      </a:solidFill>
+                      <a:prstDash val="solid"/>
+                      <a:round/>
+                      <a:headEnd type="none" w="med" len="med"/>
+                      <a:tailEnd type="none" w="med" len="med"/>
+                    </a:lnR>
+                    <a:lnT w="12700" cap="flat" cmpd="sng" algn="ctr">
+                      <a:solidFill>
+                        <a:schemeClr val="tx1"/>
+                      </a:solidFill>
+                      <a:prstDash val="solid"/>
+                      <a:round/>
+                      <a:headEnd type="none" w="med" len="med"/>
+                      <a:tailEnd type="none" w="med" len="med"/>
+                    </a:lnT>
+                    <a:lnB w="12700" cap="flat" cmpd="sng" algn="ctr">
+                      <a:solidFill>
+                        <a:schemeClr val="tx1"/>
+                      </a:solidFill>
+                      <a:prstDash val="solid"/>
+                      <a:round/>
+                      <a:headEnd type="none" w="med" len="med"/>
+                      <a:tailEnd type="none" w="med" len="med"/>
+                    </a:lnB>
+                    <a:solidFill>
+                      <a:schemeClr val="bg1">
+                        <a:lumMod val="85000"/>
+                      </a:schemeClr>
+                    </a:solidFill>
+                  </a:tcPr>
+                </a:tc>
+                <a:tc>
+                  <a:txBody>
+                    <a:bodyPr/>
+                    <a:lstStyle/>
+                    <a:p>
+                      <a:pPr marL="0" marR="0" indent="0" algn="ctr" defTabSz="914400" rtl="0" eaLnBrk="1" fontAlgn="auto" latinLnBrk="0" hangingPunct="1">
+                        <a:lnSpc>
+                          <a:spcPct val="100000"/>
+                        </a:lnSpc>
+                        <a:spcBef>
+                          <a:spcPts val="0"/>
+                        </a:spcBef>
+                        <a:spcAft>
+                          <a:spcPts val="0"/>
+                        </a:spcAft>
+                        <a:buClrTx/>
+                        <a:buSzTx/>
+                        <a:buFontTx/>
+                        <a:buNone/>
+                        <a:tabLst/>
+                        <a:defRPr/>
+                      </a:pPr>
+                      <a:r>
+                        <a:rPr lang="en-US" dirty="0" smtClean="0">
+                          <a:solidFill>
+                            <a:schemeClr val="tx2">
+                              <a:lumMod val="50000"/>
+                            </a:schemeClr>
+                          </a:solidFill>
+                          <a:latin typeface="Garamond" panose="02020404030301010803" pitchFamily="18" charset="0"/>
+                        </a:rPr>
+                        <a:t>A1</a:t>
+                      </a:r>
+                      <a:endParaRPr lang="ru-RU" dirty="0" smtClean="0">
+                        <a:solidFill>
+                          <a:schemeClr val="tx2">
+                            <a:lumMod val="50000"/>
+                          </a:schemeClr>
+                        </a:solidFill>
+                        <a:latin typeface="Garamond" panose="02020404030301010803" pitchFamily="18" charset="0"/>
+                      </a:endParaRPr>
+                    </a:p>
+                  </a:txBody>
+                  <a:tcPr>
+                    <a:lnL w="12700" cap="flat" cmpd="sng" algn="ctr">
+                      <a:solidFill>
+                        <a:schemeClr val="tx1"/>
+                      </a:solidFill>
+                      <a:prstDash val="solid"/>
+                      <a:round/>
+                      <a:headEnd type="none" w="med" len="med"/>
+                      <a:tailEnd type="none" w="med" len="med"/>
+                    </a:lnL>
+                    <a:lnR w="12700" cap="flat" cmpd="sng" algn="ctr">
+                      <a:solidFill>
+                        <a:schemeClr val="tx1"/>
+                      </a:solidFill>
+                      <a:prstDash val="solid"/>
+                      <a:round/>
+                      <a:headEnd type="none" w="med" len="med"/>
+                      <a:tailEnd type="none" w="med" len="med"/>
+                    </a:lnR>
+                    <a:lnT w="12700" cap="flat" cmpd="sng" algn="ctr">
+                      <a:solidFill>
+                        <a:schemeClr val="tx1"/>
+                      </a:solidFill>
+                      <a:prstDash val="solid"/>
+                      <a:round/>
+                      <a:headEnd type="none" w="med" len="med"/>
+                      <a:tailEnd type="none" w="med" len="med"/>
+                    </a:lnT>
+                    <a:lnB w="12700" cap="flat" cmpd="sng" algn="ctr">
+                      <a:solidFill>
+                        <a:schemeClr val="tx1"/>
+                      </a:solidFill>
+                      <a:prstDash val="solid"/>
+                      <a:round/>
+                      <a:headEnd type="none" w="med" len="med"/>
+                      <a:tailEnd type="none" w="med" len="med"/>
+                    </a:lnB>
+                    <a:solidFill>
+                      <a:schemeClr val="bg1">
+                        <a:lumMod val="85000"/>
+                      </a:schemeClr>
+                    </a:solidFill>
+                  </a:tcPr>
+                </a:tc>
+                <a:tc>
+                  <a:txBody>
+                    <a:bodyPr/>
+                    <a:lstStyle/>
+                    <a:p>
+                      <a:pPr algn="ctr"/>
+                      <a:r>
+                        <a:rPr lang="ru-RU" dirty="0" smtClean="0">
+                          <a:solidFill>
+                            <a:schemeClr val="tx2">
+                              <a:lumMod val="50000"/>
+                            </a:schemeClr>
+                          </a:solidFill>
+                          <a:latin typeface="Garamond" panose="02020404030301010803" pitchFamily="18" charset="0"/>
+                        </a:rPr>
+                        <a:t>Супесь</a:t>
+                      </a:r>
+                      <a:endParaRPr lang="ru-RU" dirty="0">
+                        <a:solidFill>
+                          <a:schemeClr val="tx2">
+                            <a:lumMod val="50000"/>
+                          </a:schemeClr>
+                        </a:solidFill>
+                        <a:latin typeface="Garamond" panose="02020404030301010803" pitchFamily="18" charset="0"/>
+                      </a:endParaRPr>
+                    </a:p>
+                  </a:txBody>
+                  <a:tcPr>
+                    <a:lnL w="12700" cap="flat" cmpd="sng" algn="ctr">
+                      <a:solidFill>
+                        <a:schemeClr val="tx1"/>
+                      </a:solidFill>
+                      <a:prstDash val="solid"/>
+                      <a:round/>
+                      <a:headEnd type="none" w="med" len="med"/>
+                      <a:tailEnd type="none" w="med" len="med"/>
+                    </a:lnL>
+                    <a:lnR w="12700" cap="flat" cmpd="sng" algn="ctr">
+                      <a:solidFill>
+                        <a:schemeClr val="tx1"/>
+                      </a:solidFill>
+                      <a:prstDash val="solid"/>
+                      <a:round/>
+                      <a:headEnd type="none" w="med" len="med"/>
+                      <a:tailEnd type="none" w="med" len="med"/>
+                    </a:lnR>
+                    <a:lnT w="12700" cap="flat" cmpd="sng" algn="ctr">
+                      <a:solidFill>
+                        <a:schemeClr val="tx1"/>
+                      </a:solidFill>
+                      <a:prstDash val="solid"/>
+                      <a:round/>
+                      <a:headEnd type="none" w="med" len="med"/>
+                      <a:tailEnd type="none" w="med" len="med"/>
+                    </a:lnT>
+                    <a:lnB w="12700" cap="flat" cmpd="sng" algn="ctr">
+                      <a:solidFill>
+                        <a:schemeClr val="tx1"/>
+                      </a:solidFill>
+                      <a:prstDash val="solid"/>
+                      <a:round/>
+                      <a:headEnd type="none" w="med" len="med"/>
+                      <a:tailEnd type="none" w="med" len="med"/>
+                    </a:lnB>
+                    <a:solidFill>
+                      <a:schemeClr val="bg1">
+                        <a:lumMod val="85000"/>
+                      </a:schemeClr>
+                    </a:solidFill>
+                  </a:tcPr>
+                </a:tc>
+                <a:tc>
+                  <a:txBody>
+                    <a:bodyPr/>
+                    <a:lstStyle/>
+                    <a:p>
+                      <a:pPr algn="ctr"/>
+                      <a:r>
+                        <a:rPr lang="ru-RU" dirty="0" smtClean="0">
+                          <a:solidFill>
+                            <a:schemeClr val="tx2">
+                              <a:lumMod val="50000"/>
+                            </a:schemeClr>
+                          </a:solidFill>
+                          <a:latin typeface="Garamond" panose="02020404030301010803" pitchFamily="18" charset="0"/>
+                        </a:rPr>
+                        <a:t>Гумусовые потеки</a:t>
+                      </a:r>
+                      <a:endParaRPr lang="ru-RU" dirty="0">
+                        <a:solidFill>
+                          <a:schemeClr val="tx2">
+                            <a:lumMod val="50000"/>
+                          </a:schemeClr>
+                        </a:solidFill>
+                        <a:latin typeface="Garamond" panose="02020404030301010803" pitchFamily="18" charset="0"/>
+                      </a:endParaRPr>
+                    </a:p>
+                  </a:txBody>
+                  <a:tcPr>
+                    <a:lnL w="12700" cap="flat" cmpd="sng" algn="ctr">
+                      <a:solidFill>
+                        <a:schemeClr val="tx1"/>
+                      </a:solidFill>
+                      <a:prstDash val="solid"/>
+                      <a:round/>
+                      <a:headEnd type="none" w="med" len="med"/>
+                      <a:tailEnd type="none" w="med" len="med"/>
+                    </a:lnL>
+                    <a:lnR w="12700" cap="flat" cmpd="sng" algn="ctr">
+                      <a:solidFill>
+                        <a:schemeClr val="tx1"/>
+                      </a:solidFill>
+                      <a:prstDash val="solid"/>
+                      <a:round/>
+                      <a:headEnd type="none" w="med" len="med"/>
+                      <a:tailEnd type="none" w="med" len="med"/>
+                    </a:lnR>
+                    <a:lnT w="12700" cap="flat" cmpd="sng" algn="ctr">
+                      <a:solidFill>
+                        <a:schemeClr val="tx1"/>
+                      </a:solidFill>
+                      <a:prstDash val="solid"/>
+                      <a:round/>
+                      <a:headEnd type="none" w="med" len="med"/>
+                      <a:tailEnd type="none" w="med" len="med"/>
+                    </a:lnT>
+                    <a:lnB w="12700" cap="flat" cmpd="sng" algn="ctr">
+                      <a:solidFill>
+                        <a:schemeClr val="tx1"/>
+                      </a:solidFill>
+                      <a:prstDash val="solid"/>
+                      <a:round/>
+                      <a:headEnd type="none" w="med" len="med"/>
+                      <a:tailEnd type="none" w="med" len="med"/>
+                    </a:lnB>
+                    <a:solidFill>
+                      <a:schemeClr val="bg1">
+                        <a:lumMod val="85000"/>
+                      </a:schemeClr>
+                    </a:solidFill>
+                  </a:tcPr>
+                </a:tc>
+                <a:extLst>
+                  <a:ext uri="{0D108BD9-81ED-4DB2-BD59-A6C34878D82A}">
+                    <a16:rowId xmlns:a16="http://schemas.microsoft.com/office/drawing/2014/main" val="2512019336"/>
+                  </a:ext>
+                </a:extLst>
+              </a:tr>
+              <a:tr h="370840">
+                <a:tc vMerge="1">
+                  <a:txBody>
+                    <a:bodyPr/>
+                    <a:lstStyle/>
+                    <a:p>
+                      <a:pPr marL="0" marR="0" indent="0" algn="ctr" defTabSz="914400" rtl="0" eaLnBrk="1" fontAlgn="auto" latinLnBrk="0" hangingPunct="1">
+                        <a:lnSpc>
+                          <a:spcPct val="100000"/>
+                        </a:lnSpc>
+                        <a:spcBef>
+                          <a:spcPts val="0"/>
+                        </a:spcBef>
+                        <a:spcAft>
+                          <a:spcPts val="0"/>
+                        </a:spcAft>
+                        <a:buClrTx/>
+                        <a:buSzTx/>
+                        <a:buFontTx/>
+                        <a:buNone/>
+                        <a:tabLst/>
+                        <a:defRPr/>
+                      </a:pPr>
+                      <a:endParaRPr lang="ru-RU" sz="3200" dirty="0" smtClean="0">
+                        <a:solidFill>
+                          <a:schemeClr val="tx2">
+                            <a:lumMod val="50000"/>
+                          </a:schemeClr>
+                        </a:solidFill>
+                        <a:latin typeface="Garamond" panose="02020404030301010803" pitchFamily="18" charset="0"/>
+                      </a:endParaRPr>
+                    </a:p>
+                  </a:txBody>
+                  <a:tcPr anchor="ctr">
+                    <a:lnL w="12700" cap="flat" cmpd="sng" algn="ctr">
+                      <a:solidFill>
+                        <a:schemeClr val="tx1"/>
+                      </a:solidFill>
+                      <a:prstDash val="solid"/>
+                      <a:round/>
+                      <a:headEnd type="none" w="med" len="med"/>
+                      <a:tailEnd type="none" w="med" len="med"/>
+                    </a:lnL>
+                    <a:lnR w="12700" cap="flat" cmpd="sng" algn="ctr">
+                      <a:solidFill>
+                        <a:schemeClr val="tx1"/>
+                      </a:solidFill>
+                      <a:prstDash val="solid"/>
+                      <a:round/>
+                      <a:headEnd type="none" w="med" len="med"/>
+                      <a:tailEnd type="none" w="med" len="med"/>
+                    </a:lnR>
+                    <a:lnT w="12700" cap="flat" cmpd="sng" algn="ctr">
+                      <a:solidFill>
+                        <a:schemeClr val="tx1"/>
+                      </a:solidFill>
+                      <a:prstDash val="solid"/>
+                      <a:round/>
+                      <a:headEnd type="none" w="med" len="med"/>
+                      <a:tailEnd type="none" w="med" len="med"/>
+                    </a:lnT>
+                    <a:lnB w="12700" cap="flat" cmpd="sng" algn="ctr">
+                      <a:solidFill>
+                        <a:schemeClr val="tx1"/>
+                      </a:solidFill>
+                      <a:prstDash val="solid"/>
+                      <a:round/>
+                      <a:headEnd type="none" w="med" len="med"/>
+                      <a:tailEnd type="none" w="med" len="med"/>
+                    </a:lnB>
+                    <a:solidFill>
+                      <a:schemeClr val="bg1">
+                        <a:lumMod val="65000"/>
+                      </a:schemeClr>
+                    </a:solidFill>
+                  </a:tcPr>
+                </a:tc>
+                <a:tc>
+                  <a:txBody>
+                    <a:bodyPr/>
+                    <a:lstStyle/>
+                    <a:p>
+                      <a:pPr marL="0" marR="0" indent="0" algn="ctr" defTabSz="914400" rtl="0" eaLnBrk="1" fontAlgn="auto" latinLnBrk="0" hangingPunct="1">
+                        <a:lnSpc>
+                          <a:spcPct val="100000"/>
+                        </a:lnSpc>
+                        <a:spcBef>
+                          <a:spcPts val="0"/>
+                        </a:spcBef>
+                        <a:spcAft>
+                          <a:spcPts val="0"/>
+                        </a:spcAft>
+                        <a:buClrTx/>
+                        <a:buSzTx/>
+                        <a:buFontTx/>
+                        <a:buNone/>
+                        <a:tabLst/>
+                        <a:defRPr/>
+                      </a:pPr>
+                      <a:r>
+                        <a:rPr lang="en-US" dirty="0" smtClean="0">
+                          <a:solidFill>
+                            <a:schemeClr val="tx2">
+                              <a:lumMod val="50000"/>
+                            </a:schemeClr>
+                          </a:solidFill>
+                          <a:latin typeface="Garamond" panose="02020404030301010803" pitchFamily="18" charset="0"/>
+                        </a:rPr>
+                        <a:t>A2</a:t>
+                      </a:r>
+                      <a:endParaRPr lang="ru-RU" dirty="0" smtClean="0">
+                        <a:solidFill>
+                          <a:schemeClr val="tx2">
+                            <a:lumMod val="50000"/>
+                          </a:schemeClr>
+                        </a:solidFill>
+                        <a:latin typeface="Garamond" panose="02020404030301010803" pitchFamily="18" charset="0"/>
+                      </a:endParaRPr>
+                    </a:p>
+                  </a:txBody>
+                  <a:tcPr>
+                    <a:lnL w="12700" cap="flat" cmpd="sng" algn="ctr">
+                      <a:solidFill>
+                        <a:schemeClr val="tx1"/>
+                      </a:solidFill>
+                      <a:prstDash val="solid"/>
+                      <a:round/>
+                      <a:headEnd type="none" w="med" len="med"/>
+                      <a:tailEnd type="none" w="med" len="med"/>
+                    </a:lnL>
+                    <a:lnR w="12700" cap="flat" cmpd="sng" algn="ctr">
+                      <a:solidFill>
+                        <a:schemeClr val="tx1"/>
+                      </a:solidFill>
+                      <a:prstDash val="solid"/>
+                      <a:round/>
+                      <a:headEnd type="none" w="med" len="med"/>
+                      <a:tailEnd type="none" w="med" len="med"/>
+                    </a:lnR>
+                    <a:lnT w="12700" cap="flat" cmpd="sng" algn="ctr">
+                      <a:solidFill>
+                        <a:schemeClr val="tx1"/>
+                      </a:solidFill>
+                      <a:prstDash val="solid"/>
+                      <a:round/>
+                      <a:headEnd type="none" w="med" len="med"/>
+                      <a:tailEnd type="none" w="med" len="med"/>
+                    </a:lnT>
+                    <a:lnB w="12700" cap="flat" cmpd="sng" algn="ctr">
+                      <a:solidFill>
+                        <a:schemeClr val="tx1"/>
+                      </a:solidFill>
+                      <a:prstDash val="solid"/>
+                      <a:round/>
+                      <a:headEnd type="none" w="med" len="med"/>
+                      <a:tailEnd type="none" w="med" len="med"/>
+                    </a:lnB>
+                    <a:solidFill>
+                      <a:schemeClr val="bg1">
+                        <a:lumMod val="85000"/>
+                      </a:schemeClr>
+                    </a:solidFill>
+                  </a:tcPr>
+                </a:tc>
+                <a:tc>
+                  <a:txBody>
+                    <a:bodyPr/>
+                    <a:lstStyle/>
+                    <a:p>
+                      <a:pPr algn="ctr"/>
+                      <a:r>
+                        <a:rPr lang="ru-RU" dirty="0" smtClean="0">
+                          <a:solidFill>
+                            <a:schemeClr val="tx2">
+                              <a:lumMod val="50000"/>
+                            </a:schemeClr>
+                          </a:solidFill>
+                          <a:latin typeface="Garamond" panose="02020404030301010803" pitchFamily="18" charset="0"/>
+                        </a:rPr>
+                        <a:t>Песок</a:t>
+                      </a:r>
+                      <a:endParaRPr lang="ru-RU" dirty="0">
+                        <a:solidFill>
+                          <a:schemeClr val="tx2">
+                            <a:lumMod val="50000"/>
+                          </a:schemeClr>
+                        </a:solidFill>
+                        <a:latin typeface="Garamond" panose="02020404030301010803" pitchFamily="18" charset="0"/>
+                      </a:endParaRPr>
+                    </a:p>
+                  </a:txBody>
+                  <a:tcPr>
+                    <a:lnL w="12700" cap="flat" cmpd="sng" algn="ctr">
+                      <a:solidFill>
+                        <a:schemeClr val="tx1"/>
+                      </a:solidFill>
+                      <a:prstDash val="solid"/>
+                      <a:round/>
+                      <a:headEnd type="none" w="med" len="med"/>
+                      <a:tailEnd type="none" w="med" len="med"/>
+                    </a:lnL>
+                    <a:lnR w="12700" cap="flat" cmpd="sng" algn="ctr">
+                      <a:solidFill>
+                        <a:schemeClr val="tx1"/>
+                      </a:solidFill>
+                      <a:prstDash val="solid"/>
+                      <a:round/>
+                      <a:headEnd type="none" w="med" len="med"/>
+                      <a:tailEnd type="none" w="med" len="med"/>
+                    </a:lnR>
+                    <a:lnT w="12700" cap="flat" cmpd="sng" algn="ctr">
+                      <a:solidFill>
+                        <a:schemeClr val="tx1"/>
+                      </a:solidFill>
+                      <a:prstDash val="solid"/>
+                      <a:round/>
+                      <a:headEnd type="none" w="med" len="med"/>
+                      <a:tailEnd type="none" w="med" len="med"/>
+                    </a:lnT>
+                    <a:lnB w="12700" cap="flat" cmpd="sng" algn="ctr">
+                      <a:solidFill>
+                        <a:schemeClr val="tx1"/>
+                      </a:solidFill>
+                      <a:prstDash val="solid"/>
+                      <a:round/>
+                      <a:headEnd type="none" w="med" len="med"/>
+                      <a:tailEnd type="none" w="med" len="med"/>
+                    </a:lnB>
+                    <a:solidFill>
+                      <a:schemeClr val="bg1">
+                        <a:lumMod val="85000"/>
+                      </a:schemeClr>
+                    </a:solidFill>
+                  </a:tcPr>
+                </a:tc>
+                <a:tc>
+                  <a:txBody>
+                    <a:bodyPr/>
+                    <a:lstStyle/>
+                    <a:p>
+                      <a:pPr algn="ctr"/>
+                      <a:r>
+                        <a:rPr lang="ru-RU" dirty="0" smtClean="0">
+                          <a:solidFill>
+                            <a:schemeClr val="tx2">
+                              <a:lumMod val="50000"/>
+                            </a:schemeClr>
+                          </a:solidFill>
+                          <a:latin typeface="Garamond" panose="02020404030301010803" pitchFamily="18" charset="0"/>
+                        </a:rPr>
+                        <a:t>Гумусовые</a:t>
+                      </a:r>
+                      <a:r>
+                        <a:rPr lang="ru-RU" baseline="0" dirty="0" smtClean="0">
+                          <a:solidFill>
+                            <a:schemeClr val="tx2">
+                              <a:lumMod val="50000"/>
+                            </a:schemeClr>
+                          </a:solidFill>
+                          <a:latin typeface="Garamond" panose="02020404030301010803" pitchFamily="18" charset="0"/>
+                        </a:rPr>
+                        <a:t> потеки</a:t>
+                      </a:r>
+                      <a:endParaRPr lang="ru-RU" dirty="0">
+                        <a:solidFill>
+                          <a:schemeClr val="tx2">
+                            <a:lumMod val="50000"/>
+                          </a:schemeClr>
+                        </a:solidFill>
+                        <a:latin typeface="Garamond" panose="02020404030301010803" pitchFamily="18" charset="0"/>
+                      </a:endParaRPr>
+                    </a:p>
+                  </a:txBody>
+                  <a:tcPr>
+                    <a:lnL w="12700" cap="flat" cmpd="sng" algn="ctr">
+                      <a:solidFill>
+                        <a:schemeClr val="tx1"/>
+                      </a:solidFill>
+                      <a:prstDash val="solid"/>
+                      <a:round/>
+                      <a:headEnd type="none" w="med" len="med"/>
+                      <a:tailEnd type="none" w="med" len="med"/>
+                    </a:lnL>
+                    <a:lnR w="12700" cap="flat" cmpd="sng" algn="ctr">
+                      <a:solidFill>
+                        <a:schemeClr val="tx1"/>
+                      </a:solidFill>
+                      <a:prstDash val="solid"/>
+                      <a:round/>
+                      <a:headEnd type="none" w="med" len="med"/>
+                      <a:tailEnd type="none" w="med" len="med"/>
+                    </a:lnR>
+                    <a:lnT w="12700" cap="flat" cmpd="sng" algn="ctr">
+                      <a:solidFill>
+                        <a:schemeClr val="tx1"/>
+                      </a:solidFill>
+                      <a:prstDash val="solid"/>
+                      <a:round/>
+                      <a:headEnd type="none" w="med" len="med"/>
+                      <a:tailEnd type="none" w="med" len="med"/>
+                    </a:lnT>
+                    <a:lnB w="12700" cap="flat" cmpd="sng" algn="ctr">
+                      <a:solidFill>
+                        <a:schemeClr val="tx1"/>
+                      </a:solidFill>
+                      <a:prstDash val="solid"/>
+                      <a:round/>
+                      <a:headEnd type="none" w="med" len="med"/>
+                      <a:tailEnd type="none" w="med" len="med"/>
+                    </a:lnB>
+                    <a:solidFill>
+                      <a:schemeClr val="bg1">
+                        <a:lumMod val="85000"/>
+                      </a:schemeClr>
+                    </a:solidFill>
+                  </a:tcPr>
+                </a:tc>
+                <a:extLst>
+                  <a:ext uri="{0D108BD9-81ED-4DB2-BD59-A6C34878D82A}">
+                    <a16:rowId xmlns:a16="http://schemas.microsoft.com/office/drawing/2014/main" val="2163413554"/>
+                  </a:ext>
+                </a:extLst>
+              </a:tr>
+              <a:tr h="370840">
+                <a:tc vMerge="1">
+                  <a:txBody>
+                    <a:bodyPr/>
+                    <a:lstStyle/>
+                    <a:p>
+                      <a:pPr marL="0" marR="0" indent="0" algn="ctr" defTabSz="914400" rtl="0" eaLnBrk="1" fontAlgn="auto" latinLnBrk="0" hangingPunct="1">
+                        <a:lnSpc>
+                          <a:spcPct val="100000"/>
+                        </a:lnSpc>
+                        <a:spcBef>
+                          <a:spcPts val="0"/>
+                        </a:spcBef>
+                        <a:spcAft>
+                          <a:spcPts val="0"/>
+                        </a:spcAft>
+                        <a:buClrTx/>
+                        <a:buSzTx/>
+                        <a:buFontTx/>
+                        <a:buNone/>
+                        <a:tabLst/>
+                        <a:defRPr/>
+                      </a:pPr>
+                      <a:endParaRPr lang="ru-RU" sz="3200" dirty="0" smtClean="0">
+                        <a:solidFill>
+                          <a:schemeClr val="tx2">
+                            <a:lumMod val="50000"/>
+                          </a:schemeClr>
+                        </a:solidFill>
+                        <a:latin typeface="Garamond" panose="02020404030301010803" pitchFamily="18" charset="0"/>
+                      </a:endParaRPr>
+                    </a:p>
+                  </a:txBody>
+                  <a:tcPr anchor="ctr">
+                    <a:lnL w="12700" cap="flat" cmpd="sng" algn="ctr">
+                      <a:solidFill>
+                        <a:schemeClr val="tx1"/>
+                      </a:solidFill>
+                      <a:prstDash val="solid"/>
+                      <a:round/>
+                      <a:headEnd type="none" w="med" len="med"/>
+                      <a:tailEnd type="none" w="med" len="med"/>
+                    </a:lnL>
+                    <a:lnR w="12700" cap="flat" cmpd="sng" algn="ctr">
+                      <a:solidFill>
+                        <a:schemeClr val="tx1"/>
+                      </a:solidFill>
+                      <a:prstDash val="solid"/>
+                      <a:round/>
+                      <a:headEnd type="none" w="med" len="med"/>
+                      <a:tailEnd type="none" w="med" len="med"/>
+                    </a:lnR>
+                    <a:lnT w="12700" cap="flat" cmpd="sng" algn="ctr">
+                      <a:solidFill>
+                        <a:schemeClr val="tx1"/>
+                      </a:solidFill>
+                      <a:prstDash val="solid"/>
+                      <a:round/>
+                      <a:headEnd type="none" w="med" len="med"/>
+                      <a:tailEnd type="none" w="med" len="med"/>
+                    </a:lnT>
+                    <a:lnB w="12700" cap="flat" cmpd="sng" algn="ctr">
+                      <a:solidFill>
+                        <a:schemeClr val="tx1"/>
+                      </a:solidFill>
+                      <a:prstDash val="solid"/>
+                      <a:round/>
+                      <a:headEnd type="none" w="med" len="med"/>
+                      <a:tailEnd type="none" w="med" len="med"/>
+                    </a:lnB>
+                    <a:solidFill>
+                      <a:schemeClr val="bg1">
+                        <a:lumMod val="65000"/>
+                      </a:schemeClr>
+                    </a:solidFill>
+                  </a:tcPr>
+                </a:tc>
+                <a:tc>
+                  <a:txBody>
+                    <a:bodyPr/>
+                    <a:lstStyle/>
+                    <a:p>
+                      <a:pPr marL="0" marR="0" indent="0" algn="ctr" defTabSz="914400" rtl="0" eaLnBrk="1" fontAlgn="auto" latinLnBrk="0" hangingPunct="1">
+                        <a:lnSpc>
+                          <a:spcPct val="100000"/>
+                        </a:lnSpc>
+                        <a:spcBef>
+                          <a:spcPts val="0"/>
+                        </a:spcBef>
+                        <a:spcAft>
+                          <a:spcPts val="0"/>
+                        </a:spcAft>
+                        <a:buClrTx/>
+                        <a:buSzTx/>
+                        <a:buFontTx/>
+                        <a:buNone/>
+                        <a:tabLst/>
+                        <a:defRPr/>
+                      </a:pPr>
+                      <a:r>
+                        <a:rPr lang="en-US" dirty="0" smtClean="0">
+                          <a:solidFill>
+                            <a:schemeClr val="tx2">
+                              <a:lumMod val="50000"/>
+                            </a:schemeClr>
+                          </a:solidFill>
+                        </a:rPr>
+                        <a:t>A2B</a:t>
+                      </a:r>
+                      <a:endParaRPr lang="ru-RU" dirty="0" smtClean="0">
+                        <a:solidFill>
+                          <a:schemeClr val="tx2">
+                            <a:lumMod val="50000"/>
+                          </a:schemeClr>
+                        </a:solidFill>
+                      </a:endParaRPr>
+                    </a:p>
+                  </a:txBody>
+                  <a:tcPr>
+                    <a:lnL w="12700" cap="flat" cmpd="sng" algn="ctr">
+                      <a:solidFill>
+                        <a:schemeClr val="tx1"/>
+                      </a:solidFill>
+                      <a:prstDash val="solid"/>
+                      <a:round/>
+                      <a:headEnd type="none" w="med" len="med"/>
+                      <a:tailEnd type="none" w="med" len="med"/>
+                    </a:lnL>
+                    <a:lnR w="12700" cap="flat" cmpd="sng" algn="ctr">
+                      <a:solidFill>
+                        <a:schemeClr val="tx1"/>
+                      </a:solidFill>
+                      <a:prstDash val="solid"/>
+                      <a:round/>
+                      <a:headEnd type="none" w="med" len="med"/>
+                      <a:tailEnd type="none" w="med" len="med"/>
+                    </a:lnR>
+                    <a:lnT w="12700" cap="flat" cmpd="sng" algn="ctr">
+                      <a:solidFill>
+                        <a:schemeClr val="tx1"/>
+                      </a:solidFill>
+                      <a:prstDash val="solid"/>
+                      <a:round/>
+                      <a:headEnd type="none" w="med" len="med"/>
+                      <a:tailEnd type="none" w="med" len="med"/>
+                    </a:lnT>
+                    <a:lnB w="12700" cap="flat" cmpd="sng" algn="ctr">
+                      <a:solidFill>
+                        <a:schemeClr val="tx1"/>
+                      </a:solidFill>
+                      <a:prstDash val="solid"/>
+                      <a:round/>
+                      <a:headEnd type="none" w="med" len="med"/>
+                      <a:tailEnd type="none" w="med" len="med"/>
+                    </a:lnB>
+                    <a:solidFill>
+                      <a:schemeClr val="bg1">
+                        <a:lumMod val="85000"/>
+                      </a:schemeClr>
+                    </a:solidFill>
+                  </a:tcPr>
+                </a:tc>
+                <a:tc>
+                  <a:txBody>
+                    <a:bodyPr/>
+                    <a:lstStyle/>
+                    <a:p>
+                      <a:pPr algn="ctr"/>
+                      <a:r>
+                        <a:rPr lang="ru-RU" dirty="0" smtClean="0">
+                          <a:solidFill>
+                            <a:schemeClr val="tx2">
+                              <a:lumMod val="50000"/>
+                            </a:schemeClr>
+                          </a:solidFill>
+                        </a:rPr>
+                        <a:t>-</a:t>
+                      </a:r>
+                      <a:endParaRPr lang="ru-RU" dirty="0">
+                        <a:solidFill>
+                          <a:schemeClr val="tx2">
+                            <a:lumMod val="50000"/>
+                          </a:schemeClr>
+                        </a:solidFill>
+                      </a:endParaRPr>
+                    </a:p>
+                  </a:txBody>
+                  <a:tcPr>
+                    <a:lnL w="12700" cap="flat" cmpd="sng" algn="ctr">
+                      <a:solidFill>
+                        <a:schemeClr val="tx1"/>
+                      </a:solidFill>
+                      <a:prstDash val="solid"/>
+                      <a:round/>
+                      <a:headEnd type="none" w="med" len="med"/>
+                      <a:tailEnd type="none" w="med" len="med"/>
+                    </a:lnL>
+                    <a:lnR w="12700" cap="flat" cmpd="sng" algn="ctr">
+                      <a:solidFill>
+                        <a:schemeClr val="tx1"/>
+                      </a:solidFill>
+                      <a:prstDash val="solid"/>
+                      <a:round/>
+                      <a:headEnd type="none" w="med" len="med"/>
+                      <a:tailEnd type="none" w="med" len="med"/>
+                    </a:lnR>
+                    <a:lnT w="12700" cap="flat" cmpd="sng" algn="ctr">
+                      <a:solidFill>
+                        <a:schemeClr val="tx1"/>
+                      </a:solidFill>
+                      <a:prstDash val="solid"/>
+                      <a:round/>
+                      <a:headEnd type="none" w="med" len="med"/>
+                      <a:tailEnd type="none" w="med" len="med"/>
+                    </a:lnT>
+                    <a:lnB w="12700" cap="flat" cmpd="sng" algn="ctr">
+                      <a:solidFill>
+                        <a:schemeClr val="tx1"/>
+                      </a:solidFill>
+                      <a:prstDash val="solid"/>
+                      <a:round/>
+                      <a:headEnd type="none" w="med" len="med"/>
+                      <a:tailEnd type="none" w="med" len="med"/>
+                    </a:lnB>
+                    <a:solidFill>
+                      <a:schemeClr val="bg1">
+                        <a:lumMod val="85000"/>
+                      </a:schemeClr>
+                    </a:solidFill>
+                  </a:tcPr>
+                </a:tc>
+                <a:tc>
+                  <a:txBody>
+                    <a:bodyPr/>
+                    <a:lstStyle/>
+                    <a:p>
+                      <a:pPr algn="ctr"/>
+                      <a:r>
+                        <a:rPr lang="ru-RU" dirty="0" smtClean="0">
+                          <a:solidFill>
+                            <a:schemeClr val="tx2">
+                              <a:lumMod val="50000"/>
+                            </a:schemeClr>
+                          </a:solidFill>
+                          <a:latin typeface="Garamond" panose="02020404030301010803" pitchFamily="18" charset="0"/>
+                        </a:rPr>
+                        <a:t>Железные потеки</a:t>
+                      </a:r>
+                      <a:endParaRPr lang="ru-RU" dirty="0">
+                        <a:solidFill>
+                          <a:schemeClr val="tx2">
+                            <a:lumMod val="50000"/>
+                          </a:schemeClr>
+                        </a:solidFill>
+                        <a:latin typeface="Garamond" panose="02020404030301010803" pitchFamily="18" charset="0"/>
+                      </a:endParaRPr>
+                    </a:p>
+                  </a:txBody>
+                  <a:tcPr>
+                    <a:lnL w="12700" cap="flat" cmpd="sng" algn="ctr">
+                      <a:solidFill>
+                        <a:schemeClr val="tx1"/>
+                      </a:solidFill>
+                      <a:prstDash val="solid"/>
+                      <a:round/>
+                      <a:headEnd type="none" w="med" len="med"/>
+                      <a:tailEnd type="none" w="med" len="med"/>
+                    </a:lnL>
+                    <a:lnR w="12700" cap="flat" cmpd="sng" algn="ctr">
+                      <a:solidFill>
+                        <a:schemeClr val="tx1"/>
+                      </a:solidFill>
+                      <a:prstDash val="solid"/>
+                      <a:round/>
+                      <a:headEnd type="none" w="med" len="med"/>
+                      <a:tailEnd type="none" w="med" len="med"/>
+                    </a:lnR>
+                    <a:lnT w="12700" cap="flat" cmpd="sng" algn="ctr">
+                      <a:solidFill>
+                        <a:schemeClr val="tx1"/>
+                      </a:solidFill>
+                      <a:prstDash val="solid"/>
+                      <a:round/>
+                      <a:headEnd type="none" w="med" len="med"/>
+                      <a:tailEnd type="none" w="med" len="med"/>
+                    </a:lnT>
+                    <a:lnB w="12700" cap="flat" cmpd="sng" algn="ctr">
+                      <a:solidFill>
+                        <a:schemeClr val="tx1"/>
+                      </a:solidFill>
+                      <a:prstDash val="solid"/>
+                      <a:round/>
+                      <a:headEnd type="none" w="med" len="med"/>
+                      <a:tailEnd type="none" w="med" len="med"/>
+                    </a:lnB>
+                    <a:solidFill>
+                      <a:schemeClr val="bg1">
+                        <a:lumMod val="85000"/>
+                      </a:schemeClr>
+                    </a:solidFill>
+                  </a:tcPr>
+                </a:tc>
+                <a:extLst>
+                  <a:ext uri="{0D108BD9-81ED-4DB2-BD59-A6C34878D82A}">
+                    <a16:rowId xmlns:a16="http://schemas.microsoft.com/office/drawing/2014/main" val="4079579731"/>
+                  </a:ext>
+                </a:extLst>
+              </a:tr>
+            </a:tbl>
+          </a:graphicData>
+        </a:graphic>
+      </p:graphicFrame>
+    </p:spTree>
+    <p:extLst>
+      <p:ext uri="{BB962C8B-B14F-4D97-AF65-F5344CB8AC3E}">
+        <p14:creationId xmlns:p14="http://schemas.microsoft.com/office/powerpoint/2010/main" val="1803013645"/>
+      </p:ext>
+    </p:extLst>
+  </p:cSld>
+  <p:clrMapOvr>
+    <a:masterClrMapping/>
+  </p:clrMapOvr>
+</p:sld>
+</file>
+
+<file path=ppt/slides/slide6.xml><?xml version="1.0" encoding="utf-8"?>
+<p:sld xmlns:a="http://schemas.openxmlformats.org/drawingml/2006/main" xmlns:r="http://schemas.openxmlformats.org/officeDocument/2006/relationships" xmlns:p="http://schemas.openxmlformats.org/presentationml/2006/main">
+  <p:cSld>
+    <p:spTree>
+      <p:nvGrpSpPr>
+        <p:cNvPr id="1" name=""/>
+        <p:cNvGrpSpPr/>
+        <p:nvPr/>
+      </p:nvGrpSpPr>
+      <p:grpSpPr>
+        <a:xfrm>
+          <a:off x="0" y="0"/>
+          <a:ext cx="0" cy="0"/>
+          <a:chOff x="0" y="0"/>
+          <a:chExt cx="0" cy="0"/>
+        </a:xfrm>
+      </p:grpSpPr>
+      <p:sp>
+        <p:nvSpPr>
+          <p:cNvPr id="2" name="TextBox 1"/>
+          <p:cNvSpPr txBox="1"/>
+          <p:nvPr/>
+        </p:nvSpPr>
+        <p:spPr>
+          <a:xfrm>
+            <a:off x="3149600" y="226647"/>
+            <a:ext cx="5126892" cy="769441"/>
+          </a:xfrm>
+          <a:prstGeom prst="rect">
+            <a:avLst/>
+          </a:prstGeom>
+          <a:noFill/>
+        </p:spPr>
+        <p:txBody>
+          <a:bodyPr wrap="square" rtlCol="0" anchor="ctr">
+            <a:spAutoFit/>
+          </a:bodyPr>
+          <a:lstStyle/>
+          <a:p>
+            <a:pPr algn="ctr"/>
+            <a:r>
+              <a:rPr lang="ru-RU" sz="4400" b="1" dirty="0" smtClean="0">
+                <a:latin typeface="Garamond" panose="02020404030301010803" pitchFamily="18" charset="0"/>
+              </a:rPr>
+              <a:t>Анализ данных</a:t>
+            </a:r>
+            <a:endParaRPr lang="ru-RU" sz="4400" b="1" dirty="0">
+              <a:latin typeface="Garamond" panose="02020404030301010803" pitchFamily="18" charset="0"/>
+            </a:endParaRPr>
+          </a:p>
+        </p:txBody>
+      </p:sp>
+    </p:spTree>
+    <p:extLst>
+      <p:ext uri="{BB962C8B-B14F-4D97-AF65-F5344CB8AC3E}">
+        <p14:creationId xmlns:p14="http://schemas.microsoft.com/office/powerpoint/2010/main" val="2220465195"/>
+      </p:ext>
+    </p:extLst>
+  </p:cSld>
+  <p:clrMapOvr>
+    <a:masterClrMapping/>
+  </p:clrMapOvr>
+</p:sld>
+</file>
+
+<file path=ppt/slides/slide7.xml><?xml version="1.0" encoding="utf-8"?>
+<p:sld xmlns:a="http://schemas.openxmlformats.org/drawingml/2006/main" xmlns:r="http://schemas.openxmlformats.org/officeDocument/2006/relationships" xmlns:p="http://schemas.openxmlformats.org/presentationml/2006/main">
+  <p:cSld>
+    <p:spTree>
+      <p:nvGrpSpPr>
+        <p:cNvPr id="1" name=""/>
+        <p:cNvGrpSpPr/>
+        <p:nvPr/>
+      </p:nvGrpSpPr>
+      <p:grpSpPr>
+        <a:xfrm>
+          <a:off x="0" y="0"/>
+          <a:ext cx="0" cy="0"/>
+          <a:chOff x="0" y="0"/>
+          <a:chExt cx="0" cy="0"/>
+        </a:xfrm>
+      </p:grpSpPr>
+      <p:sp>
+        <p:nvSpPr>
+          <p:cNvPr id="2" name="TextBox 1"/>
+          <p:cNvSpPr txBox="1"/>
+          <p:nvPr/>
+        </p:nvSpPr>
+        <p:spPr>
+          <a:xfrm>
+            <a:off x="2500923" y="640862"/>
+            <a:ext cx="6478954" cy="769441"/>
+          </a:xfrm>
+          <a:prstGeom prst="rect">
+            <a:avLst/>
+          </a:prstGeom>
+          <a:noFill/>
+        </p:spPr>
+        <p:txBody>
+          <a:bodyPr wrap="square" rtlCol="0" anchor="ctr">
+            <a:spAutoFit/>
+          </a:bodyPr>
+          <a:lstStyle/>
+          <a:p>
+            <a:pPr algn="ctr"/>
+            <a:r>
+              <a:rPr lang="ru-RU" sz="4400" b="1" dirty="0" smtClean="0">
+                <a:latin typeface="Garamond" panose="02020404030301010803" pitchFamily="18" charset="0"/>
+              </a:rPr>
+              <a:t>Заключение</a:t>
+            </a:r>
+            <a:endParaRPr lang="ru-RU" sz="4400" b="1" dirty="0">
+              <a:latin typeface="Garamond" panose="02020404030301010803" pitchFamily="18" charset="0"/>
+            </a:endParaRPr>
+          </a:p>
+        </p:txBody>
+      </p:sp>
+    </p:spTree>
+    <p:extLst>
+      <p:ext uri="{BB962C8B-B14F-4D97-AF65-F5344CB8AC3E}">
+        <p14:creationId xmlns:p14="http://schemas.microsoft.com/office/powerpoint/2010/main" val="1438055051"/>
+      </p:ext>
+    </p:extLst>
+  </p:cSld>
+  <p:clrMapOvr>
+    <a:masterClrMapping/>
+  </p:clrMapOvr>
+</p:sld>
+</file>
+
+<file path=ppt/slides/slide8.xml><?xml version="1.0" encoding="utf-8"?>
+<p:sld xmlns:a="http://schemas.openxmlformats.org/drawingml/2006/main" xmlns:r="http://schemas.openxmlformats.org/officeDocument/2006/relationships" xmlns:p="http://schemas.openxmlformats.org/presentationml/2006/main">
+  <p:cSld>
+    <p:spTree>
+      <p:nvGrpSpPr>
+        <p:cNvPr id="1" name=""/>
+        <p:cNvGrpSpPr/>
+        <p:nvPr/>
+      </p:nvGrpSpPr>
+      <p:grpSpPr>
+        <a:xfrm>
+          <a:off x="0" y="0"/>
+          <a:ext cx="0" cy="0"/>
+          <a:chOff x="0" y="0"/>
+          <a:chExt cx="0" cy="0"/>
+        </a:xfrm>
+      </p:grpSpPr>
+      <p:sp>
+        <p:nvSpPr>
+          <p:cNvPr id="2" name="TextBox 1"/>
+          <p:cNvSpPr txBox="1"/>
+          <p:nvPr/>
+        </p:nvSpPr>
+        <p:spPr>
+          <a:xfrm>
+            <a:off x="105507" y="1305169"/>
+            <a:ext cx="8995508" cy="1200329"/>
+          </a:xfrm>
+          <a:prstGeom prst="rect">
+            <a:avLst/>
+          </a:prstGeom>
+          <a:noFill/>
+        </p:spPr>
+        <p:txBody>
+          <a:bodyPr wrap="square" rtlCol="0">
+            <a:spAutoFit/>
+          </a:bodyPr>
+          <a:lstStyle/>
+          <a:p>
+            <a:pPr marL="285750" indent="-285750">
+              <a:buFont typeface="Arial" panose="020B0604020202020204" pitchFamily="34" charset="0"/>
+              <a:buChar char="•"/>
+            </a:pPr>
+            <a:r>
+              <a:rPr lang="ru-RU" sz="2400" b="1" dirty="0" smtClean="0">
+                <a:latin typeface="Garamond" panose="02020404030301010803" pitchFamily="18" charset="0"/>
+              </a:rPr>
+              <a:t>Ссылка на проект:</a:t>
+            </a:r>
+          </a:p>
+          <a:p>
+            <a:r>
+              <a:rPr lang="en-US" sz="2400" dirty="0">
+                <a:hlinkClick r:id="rId2"/>
+              </a:rPr>
+              <a:t>https://github.com/Zhabich12/PochvaZZZ/tree/main</a:t>
+            </a:r>
+            <a:r>
+              <a:rPr lang="ru-RU" sz="2400" dirty="0" smtClean="0"/>
+              <a:t/>
+            </a:r>
+            <a:br>
+              <a:rPr lang="ru-RU" sz="2400" dirty="0" smtClean="0"/>
+            </a:br>
+            <a:endParaRPr lang="ru-RU" sz="2400" dirty="0"/>
+          </a:p>
+        </p:txBody>
+      </p:sp>
+      <p:sp>
+        <p:nvSpPr>
+          <p:cNvPr id="3" name="TextBox 2"/>
+          <p:cNvSpPr txBox="1"/>
+          <p:nvPr/>
+        </p:nvSpPr>
+        <p:spPr>
+          <a:xfrm>
+            <a:off x="105507" y="2136166"/>
+            <a:ext cx="9452708" cy="1477328"/>
+          </a:xfrm>
+          <a:prstGeom prst="rect">
+            <a:avLst/>
+          </a:prstGeom>
+          <a:noFill/>
+        </p:spPr>
+        <p:txBody>
+          <a:bodyPr wrap="square" rtlCol="0">
+            <a:spAutoFit/>
+          </a:bodyPr>
+          <a:lstStyle/>
+          <a:p>
+            <a:pPr marL="342900" indent="-342900">
+              <a:buFont typeface="Arial" panose="020B0604020202020204" pitchFamily="34" charset="0"/>
+              <a:buChar char="•"/>
+            </a:pPr>
+            <a:r>
+              <a:rPr lang="ru-RU" sz="2400" b="1" dirty="0" smtClean="0">
+                <a:latin typeface="Garamond" panose="02020404030301010803" pitchFamily="18" charset="0"/>
+              </a:rPr>
+              <a:t>Используемая литература:</a:t>
+            </a:r>
+          </a:p>
+          <a:p>
+            <a:pPr marL="457200" indent="-457200">
+              <a:buFont typeface="+mj-lt"/>
+              <a:buAutoNum type="arabicPeriod"/>
+            </a:pPr>
+            <a:r>
+              <a:rPr lang="ru-RU" sz="2400" dirty="0" smtClean="0">
+                <a:latin typeface="Garamond" panose="02020404030301010803" pitchFamily="18" charset="0"/>
+              </a:rPr>
+              <a:t>А.С </a:t>
+            </a:r>
+            <a:r>
+              <a:rPr lang="ru-RU" sz="2400" dirty="0" err="1" smtClean="0">
+                <a:latin typeface="Garamond" panose="02020404030301010803" pitchFamily="18" charset="0"/>
+              </a:rPr>
+              <a:t>Тлепов</a:t>
+            </a:r>
+            <a:r>
+              <a:rPr lang="ru-RU" sz="2400" dirty="0" smtClean="0">
+                <a:latin typeface="Garamond" panose="02020404030301010803" pitchFamily="18" charset="0"/>
+              </a:rPr>
+              <a:t>. Гранулометрический состав почвы и его роль в накоплении органического вещества в почве</a:t>
+            </a:r>
+          </a:p>
+          <a:p>
+            <a:endParaRPr lang="ru-RU" dirty="0"/>
+          </a:p>
+        </p:txBody>
+      </p:sp>
+    </p:spTree>
+    <p:extLst>
+      <p:ext uri="{BB962C8B-B14F-4D97-AF65-F5344CB8AC3E}">
+        <p14:creationId xmlns:p14="http://schemas.microsoft.com/office/powerpoint/2010/main" val="1259719006"/>
       </p:ext>
     </p:extLst>
   </p:cSld>

--- a/презентация PochaZZZ.pptx
+++ b/презентация PochaZZZ.pptx
@@ -8,9 +8,9 @@
     <p:sldId id="256" r:id="rId2"/>
     <p:sldId id="257" r:id="rId3"/>
     <p:sldId id="258" r:id="rId4"/>
-    <p:sldId id="259" r:id="rId5"/>
-    <p:sldId id="261" r:id="rId6"/>
-    <p:sldId id="264" r:id="rId7"/>
+    <p:sldId id="265" r:id="rId5"/>
+    <p:sldId id="259" r:id="rId6"/>
+    <p:sldId id="261" r:id="rId7"/>
     <p:sldId id="262" r:id="rId8"/>
     <p:sldId id="263" r:id="rId9"/>
   </p:sldIdLst>
@@ -3065,13 +3065,7 @@
               <a:rPr lang="ru-RU" dirty="0" smtClean="0">
                 <a:latin typeface="Garamond" panose="02020404030301010803" pitchFamily="18" charset="0"/>
               </a:rPr>
-              <a:t>Величко Алиса </a:t>
-            </a:r>
-            <a:r>
-              <a:rPr lang="ru-RU" dirty="0" smtClean="0">
-                <a:latin typeface="Garamond" panose="02020404030301010803" pitchFamily="18" charset="0"/>
-              </a:rPr>
-              <a:t>Сергеевна</a:t>
+              <a:t>Величко Алиса Сергеевна</a:t>
             </a:r>
             <a:endParaRPr lang="ru-RU" dirty="0">
               <a:latin typeface="Garamond" panose="02020404030301010803" pitchFamily="18" charset="0"/>
@@ -3187,7 +3181,19 @@
               <a:rPr lang="ru-RU" sz="2400" dirty="0" smtClean="0">
                 <a:latin typeface="Garamond" panose="02020404030301010803" pitchFamily="18" charset="0"/>
               </a:rPr>
-              <a:t>Изучение влияния ГМС на количество гумуса в почве</a:t>
+              <a:t>Изучение влияния ГМС на </a:t>
+            </a:r>
+            <a:r>
+              <a:rPr lang="ru-RU" sz="2400" dirty="0" smtClean="0">
+                <a:latin typeface="Garamond" panose="02020404030301010803" pitchFamily="18" charset="0"/>
+              </a:rPr>
+              <a:t>гумус </a:t>
+            </a:r>
+            <a:r>
+              <a:rPr lang="ru-RU" sz="2400" dirty="0" smtClean="0">
+                <a:latin typeface="Garamond" panose="02020404030301010803" pitchFamily="18" charset="0"/>
+              </a:rPr>
+              <a:t>в почве</a:t>
             </a:r>
             <a:endParaRPr lang="ru-RU" sz="2400" b="1" dirty="0">
               <a:latin typeface="Garamond" panose="02020404030301010803" pitchFamily="18" charset="0"/>
@@ -3246,7 +3252,7 @@
         <p:spPr>
           <a:xfrm>
             <a:off x="382385" y="2427316"/>
-            <a:ext cx="5636030" cy="923330"/>
+            <a:ext cx="5636030" cy="1200329"/>
           </a:xfrm>
           <a:prstGeom prst="rect">
             <a:avLst/>
@@ -3291,7 +3297,31 @@
               <a:rPr lang="ru-RU" dirty="0" smtClean="0">
                 <a:latin typeface="Garamond" panose="02020404030301010803" pitchFamily="18" charset="0"/>
               </a:rPr>
-              <a:t>Сравнение кол-во гумуса в почве и данных по ГМС</a:t>
+              <a:t>Сравнение </a:t>
+            </a:r>
+            <a:r>
+              <a:rPr lang="ru-RU" dirty="0" smtClean="0">
+                <a:latin typeface="Garamond" panose="02020404030301010803" pitchFamily="18" charset="0"/>
+              </a:rPr>
+              <a:t>данных по гумусу в </a:t>
+            </a:r>
+            <a:r>
+              <a:rPr lang="ru-RU" dirty="0" smtClean="0">
+                <a:latin typeface="Garamond" panose="02020404030301010803" pitchFamily="18" charset="0"/>
+              </a:rPr>
+              <a:t>почве и данных </a:t>
+            </a:r>
+            <a:r>
+              <a:rPr lang="ru-RU" dirty="0" smtClean="0">
+                <a:latin typeface="Garamond" panose="02020404030301010803" pitchFamily="18" charset="0"/>
+              </a:rPr>
+              <a:t>по ГМС </a:t>
+            </a:r>
+            <a:r>
+              <a:rPr lang="ru-RU" dirty="0" smtClean="0">
+                <a:latin typeface="Garamond" panose="02020404030301010803" pitchFamily="18" charset="0"/>
+              </a:rPr>
+              <a:t>ГМС</a:t>
             </a:r>
             <a:endParaRPr lang="ru-RU" dirty="0">
               <a:latin typeface="Garamond" panose="02020404030301010803" pitchFamily="18" charset="0"/>
@@ -3595,6 +3625,1482 @@
         </p:nvSpPr>
         <p:spPr>
           <a:xfrm>
+            <a:off x="2759825" y="241069"/>
+            <a:ext cx="6168044" cy="769441"/>
+          </a:xfrm>
+          <a:prstGeom prst="rect">
+            <a:avLst/>
+          </a:prstGeom>
+          <a:noFill/>
+        </p:spPr>
+        <p:txBody>
+          <a:bodyPr wrap="square" rtlCol="0" anchor="ctr">
+            <a:spAutoFit/>
+          </a:bodyPr>
+          <a:lstStyle/>
+          <a:p>
+            <a:pPr algn="ctr"/>
+            <a:r>
+              <a:rPr lang="ru-RU" sz="4400" dirty="0" smtClean="0">
+                <a:latin typeface="Garamond" panose="02020404030301010803" pitchFamily="18" charset="0"/>
+              </a:rPr>
+              <a:t>Метод полевого шнура</a:t>
+            </a:r>
+            <a:endParaRPr lang="ru-RU" sz="4400" dirty="0">
+              <a:latin typeface="Garamond" panose="02020404030301010803" pitchFamily="18" charset="0"/>
+            </a:endParaRPr>
+          </a:p>
+        </p:txBody>
+      </p:sp>
+      <p:graphicFrame>
+        <p:nvGraphicFramePr>
+          <p:cNvPr id="4" name="Таблица 3"/>
+          <p:cNvGraphicFramePr>
+            <a:graphicFrameLocks noGrp="1"/>
+          </p:cNvGraphicFramePr>
+          <p:nvPr>
+            <p:extLst>
+              <p:ext uri="{D42A27DB-BD31-4B8C-83A1-F6EECF244321}">
+                <p14:modId xmlns:p14="http://schemas.microsoft.com/office/powerpoint/2010/main" val="451182050"/>
+              </p:ext>
+            </p:extLst>
+          </p:nvPr>
+        </p:nvGraphicFramePr>
+        <p:xfrm>
+          <a:off x="1779847" y="1502896"/>
+          <a:ext cx="8128000" cy="5153582"/>
+        </p:xfrm>
+        <a:graphic>
+          <a:graphicData uri="http://schemas.openxmlformats.org/drawingml/2006/table">
+            <a:tbl>
+              <a:tblPr firstRow="1" bandRow="1">
+                <a:tableStyleId>{5C22544A-7EE6-4342-B048-85BDC9FD1C3A}</a:tableStyleId>
+              </a:tblPr>
+              <a:tblGrid>
+                <a:gridCol w="4064000">
+                  <a:extLst>
+                    <a:ext uri="{9D8B030D-6E8A-4147-A177-3AD203B41FA5}">
+                      <a16:colId xmlns:a16="http://schemas.microsoft.com/office/drawing/2014/main" val="424353987"/>
+                    </a:ext>
+                  </a:extLst>
+                </a:gridCol>
+                <a:gridCol w="4064000">
+                  <a:extLst>
+                    <a:ext uri="{9D8B030D-6E8A-4147-A177-3AD203B41FA5}">
+                      <a16:colId xmlns:a16="http://schemas.microsoft.com/office/drawing/2014/main" val="3915000826"/>
+                    </a:ext>
+                  </a:extLst>
+                </a:gridCol>
+              </a:tblGrid>
+              <a:tr h="370840">
+                <a:tc>
+                  <a:txBody>
+                    <a:bodyPr/>
+                    <a:lstStyle/>
+                    <a:p>
+                      <a:pPr algn="ctr"/>
+                      <a:r>
+                        <a:rPr lang="ru-RU" sz="1600" b="1" i="0" kern="1200" dirty="0" smtClean="0">
+                          <a:solidFill>
+                            <a:schemeClr val="tx1">
+                              <a:lumMod val="85000"/>
+                              <a:lumOff val="15000"/>
+                            </a:schemeClr>
+                          </a:solidFill>
+                          <a:effectLst/>
+                          <a:latin typeface="Garamond" panose="02020404030301010803" pitchFamily="18" charset="0"/>
+                          <a:ea typeface="+mn-ea"/>
+                          <a:cs typeface="+mn-cs"/>
+                        </a:rPr>
+                        <a:t>Группа почв по механическому составу</a:t>
+                      </a:r>
+                      <a:endParaRPr lang="ru-RU" sz="1600" b="1" dirty="0">
+                        <a:solidFill>
+                          <a:schemeClr val="tx1">
+                            <a:lumMod val="85000"/>
+                            <a:lumOff val="15000"/>
+                          </a:schemeClr>
+                        </a:solidFill>
+                        <a:latin typeface="Garamond" panose="02020404030301010803" pitchFamily="18" charset="0"/>
+                      </a:endParaRPr>
+                    </a:p>
+                  </a:txBody>
+                  <a:tcPr>
+                    <a:lnL w="12700" cap="flat" cmpd="sng" algn="ctr">
+                      <a:solidFill>
+                        <a:schemeClr val="tx1"/>
+                      </a:solidFill>
+                      <a:prstDash val="solid"/>
+                      <a:round/>
+                      <a:headEnd type="none" w="med" len="med"/>
+                      <a:tailEnd type="none" w="med" len="med"/>
+                    </a:lnL>
+                    <a:lnR w="12700" cap="flat" cmpd="sng" algn="ctr">
+                      <a:solidFill>
+                        <a:schemeClr val="tx1"/>
+                      </a:solidFill>
+                      <a:prstDash val="solid"/>
+                      <a:round/>
+                      <a:headEnd type="none" w="med" len="med"/>
+                      <a:tailEnd type="none" w="med" len="med"/>
+                    </a:lnR>
+                    <a:lnT w="12700" cap="flat" cmpd="sng" algn="ctr">
+                      <a:solidFill>
+                        <a:schemeClr val="tx1"/>
+                      </a:solidFill>
+                      <a:prstDash val="solid"/>
+                      <a:round/>
+                      <a:headEnd type="none" w="med" len="med"/>
+                      <a:tailEnd type="none" w="med" len="med"/>
+                    </a:lnT>
+                    <a:lnB w="12700" cap="flat" cmpd="sng" algn="ctr">
+                      <a:solidFill>
+                        <a:schemeClr val="tx1"/>
+                      </a:solidFill>
+                      <a:prstDash val="solid"/>
+                      <a:round/>
+                      <a:headEnd type="none" w="med" len="med"/>
+                      <a:tailEnd type="none" w="med" len="med"/>
+                    </a:lnB>
+                    <a:solidFill>
+                      <a:schemeClr val="tx1">
+                        <a:lumMod val="50000"/>
+                        <a:lumOff val="50000"/>
+                      </a:schemeClr>
+                    </a:solidFill>
+                  </a:tcPr>
+                </a:tc>
+                <a:tc>
+                  <a:txBody>
+                    <a:bodyPr/>
+                    <a:lstStyle/>
+                    <a:p>
+                      <a:pPr algn="ctr"/>
+                      <a:r>
+                        <a:rPr lang="ru-RU" sz="1600" b="1" i="0" kern="1200" dirty="0" smtClean="0">
+                          <a:solidFill>
+                            <a:schemeClr val="tx1">
+                              <a:lumMod val="85000"/>
+                              <a:lumOff val="15000"/>
+                            </a:schemeClr>
+                          </a:solidFill>
+                          <a:effectLst/>
+                          <a:latin typeface="Garamond" panose="02020404030301010803" pitchFamily="18" charset="0"/>
+                          <a:ea typeface="+mn-ea"/>
+                          <a:cs typeface="+mn-cs"/>
+                        </a:rPr>
+                        <a:t>Поведение шнура при раскатывании и свертывании в кольцо</a:t>
+                      </a:r>
+                      <a:endParaRPr lang="ru-RU" sz="1600" b="1" dirty="0">
+                        <a:solidFill>
+                          <a:schemeClr val="tx1">
+                            <a:lumMod val="85000"/>
+                            <a:lumOff val="15000"/>
+                          </a:schemeClr>
+                        </a:solidFill>
+                        <a:latin typeface="Garamond" panose="02020404030301010803" pitchFamily="18" charset="0"/>
+                      </a:endParaRPr>
+                    </a:p>
+                  </a:txBody>
+                  <a:tcPr>
+                    <a:lnL w="12700" cap="flat" cmpd="sng" algn="ctr">
+                      <a:solidFill>
+                        <a:schemeClr val="tx1"/>
+                      </a:solidFill>
+                      <a:prstDash val="solid"/>
+                      <a:round/>
+                      <a:headEnd type="none" w="med" len="med"/>
+                      <a:tailEnd type="none" w="med" len="med"/>
+                    </a:lnL>
+                    <a:lnR w="12700" cap="flat" cmpd="sng" algn="ctr">
+                      <a:solidFill>
+                        <a:schemeClr val="tx1"/>
+                      </a:solidFill>
+                      <a:prstDash val="solid"/>
+                      <a:round/>
+                      <a:headEnd type="none" w="med" len="med"/>
+                      <a:tailEnd type="none" w="med" len="med"/>
+                    </a:lnR>
+                    <a:lnT w="12700" cap="flat" cmpd="sng" algn="ctr">
+                      <a:solidFill>
+                        <a:schemeClr val="tx1"/>
+                      </a:solidFill>
+                      <a:prstDash val="solid"/>
+                      <a:round/>
+                      <a:headEnd type="none" w="med" len="med"/>
+                      <a:tailEnd type="none" w="med" len="med"/>
+                    </a:lnT>
+                    <a:lnB w="12700" cap="flat" cmpd="sng" algn="ctr">
+                      <a:solidFill>
+                        <a:schemeClr val="tx1"/>
+                      </a:solidFill>
+                      <a:prstDash val="solid"/>
+                      <a:round/>
+                      <a:headEnd type="none" w="med" len="med"/>
+                      <a:tailEnd type="none" w="med" len="med"/>
+                    </a:lnB>
+                    <a:solidFill>
+                      <a:schemeClr val="tx1">
+                        <a:lumMod val="50000"/>
+                        <a:lumOff val="50000"/>
+                      </a:schemeClr>
+                    </a:solidFill>
+                  </a:tcPr>
+                </a:tc>
+                <a:extLst>
+                  <a:ext uri="{0D108BD9-81ED-4DB2-BD59-A6C34878D82A}">
+                    <a16:rowId xmlns:a16="http://schemas.microsoft.com/office/drawing/2014/main" val="3888697218"/>
+                  </a:ext>
+                </a:extLst>
+              </a:tr>
+              <a:tr h="373302">
+                <a:tc>
+                  <a:txBody>
+                    <a:bodyPr/>
+                    <a:lstStyle/>
+                    <a:p>
+                      <a:pPr algn="ctr"/>
+                      <a:r>
+                        <a:rPr lang="ru-RU" sz="1400" dirty="0">
+                          <a:effectLst/>
+                          <a:latin typeface="Garamond" panose="02020404030301010803" pitchFamily="18" charset="0"/>
+                        </a:rPr>
+                        <a:t>Песок</a:t>
+                      </a:r>
+                    </a:p>
+                  </a:txBody>
+                  <a:tcPr marL="95250" marR="95250" marT="95250" marB="95250" anchor="ctr">
+                    <a:lnL w="12700" cap="flat" cmpd="sng" algn="ctr">
+                      <a:solidFill>
+                        <a:schemeClr val="tx1"/>
+                      </a:solidFill>
+                      <a:prstDash val="solid"/>
+                      <a:round/>
+                      <a:headEnd type="none" w="med" len="med"/>
+                      <a:tailEnd type="none" w="med" len="med"/>
+                    </a:lnL>
+                    <a:lnR w="12700" cap="flat" cmpd="sng" algn="ctr">
+                      <a:solidFill>
+                        <a:schemeClr val="tx1"/>
+                      </a:solidFill>
+                      <a:prstDash val="solid"/>
+                      <a:round/>
+                      <a:headEnd type="none" w="med" len="med"/>
+                      <a:tailEnd type="none" w="med" len="med"/>
+                    </a:lnR>
+                    <a:lnT w="12700" cap="flat" cmpd="sng" algn="ctr">
+                      <a:solidFill>
+                        <a:schemeClr val="tx1"/>
+                      </a:solidFill>
+                      <a:prstDash val="solid"/>
+                      <a:round/>
+                      <a:headEnd type="none" w="med" len="med"/>
+                      <a:tailEnd type="none" w="med" len="med"/>
+                    </a:lnT>
+                    <a:lnB w="12700" cap="flat" cmpd="sng" algn="ctr">
+                      <a:solidFill>
+                        <a:schemeClr val="tx1"/>
+                      </a:solidFill>
+                      <a:prstDash val="solid"/>
+                      <a:round/>
+                      <a:headEnd type="none" w="med" len="med"/>
+                      <a:tailEnd type="none" w="med" len="med"/>
+                    </a:lnB>
+                    <a:solidFill>
+                      <a:schemeClr val="bg1">
+                        <a:lumMod val="85000"/>
+                      </a:schemeClr>
+                    </a:solidFill>
+                  </a:tcPr>
+                </a:tc>
+                <a:tc>
+                  <a:txBody>
+                    <a:bodyPr/>
+                    <a:lstStyle/>
+                    <a:p>
+                      <a:pPr algn="ctr"/>
+                      <a:r>
+                        <a:rPr lang="ru-RU" sz="1400" dirty="0" smtClean="0">
+                          <a:effectLst/>
+                          <a:latin typeface="Garamond" panose="02020404030301010803" pitchFamily="18" charset="0"/>
+                        </a:rPr>
+                        <a:t>Почва не скатывается</a:t>
+                      </a:r>
+                      <a:endParaRPr lang="ru-RU" sz="1400" dirty="0">
+                        <a:effectLst/>
+                        <a:latin typeface="Garamond" panose="02020404030301010803" pitchFamily="18" charset="0"/>
+                      </a:endParaRPr>
+                    </a:p>
+                  </a:txBody>
+                  <a:tcPr marL="95250" marR="95250" marT="95250" marB="95250" anchor="ctr">
+                    <a:lnL w="12700" cap="flat" cmpd="sng" algn="ctr">
+                      <a:solidFill>
+                        <a:schemeClr val="tx1"/>
+                      </a:solidFill>
+                      <a:prstDash val="solid"/>
+                      <a:round/>
+                      <a:headEnd type="none" w="med" len="med"/>
+                      <a:tailEnd type="none" w="med" len="med"/>
+                    </a:lnL>
+                    <a:lnR w="12700" cap="flat" cmpd="sng" algn="ctr">
+                      <a:solidFill>
+                        <a:schemeClr val="tx1"/>
+                      </a:solidFill>
+                      <a:prstDash val="solid"/>
+                      <a:round/>
+                      <a:headEnd type="none" w="med" len="med"/>
+                      <a:tailEnd type="none" w="med" len="med"/>
+                    </a:lnR>
+                    <a:lnT w="12700" cap="flat" cmpd="sng" algn="ctr">
+                      <a:solidFill>
+                        <a:schemeClr val="tx1"/>
+                      </a:solidFill>
+                      <a:prstDash val="solid"/>
+                      <a:round/>
+                      <a:headEnd type="none" w="med" len="med"/>
+                      <a:tailEnd type="none" w="med" len="med"/>
+                    </a:lnT>
+                    <a:lnB w="12700" cap="flat" cmpd="sng" algn="ctr">
+                      <a:solidFill>
+                        <a:schemeClr val="tx1"/>
+                      </a:solidFill>
+                      <a:prstDash val="solid"/>
+                      <a:round/>
+                      <a:headEnd type="none" w="med" len="med"/>
+                      <a:tailEnd type="none" w="med" len="med"/>
+                    </a:lnB>
+                    <a:solidFill>
+                      <a:schemeClr val="bg1">
+                        <a:lumMod val="85000"/>
+                      </a:schemeClr>
+                    </a:solidFill>
+                  </a:tcPr>
+                </a:tc>
+                <a:extLst>
+                  <a:ext uri="{0D108BD9-81ED-4DB2-BD59-A6C34878D82A}">
+                    <a16:rowId xmlns:a16="http://schemas.microsoft.com/office/drawing/2014/main" val="4078861975"/>
+                  </a:ext>
+                </a:extLst>
+              </a:tr>
+              <a:tr h="159634">
+                <a:tc gridSpan="2">
+                  <a:txBody>
+                    <a:bodyPr/>
+                    <a:lstStyle/>
+                    <a:p>
+                      <a:pPr algn="ctr"/>
+                      <a:endParaRPr lang="ru-RU" sz="100" dirty="0">
+                        <a:latin typeface="Garamond" panose="02020404030301010803" pitchFamily="18" charset="0"/>
+                      </a:endParaRPr>
+                    </a:p>
+                  </a:txBody>
+                  <a:tcPr>
+                    <a:lnL w="12700" cap="flat" cmpd="sng" algn="ctr">
+                      <a:solidFill>
+                        <a:schemeClr val="tx1"/>
+                      </a:solidFill>
+                      <a:prstDash val="solid"/>
+                      <a:round/>
+                      <a:headEnd type="none" w="med" len="med"/>
+                      <a:tailEnd type="none" w="med" len="med"/>
+                    </a:lnL>
+                    <a:lnR w="12700" cap="flat" cmpd="sng" algn="ctr">
+                      <a:solidFill>
+                        <a:schemeClr val="tx1"/>
+                      </a:solidFill>
+                      <a:prstDash val="solid"/>
+                      <a:round/>
+                      <a:headEnd type="none" w="med" len="med"/>
+                      <a:tailEnd type="none" w="med" len="med"/>
+                    </a:lnR>
+                    <a:lnT w="12700" cap="flat" cmpd="sng" algn="ctr">
+                      <a:solidFill>
+                        <a:schemeClr val="tx1"/>
+                      </a:solidFill>
+                      <a:prstDash val="solid"/>
+                      <a:round/>
+                      <a:headEnd type="none" w="med" len="med"/>
+                      <a:tailEnd type="none" w="med" len="med"/>
+                    </a:lnT>
+                    <a:lnB w="12700" cap="flat" cmpd="sng" algn="ctr">
+                      <a:solidFill>
+                        <a:schemeClr val="tx1"/>
+                      </a:solidFill>
+                      <a:prstDash val="solid"/>
+                      <a:round/>
+                      <a:headEnd type="none" w="med" len="med"/>
+                      <a:tailEnd type="none" w="med" len="med"/>
+                    </a:lnB>
+                    <a:solidFill>
+                      <a:schemeClr val="tx1">
+                        <a:lumMod val="50000"/>
+                        <a:lumOff val="50000"/>
+                      </a:schemeClr>
+                    </a:solidFill>
+                  </a:tcPr>
+                </a:tc>
+                <a:tc hMerge="1">
+                  <a:txBody>
+                    <a:bodyPr/>
+                    <a:lstStyle/>
+                    <a:p>
+                      <a:endParaRPr lang="ru-RU" sz="100" dirty="0"/>
+                    </a:p>
+                  </a:txBody>
+                  <a:tcPr>
+                    <a:solidFill>
+                      <a:schemeClr val="tx1">
+                        <a:lumMod val="50000"/>
+                        <a:lumOff val="50000"/>
+                      </a:schemeClr>
+                    </a:solidFill>
+                  </a:tcPr>
+                </a:tc>
+                <a:extLst>
+                  <a:ext uri="{0D108BD9-81ED-4DB2-BD59-A6C34878D82A}">
+                    <a16:rowId xmlns:a16="http://schemas.microsoft.com/office/drawing/2014/main" val="2211920915"/>
+                  </a:ext>
+                </a:extLst>
+              </a:tr>
+              <a:tr h="370840">
+                <a:tc>
+                  <a:txBody>
+                    <a:bodyPr/>
+                    <a:lstStyle/>
+                    <a:p>
+                      <a:pPr algn="ctr"/>
+                      <a:r>
+                        <a:rPr lang="ru-RU" sz="1400" b="0" i="0" kern="1200" dirty="0" smtClean="0">
+                          <a:solidFill>
+                            <a:schemeClr val="dk1"/>
+                          </a:solidFill>
+                          <a:effectLst/>
+                          <a:latin typeface="Garamond" panose="02020404030301010803" pitchFamily="18" charset="0"/>
+                          <a:ea typeface="+mn-ea"/>
+                          <a:cs typeface="+mn-cs"/>
+                        </a:rPr>
+                        <a:t>Супесь</a:t>
+                      </a:r>
+                      <a:endParaRPr lang="ru-RU" sz="1400" dirty="0">
+                        <a:latin typeface="Garamond" panose="02020404030301010803" pitchFamily="18" charset="0"/>
+                      </a:endParaRPr>
+                    </a:p>
+                  </a:txBody>
+                  <a:tcPr anchor="ctr">
+                    <a:lnL w="12700" cap="flat" cmpd="sng" algn="ctr">
+                      <a:solidFill>
+                        <a:schemeClr val="tx1"/>
+                      </a:solidFill>
+                      <a:prstDash val="solid"/>
+                      <a:round/>
+                      <a:headEnd type="none" w="med" len="med"/>
+                      <a:tailEnd type="none" w="med" len="med"/>
+                    </a:lnL>
+                    <a:lnR w="12700" cap="flat" cmpd="sng" algn="ctr">
+                      <a:solidFill>
+                        <a:schemeClr val="tx1"/>
+                      </a:solidFill>
+                      <a:prstDash val="solid"/>
+                      <a:round/>
+                      <a:headEnd type="none" w="med" len="med"/>
+                      <a:tailEnd type="none" w="med" len="med"/>
+                    </a:lnR>
+                    <a:lnT w="12700" cap="flat" cmpd="sng" algn="ctr">
+                      <a:solidFill>
+                        <a:schemeClr val="tx1"/>
+                      </a:solidFill>
+                      <a:prstDash val="solid"/>
+                      <a:round/>
+                      <a:headEnd type="none" w="med" len="med"/>
+                      <a:tailEnd type="none" w="med" len="med"/>
+                    </a:lnT>
+                    <a:lnB w="12700" cap="flat" cmpd="sng" algn="ctr">
+                      <a:solidFill>
+                        <a:schemeClr val="tx1"/>
+                      </a:solidFill>
+                      <a:prstDash val="solid"/>
+                      <a:round/>
+                      <a:headEnd type="none" w="med" len="med"/>
+                      <a:tailEnd type="none" w="med" len="med"/>
+                    </a:lnB>
+                    <a:solidFill>
+                      <a:schemeClr val="bg1">
+                        <a:lumMod val="85000"/>
+                      </a:schemeClr>
+                    </a:solidFill>
+                  </a:tcPr>
+                </a:tc>
+                <a:tc>
+                  <a:txBody>
+                    <a:bodyPr/>
+                    <a:lstStyle/>
+                    <a:p>
+                      <a:pPr algn="ctr"/>
+                      <a:r>
+                        <a:rPr lang="ru-RU" sz="1400" dirty="0" smtClean="0">
+                          <a:latin typeface="Garamond" panose="02020404030301010803" pitchFamily="18" charset="0"/>
+                        </a:rPr>
+                        <a:t>При скатывании почва распадается на мелкие</a:t>
+                      </a:r>
+                      <a:r>
+                        <a:rPr lang="ru-RU" sz="1400" baseline="0" dirty="0" smtClean="0">
+                          <a:latin typeface="Garamond" panose="02020404030301010803" pitchFamily="18" charset="0"/>
+                        </a:rPr>
+                        <a:t> кусочки и не дает шнура</a:t>
+                      </a:r>
+                      <a:endParaRPr lang="ru-RU" sz="1400" dirty="0">
+                        <a:latin typeface="Garamond" panose="02020404030301010803" pitchFamily="18" charset="0"/>
+                      </a:endParaRPr>
+                    </a:p>
+                  </a:txBody>
+                  <a:tcPr>
+                    <a:lnL w="12700" cap="flat" cmpd="sng" algn="ctr">
+                      <a:solidFill>
+                        <a:schemeClr val="tx1"/>
+                      </a:solidFill>
+                      <a:prstDash val="solid"/>
+                      <a:round/>
+                      <a:headEnd type="none" w="med" len="med"/>
+                      <a:tailEnd type="none" w="med" len="med"/>
+                    </a:lnL>
+                    <a:lnR w="12700" cap="flat" cmpd="sng" algn="ctr">
+                      <a:solidFill>
+                        <a:schemeClr val="tx1"/>
+                      </a:solidFill>
+                      <a:prstDash val="solid"/>
+                      <a:round/>
+                      <a:headEnd type="none" w="med" len="med"/>
+                      <a:tailEnd type="none" w="med" len="med"/>
+                    </a:lnR>
+                    <a:lnT w="12700" cap="flat" cmpd="sng" algn="ctr">
+                      <a:solidFill>
+                        <a:schemeClr val="tx1"/>
+                      </a:solidFill>
+                      <a:prstDash val="solid"/>
+                      <a:round/>
+                      <a:headEnd type="none" w="med" len="med"/>
+                      <a:tailEnd type="none" w="med" len="med"/>
+                    </a:lnT>
+                    <a:lnB w="12700" cap="flat" cmpd="sng" algn="ctr">
+                      <a:solidFill>
+                        <a:schemeClr val="tx1"/>
+                      </a:solidFill>
+                      <a:prstDash val="solid"/>
+                      <a:round/>
+                      <a:headEnd type="none" w="med" len="med"/>
+                      <a:tailEnd type="none" w="med" len="med"/>
+                    </a:lnB>
+                    <a:solidFill>
+                      <a:schemeClr val="bg1">
+                        <a:lumMod val="85000"/>
+                      </a:schemeClr>
+                    </a:solidFill>
+                  </a:tcPr>
+                </a:tc>
+                <a:extLst>
+                  <a:ext uri="{0D108BD9-81ED-4DB2-BD59-A6C34878D82A}">
+                    <a16:rowId xmlns:a16="http://schemas.microsoft.com/office/drawing/2014/main" val="863650453"/>
+                  </a:ext>
+                </a:extLst>
+              </a:tr>
+              <a:tr h="169487">
+                <a:tc gridSpan="2">
+                  <a:txBody>
+                    <a:bodyPr/>
+                    <a:lstStyle/>
+                    <a:p>
+                      <a:pPr algn="ctr"/>
+                      <a:endParaRPr lang="ru-RU" sz="100" dirty="0">
+                        <a:latin typeface="Garamond" panose="02020404030301010803" pitchFamily="18" charset="0"/>
+                      </a:endParaRPr>
+                    </a:p>
+                  </a:txBody>
+                  <a:tcPr>
+                    <a:lnL w="12700" cap="flat" cmpd="sng" algn="ctr">
+                      <a:solidFill>
+                        <a:schemeClr val="tx1"/>
+                      </a:solidFill>
+                      <a:prstDash val="solid"/>
+                      <a:round/>
+                      <a:headEnd type="none" w="med" len="med"/>
+                      <a:tailEnd type="none" w="med" len="med"/>
+                    </a:lnL>
+                    <a:lnR w="12700" cap="flat" cmpd="sng" algn="ctr">
+                      <a:solidFill>
+                        <a:schemeClr val="tx1"/>
+                      </a:solidFill>
+                      <a:prstDash val="solid"/>
+                      <a:round/>
+                      <a:headEnd type="none" w="med" len="med"/>
+                      <a:tailEnd type="none" w="med" len="med"/>
+                    </a:lnR>
+                    <a:lnT w="12700" cap="flat" cmpd="sng" algn="ctr">
+                      <a:solidFill>
+                        <a:schemeClr val="tx1"/>
+                      </a:solidFill>
+                      <a:prstDash val="solid"/>
+                      <a:round/>
+                      <a:headEnd type="none" w="med" len="med"/>
+                      <a:tailEnd type="none" w="med" len="med"/>
+                    </a:lnT>
+                    <a:lnB w="12700" cap="flat" cmpd="sng" algn="ctr">
+                      <a:solidFill>
+                        <a:schemeClr val="tx1"/>
+                      </a:solidFill>
+                      <a:prstDash val="solid"/>
+                      <a:round/>
+                      <a:headEnd type="none" w="med" len="med"/>
+                      <a:tailEnd type="none" w="med" len="med"/>
+                    </a:lnB>
+                    <a:solidFill>
+                      <a:schemeClr val="tx1">
+                        <a:lumMod val="50000"/>
+                        <a:lumOff val="50000"/>
+                      </a:schemeClr>
+                    </a:solidFill>
+                  </a:tcPr>
+                </a:tc>
+                <a:tc hMerge="1">
+                  <a:txBody>
+                    <a:bodyPr/>
+                    <a:lstStyle/>
+                    <a:p>
+                      <a:endParaRPr lang="ru-RU" sz="100" dirty="0"/>
+                    </a:p>
+                  </a:txBody>
+                  <a:tcPr>
+                    <a:solidFill>
+                      <a:schemeClr val="tx1">
+                        <a:lumMod val="50000"/>
+                        <a:lumOff val="50000"/>
+                      </a:schemeClr>
+                    </a:solidFill>
+                  </a:tcPr>
+                </a:tc>
+                <a:extLst>
+                  <a:ext uri="{0D108BD9-81ED-4DB2-BD59-A6C34878D82A}">
+                    <a16:rowId xmlns:a16="http://schemas.microsoft.com/office/drawing/2014/main" val="4128869210"/>
+                  </a:ext>
+                </a:extLst>
+              </a:tr>
+              <a:tr h="370840">
+                <a:tc>
+                  <a:txBody>
+                    <a:bodyPr/>
+                    <a:lstStyle/>
+                    <a:p>
+                      <a:pPr algn="ctr"/>
+                      <a:r>
+                        <a:rPr lang="ru-RU" sz="1400" dirty="0">
+                          <a:effectLst/>
+                          <a:latin typeface="Garamond" panose="02020404030301010803" pitchFamily="18" charset="0"/>
+                        </a:rPr>
+                        <a:t>Легкий суглинок</a:t>
+                      </a:r>
+                    </a:p>
+                  </a:txBody>
+                  <a:tcPr marL="95250" marR="95250" marT="95250" marB="95250" anchor="ctr">
+                    <a:lnL w="12700" cap="flat" cmpd="sng" algn="ctr">
+                      <a:solidFill>
+                        <a:schemeClr val="tx1"/>
+                      </a:solidFill>
+                      <a:prstDash val="solid"/>
+                      <a:round/>
+                      <a:headEnd type="none" w="med" len="med"/>
+                      <a:tailEnd type="none" w="med" len="med"/>
+                    </a:lnL>
+                    <a:lnR w="12700" cap="flat" cmpd="sng" algn="ctr">
+                      <a:solidFill>
+                        <a:schemeClr val="tx1"/>
+                      </a:solidFill>
+                      <a:prstDash val="solid"/>
+                      <a:round/>
+                      <a:headEnd type="none" w="med" len="med"/>
+                      <a:tailEnd type="none" w="med" len="med"/>
+                    </a:lnR>
+                    <a:lnT w="12700" cap="flat" cmpd="sng" algn="ctr">
+                      <a:solidFill>
+                        <a:schemeClr val="tx1"/>
+                      </a:solidFill>
+                      <a:prstDash val="solid"/>
+                      <a:round/>
+                      <a:headEnd type="none" w="med" len="med"/>
+                      <a:tailEnd type="none" w="med" len="med"/>
+                    </a:lnT>
+                    <a:lnB w="12700" cap="flat" cmpd="sng" algn="ctr">
+                      <a:solidFill>
+                        <a:schemeClr val="tx1"/>
+                      </a:solidFill>
+                      <a:prstDash val="solid"/>
+                      <a:round/>
+                      <a:headEnd type="none" w="med" len="med"/>
+                      <a:tailEnd type="none" w="med" len="med"/>
+                    </a:lnB>
+                    <a:solidFill>
+                      <a:schemeClr val="bg1">
+                        <a:lumMod val="85000"/>
+                      </a:schemeClr>
+                    </a:solidFill>
+                  </a:tcPr>
+                </a:tc>
+                <a:tc>
+                  <a:txBody>
+                    <a:bodyPr/>
+                    <a:lstStyle/>
+                    <a:p>
+                      <a:pPr algn="ctr"/>
+                      <a:r>
+                        <a:rPr lang="ru-RU" sz="1400" dirty="0" smtClean="0">
+                          <a:effectLst/>
+                          <a:latin typeface="Garamond" panose="02020404030301010803" pitchFamily="18" charset="0"/>
+                        </a:rPr>
+                        <a:t>При скатывании формируется легко распадающиеся мелкий шнур</a:t>
+                      </a:r>
+                      <a:endParaRPr lang="ru-RU" sz="1400" dirty="0">
+                        <a:effectLst/>
+                        <a:latin typeface="Garamond" panose="02020404030301010803" pitchFamily="18" charset="0"/>
+                      </a:endParaRPr>
+                    </a:p>
+                  </a:txBody>
+                  <a:tcPr marL="95250" marR="95250" marT="95250" marB="95250" anchor="ctr">
+                    <a:lnL w="12700" cap="flat" cmpd="sng" algn="ctr">
+                      <a:solidFill>
+                        <a:schemeClr val="tx1"/>
+                      </a:solidFill>
+                      <a:prstDash val="solid"/>
+                      <a:round/>
+                      <a:headEnd type="none" w="med" len="med"/>
+                      <a:tailEnd type="none" w="med" len="med"/>
+                    </a:lnL>
+                    <a:lnR w="12700" cap="flat" cmpd="sng" algn="ctr">
+                      <a:solidFill>
+                        <a:schemeClr val="tx1"/>
+                      </a:solidFill>
+                      <a:prstDash val="solid"/>
+                      <a:round/>
+                      <a:headEnd type="none" w="med" len="med"/>
+                      <a:tailEnd type="none" w="med" len="med"/>
+                    </a:lnR>
+                    <a:lnT w="12700" cap="flat" cmpd="sng" algn="ctr">
+                      <a:solidFill>
+                        <a:schemeClr val="tx1"/>
+                      </a:solidFill>
+                      <a:prstDash val="solid"/>
+                      <a:round/>
+                      <a:headEnd type="none" w="med" len="med"/>
+                      <a:tailEnd type="none" w="med" len="med"/>
+                    </a:lnT>
+                    <a:lnB w="12700" cap="flat" cmpd="sng" algn="ctr">
+                      <a:solidFill>
+                        <a:schemeClr val="tx1"/>
+                      </a:solidFill>
+                      <a:prstDash val="solid"/>
+                      <a:round/>
+                      <a:headEnd type="none" w="med" len="med"/>
+                      <a:tailEnd type="none" w="med" len="med"/>
+                    </a:lnB>
+                    <a:solidFill>
+                      <a:schemeClr val="bg1">
+                        <a:lumMod val="85000"/>
+                      </a:schemeClr>
+                    </a:solidFill>
+                  </a:tcPr>
+                </a:tc>
+                <a:extLst>
+                  <a:ext uri="{0D108BD9-81ED-4DB2-BD59-A6C34878D82A}">
+                    <a16:rowId xmlns:a16="http://schemas.microsoft.com/office/drawing/2014/main" val="929290662"/>
+                  </a:ext>
+                </a:extLst>
+              </a:tr>
+              <a:tr h="169487">
+                <a:tc gridSpan="2">
+                  <a:txBody>
+                    <a:bodyPr/>
+                    <a:lstStyle/>
+                    <a:p>
+                      <a:pPr algn="ctr"/>
+                      <a:endParaRPr lang="ru-RU" sz="100" dirty="0">
+                        <a:latin typeface="Garamond" panose="02020404030301010803" pitchFamily="18" charset="0"/>
+                      </a:endParaRPr>
+                    </a:p>
+                  </a:txBody>
+                  <a:tcPr>
+                    <a:lnL w="12700" cap="flat" cmpd="sng" algn="ctr">
+                      <a:solidFill>
+                        <a:schemeClr val="tx1"/>
+                      </a:solidFill>
+                      <a:prstDash val="solid"/>
+                      <a:round/>
+                      <a:headEnd type="none" w="med" len="med"/>
+                      <a:tailEnd type="none" w="med" len="med"/>
+                    </a:lnL>
+                    <a:lnR w="12700" cap="flat" cmpd="sng" algn="ctr">
+                      <a:solidFill>
+                        <a:schemeClr val="tx1"/>
+                      </a:solidFill>
+                      <a:prstDash val="solid"/>
+                      <a:round/>
+                      <a:headEnd type="none" w="med" len="med"/>
+                      <a:tailEnd type="none" w="med" len="med"/>
+                    </a:lnR>
+                    <a:lnT w="12700" cap="flat" cmpd="sng" algn="ctr">
+                      <a:solidFill>
+                        <a:schemeClr val="tx1"/>
+                      </a:solidFill>
+                      <a:prstDash val="solid"/>
+                      <a:round/>
+                      <a:headEnd type="none" w="med" len="med"/>
+                      <a:tailEnd type="none" w="med" len="med"/>
+                    </a:lnT>
+                    <a:lnB w="12700" cap="flat" cmpd="sng" algn="ctr">
+                      <a:solidFill>
+                        <a:schemeClr val="tx1"/>
+                      </a:solidFill>
+                      <a:prstDash val="solid"/>
+                      <a:round/>
+                      <a:headEnd type="none" w="med" len="med"/>
+                      <a:tailEnd type="none" w="med" len="med"/>
+                    </a:lnB>
+                    <a:solidFill>
+                      <a:schemeClr val="tx1">
+                        <a:lumMod val="50000"/>
+                        <a:lumOff val="50000"/>
+                      </a:schemeClr>
+                    </a:solidFill>
+                  </a:tcPr>
+                </a:tc>
+                <a:tc hMerge="1">
+                  <a:txBody>
+                    <a:bodyPr/>
+                    <a:lstStyle/>
+                    <a:p>
+                      <a:endParaRPr lang="ru-RU" sz="100" dirty="0"/>
+                    </a:p>
+                  </a:txBody>
+                  <a:tcPr>
+                    <a:solidFill>
+                      <a:schemeClr val="tx1">
+                        <a:lumMod val="50000"/>
+                        <a:lumOff val="50000"/>
+                      </a:schemeClr>
+                    </a:solidFill>
+                  </a:tcPr>
+                </a:tc>
+                <a:extLst>
+                  <a:ext uri="{0D108BD9-81ED-4DB2-BD59-A6C34878D82A}">
+                    <a16:rowId xmlns:a16="http://schemas.microsoft.com/office/drawing/2014/main" val="1656755088"/>
+                  </a:ext>
+                </a:extLst>
+              </a:tr>
+              <a:tr h="432262">
+                <a:tc>
+                  <a:txBody>
+                    <a:bodyPr/>
+                    <a:lstStyle/>
+                    <a:p>
+                      <a:pPr algn="ctr"/>
+                      <a:r>
+                        <a:rPr lang="ru-RU" sz="1400" dirty="0">
+                          <a:effectLst/>
+                          <a:latin typeface="Garamond" panose="02020404030301010803" pitchFamily="18" charset="0"/>
+                        </a:rPr>
+                        <a:t>Средний суглинок</a:t>
+                      </a:r>
+                    </a:p>
+                  </a:txBody>
+                  <a:tcPr marL="95250" marR="95250" marT="95250" marB="95250" anchor="ctr">
+                    <a:lnL w="12700" cap="flat" cmpd="sng" algn="ctr">
+                      <a:solidFill>
+                        <a:schemeClr val="tx1"/>
+                      </a:solidFill>
+                      <a:prstDash val="solid"/>
+                      <a:round/>
+                      <a:headEnd type="none" w="med" len="med"/>
+                      <a:tailEnd type="none" w="med" len="med"/>
+                    </a:lnL>
+                    <a:lnR w="12700" cap="flat" cmpd="sng" algn="ctr">
+                      <a:solidFill>
+                        <a:schemeClr val="tx1"/>
+                      </a:solidFill>
+                      <a:prstDash val="solid"/>
+                      <a:round/>
+                      <a:headEnd type="none" w="med" len="med"/>
+                      <a:tailEnd type="none" w="med" len="med"/>
+                    </a:lnR>
+                    <a:lnT w="12700" cap="flat" cmpd="sng" algn="ctr">
+                      <a:solidFill>
+                        <a:schemeClr val="tx1"/>
+                      </a:solidFill>
+                      <a:prstDash val="solid"/>
+                      <a:round/>
+                      <a:headEnd type="none" w="med" len="med"/>
+                      <a:tailEnd type="none" w="med" len="med"/>
+                    </a:lnT>
+                    <a:lnB w="12700" cap="flat" cmpd="sng" algn="ctr">
+                      <a:solidFill>
+                        <a:schemeClr val="tx1"/>
+                      </a:solidFill>
+                      <a:prstDash val="solid"/>
+                      <a:round/>
+                      <a:headEnd type="none" w="med" len="med"/>
+                      <a:tailEnd type="none" w="med" len="med"/>
+                    </a:lnB>
+                    <a:solidFill>
+                      <a:schemeClr val="bg1">
+                        <a:lumMod val="85000"/>
+                      </a:schemeClr>
+                    </a:solidFill>
+                  </a:tcPr>
+                </a:tc>
+                <a:tc>
+                  <a:txBody>
+                    <a:bodyPr/>
+                    <a:lstStyle/>
+                    <a:p>
+                      <a:pPr algn="ctr"/>
+                      <a:r>
+                        <a:rPr lang="ru-RU" sz="1400" dirty="0" smtClean="0">
+                          <a:effectLst/>
+                          <a:latin typeface="Garamond" panose="02020404030301010803" pitchFamily="18" charset="0"/>
+                        </a:rPr>
+                        <a:t>При скатывании формируется</a:t>
+                      </a:r>
+                      <a:r>
+                        <a:rPr lang="ru-RU" sz="1400" baseline="0" dirty="0" smtClean="0">
+                          <a:effectLst/>
+                          <a:latin typeface="Garamond" panose="02020404030301010803" pitchFamily="18" charset="0"/>
+                        </a:rPr>
+                        <a:t> сплошной шнур , который при свертывании в кольцо легко распадается на дольки</a:t>
+                      </a:r>
+                      <a:endParaRPr lang="ru-RU" sz="1400" dirty="0">
+                        <a:effectLst/>
+                        <a:latin typeface="Garamond" panose="02020404030301010803" pitchFamily="18" charset="0"/>
+                      </a:endParaRPr>
+                    </a:p>
+                  </a:txBody>
+                  <a:tcPr marL="95250" marR="95250" marT="95250" marB="95250" anchor="ctr">
+                    <a:lnL w="12700" cap="flat" cmpd="sng" algn="ctr">
+                      <a:solidFill>
+                        <a:schemeClr val="tx1"/>
+                      </a:solidFill>
+                      <a:prstDash val="solid"/>
+                      <a:round/>
+                      <a:headEnd type="none" w="med" len="med"/>
+                      <a:tailEnd type="none" w="med" len="med"/>
+                    </a:lnL>
+                    <a:lnR w="12700" cap="flat" cmpd="sng" algn="ctr">
+                      <a:solidFill>
+                        <a:schemeClr val="tx1"/>
+                      </a:solidFill>
+                      <a:prstDash val="solid"/>
+                      <a:round/>
+                      <a:headEnd type="none" w="med" len="med"/>
+                      <a:tailEnd type="none" w="med" len="med"/>
+                    </a:lnR>
+                    <a:lnT w="12700" cap="flat" cmpd="sng" algn="ctr">
+                      <a:solidFill>
+                        <a:schemeClr val="tx1"/>
+                      </a:solidFill>
+                      <a:prstDash val="solid"/>
+                      <a:round/>
+                      <a:headEnd type="none" w="med" len="med"/>
+                      <a:tailEnd type="none" w="med" len="med"/>
+                    </a:lnT>
+                    <a:lnB w="12700" cap="flat" cmpd="sng" algn="ctr">
+                      <a:solidFill>
+                        <a:schemeClr val="tx1"/>
+                      </a:solidFill>
+                      <a:prstDash val="solid"/>
+                      <a:round/>
+                      <a:headEnd type="none" w="med" len="med"/>
+                      <a:tailEnd type="none" w="med" len="med"/>
+                    </a:lnB>
+                    <a:solidFill>
+                      <a:schemeClr val="bg1">
+                        <a:lumMod val="85000"/>
+                      </a:schemeClr>
+                    </a:solidFill>
+                  </a:tcPr>
+                </a:tc>
+                <a:extLst>
+                  <a:ext uri="{0D108BD9-81ED-4DB2-BD59-A6C34878D82A}">
+                    <a16:rowId xmlns:a16="http://schemas.microsoft.com/office/drawing/2014/main" val="69730209"/>
+                  </a:ext>
+                </a:extLst>
+              </a:tr>
+              <a:tr h="161175">
+                <a:tc gridSpan="2">
+                  <a:txBody>
+                    <a:bodyPr/>
+                    <a:lstStyle/>
+                    <a:p>
+                      <a:pPr algn="ctr"/>
+                      <a:endParaRPr lang="ru-RU" sz="100" dirty="0">
+                        <a:latin typeface="Garamond" panose="02020404030301010803" pitchFamily="18" charset="0"/>
+                      </a:endParaRPr>
+                    </a:p>
+                  </a:txBody>
+                  <a:tcPr>
+                    <a:lnL w="12700" cap="flat" cmpd="sng" algn="ctr">
+                      <a:solidFill>
+                        <a:schemeClr val="tx1"/>
+                      </a:solidFill>
+                      <a:prstDash val="solid"/>
+                      <a:round/>
+                      <a:headEnd type="none" w="med" len="med"/>
+                      <a:tailEnd type="none" w="med" len="med"/>
+                    </a:lnL>
+                    <a:lnR w="12700" cap="flat" cmpd="sng" algn="ctr">
+                      <a:solidFill>
+                        <a:schemeClr val="tx1"/>
+                      </a:solidFill>
+                      <a:prstDash val="solid"/>
+                      <a:round/>
+                      <a:headEnd type="none" w="med" len="med"/>
+                      <a:tailEnd type="none" w="med" len="med"/>
+                    </a:lnR>
+                    <a:lnT w="12700" cap="flat" cmpd="sng" algn="ctr">
+                      <a:solidFill>
+                        <a:schemeClr val="tx1"/>
+                      </a:solidFill>
+                      <a:prstDash val="solid"/>
+                      <a:round/>
+                      <a:headEnd type="none" w="med" len="med"/>
+                      <a:tailEnd type="none" w="med" len="med"/>
+                    </a:lnT>
+                    <a:lnB w="12700" cap="flat" cmpd="sng" algn="ctr">
+                      <a:solidFill>
+                        <a:schemeClr val="tx1"/>
+                      </a:solidFill>
+                      <a:prstDash val="solid"/>
+                      <a:round/>
+                      <a:headEnd type="none" w="med" len="med"/>
+                      <a:tailEnd type="none" w="med" len="med"/>
+                    </a:lnB>
+                    <a:solidFill>
+                      <a:schemeClr val="tx1">
+                        <a:lumMod val="50000"/>
+                        <a:lumOff val="50000"/>
+                      </a:schemeClr>
+                    </a:solidFill>
+                  </a:tcPr>
+                </a:tc>
+                <a:tc hMerge="1">
+                  <a:txBody>
+                    <a:bodyPr/>
+                    <a:lstStyle/>
+                    <a:p>
+                      <a:endParaRPr lang="ru-RU" sz="100" dirty="0"/>
+                    </a:p>
+                  </a:txBody>
+                  <a:tcPr>
+                    <a:solidFill>
+                      <a:schemeClr val="tx1">
+                        <a:lumMod val="50000"/>
+                        <a:lumOff val="50000"/>
+                      </a:schemeClr>
+                    </a:solidFill>
+                  </a:tcPr>
+                </a:tc>
+                <a:extLst>
+                  <a:ext uri="{0D108BD9-81ED-4DB2-BD59-A6C34878D82A}">
+                    <a16:rowId xmlns:a16="http://schemas.microsoft.com/office/drawing/2014/main" val="4061124259"/>
+                  </a:ext>
+                </a:extLst>
+              </a:tr>
+              <a:tr h="882150">
+                <a:tc>
+                  <a:txBody>
+                    <a:bodyPr/>
+                    <a:lstStyle/>
+                    <a:p>
+                      <a:pPr algn="ctr"/>
+                      <a:r>
+                        <a:rPr lang="ru-RU" sz="1400" dirty="0">
+                          <a:effectLst/>
+                          <a:latin typeface="Garamond" panose="02020404030301010803" pitchFamily="18" charset="0"/>
+                        </a:rPr>
+                        <a:t>Тяжелый суглинок</a:t>
+                      </a:r>
+                    </a:p>
+                  </a:txBody>
+                  <a:tcPr marL="95250" marR="95250" marT="95250" marB="95250" anchor="ctr">
+                    <a:lnL w="12700" cap="flat" cmpd="sng" algn="ctr">
+                      <a:solidFill>
+                        <a:schemeClr val="tx1"/>
+                      </a:solidFill>
+                      <a:prstDash val="solid"/>
+                      <a:round/>
+                      <a:headEnd type="none" w="med" len="med"/>
+                      <a:tailEnd type="none" w="med" len="med"/>
+                    </a:lnL>
+                    <a:lnR w="12700" cap="flat" cmpd="sng" algn="ctr">
+                      <a:solidFill>
+                        <a:schemeClr val="tx1"/>
+                      </a:solidFill>
+                      <a:prstDash val="solid"/>
+                      <a:round/>
+                      <a:headEnd type="none" w="med" len="med"/>
+                      <a:tailEnd type="none" w="med" len="med"/>
+                    </a:lnR>
+                    <a:lnT w="12700" cap="flat" cmpd="sng" algn="ctr">
+                      <a:solidFill>
+                        <a:schemeClr val="tx1"/>
+                      </a:solidFill>
+                      <a:prstDash val="solid"/>
+                      <a:round/>
+                      <a:headEnd type="none" w="med" len="med"/>
+                      <a:tailEnd type="none" w="med" len="med"/>
+                    </a:lnT>
+                    <a:lnB w="12700" cap="flat" cmpd="sng" algn="ctr">
+                      <a:solidFill>
+                        <a:schemeClr val="tx1"/>
+                      </a:solidFill>
+                      <a:prstDash val="solid"/>
+                      <a:round/>
+                      <a:headEnd type="none" w="med" len="med"/>
+                      <a:tailEnd type="none" w="med" len="med"/>
+                    </a:lnB>
+                    <a:solidFill>
+                      <a:schemeClr val="bg1">
+                        <a:lumMod val="85000"/>
+                      </a:schemeClr>
+                    </a:solidFill>
+                  </a:tcPr>
+                </a:tc>
+                <a:tc>
+                  <a:txBody>
+                    <a:bodyPr/>
+                    <a:lstStyle/>
+                    <a:p>
+                      <a:pPr algn="ctr"/>
+                      <a:r>
+                        <a:rPr lang="ru-RU" sz="1400" dirty="0" smtClean="0">
+                          <a:effectLst/>
+                          <a:latin typeface="Garamond" panose="02020404030301010803" pitchFamily="18" charset="0"/>
+                        </a:rPr>
+                        <a:t>При раскатывании легко образуется шнур,</a:t>
+                      </a:r>
+                      <a:r>
+                        <a:rPr lang="ru-RU" sz="1400" baseline="0" dirty="0" smtClean="0">
+                          <a:effectLst/>
+                          <a:latin typeface="Garamond" panose="02020404030301010803" pitchFamily="18" charset="0"/>
+                        </a:rPr>
+                        <a:t> который свертывается в кольцо с мелкими трещинками</a:t>
+                      </a:r>
+                      <a:endParaRPr lang="ru-RU" sz="1400" dirty="0">
+                        <a:effectLst/>
+                        <a:latin typeface="Garamond" panose="02020404030301010803" pitchFamily="18" charset="0"/>
+                      </a:endParaRPr>
+                    </a:p>
+                  </a:txBody>
+                  <a:tcPr marL="95250" marR="95250" marT="95250" marB="95250" anchor="ctr">
+                    <a:lnL w="12700" cap="flat" cmpd="sng" algn="ctr">
+                      <a:solidFill>
+                        <a:schemeClr val="tx1"/>
+                      </a:solidFill>
+                      <a:prstDash val="solid"/>
+                      <a:round/>
+                      <a:headEnd type="none" w="med" len="med"/>
+                      <a:tailEnd type="none" w="med" len="med"/>
+                    </a:lnL>
+                    <a:lnR w="12700" cap="flat" cmpd="sng" algn="ctr">
+                      <a:solidFill>
+                        <a:schemeClr val="tx1"/>
+                      </a:solidFill>
+                      <a:prstDash val="solid"/>
+                      <a:round/>
+                      <a:headEnd type="none" w="med" len="med"/>
+                      <a:tailEnd type="none" w="med" len="med"/>
+                    </a:lnR>
+                    <a:lnT w="12700" cap="flat" cmpd="sng" algn="ctr">
+                      <a:solidFill>
+                        <a:schemeClr val="tx1"/>
+                      </a:solidFill>
+                      <a:prstDash val="solid"/>
+                      <a:round/>
+                      <a:headEnd type="none" w="med" len="med"/>
+                      <a:tailEnd type="none" w="med" len="med"/>
+                    </a:lnT>
+                    <a:lnB w="12700" cap="flat" cmpd="sng" algn="ctr">
+                      <a:solidFill>
+                        <a:schemeClr val="tx1"/>
+                      </a:solidFill>
+                      <a:prstDash val="solid"/>
+                      <a:round/>
+                      <a:headEnd type="none" w="med" len="med"/>
+                      <a:tailEnd type="none" w="med" len="med"/>
+                    </a:lnB>
+                    <a:solidFill>
+                      <a:schemeClr val="bg1">
+                        <a:lumMod val="85000"/>
+                      </a:schemeClr>
+                    </a:solidFill>
+                  </a:tcPr>
+                </a:tc>
+                <a:extLst>
+                  <a:ext uri="{0D108BD9-81ED-4DB2-BD59-A6C34878D82A}">
+                    <a16:rowId xmlns:a16="http://schemas.microsoft.com/office/drawing/2014/main" val="892740071"/>
+                  </a:ext>
+                </a:extLst>
+              </a:tr>
+              <a:tr h="144549">
+                <a:tc gridSpan="2">
+                  <a:txBody>
+                    <a:bodyPr/>
+                    <a:lstStyle/>
+                    <a:p>
+                      <a:pPr algn="ctr"/>
+                      <a:endParaRPr lang="ru-RU" sz="100" dirty="0">
+                        <a:latin typeface="Garamond" panose="02020404030301010803" pitchFamily="18" charset="0"/>
+                      </a:endParaRPr>
+                    </a:p>
+                  </a:txBody>
+                  <a:tcPr>
+                    <a:lnL w="12700" cap="flat" cmpd="sng" algn="ctr">
+                      <a:solidFill>
+                        <a:schemeClr val="tx1"/>
+                      </a:solidFill>
+                      <a:prstDash val="solid"/>
+                      <a:round/>
+                      <a:headEnd type="none" w="med" len="med"/>
+                      <a:tailEnd type="none" w="med" len="med"/>
+                    </a:lnL>
+                    <a:lnR w="12700" cap="flat" cmpd="sng" algn="ctr">
+                      <a:solidFill>
+                        <a:schemeClr val="tx1"/>
+                      </a:solidFill>
+                      <a:prstDash val="solid"/>
+                      <a:round/>
+                      <a:headEnd type="none" w="med" len="med"/>
+                      <a:tailEnd type="none" w="med" len="med"/>
+                    </a:lnR>
+                    <a:lnT w="12700" cap="flat" cmpd="sng" algn="ctr">
+                      <a:solidFill>
+                        <a:schemeClr val="tx1"/>
+                      </a:solidFill>
+                      <a:prstDash val="solid"/>
+                      <a:round/>
+                      <a:headEnd type="none" w="med" len="med"/>
+                      <a:tailEnd type="none" w="med" len="med"/>
+                    </a:lnT>
+                    <a:lnB w="12700" cap="flat" cmpd="sng" algn="ctr">
+                      <a:solidFill>
+                        <a:schemeClr val="tx1"/>
+                      </a:solidFill>
+                      <a:prstDash val="solid"/>
+                      <a:round/>
+                      <a:headEnd type="none" w="med" len="med"/>
+                      <a:tailEnd type="none" w="med" len="med"/>
+                    </a:lnB>
+                    <a:solidFill>
+                      <a:schemeClr val="tx1">
+                        <a:lumMod val="50000"/>
+                        <a:lumOff val="50000"/>
+                      </a:schemeClr>
+                    </a:solidFill>
+                  </a:tcPr>
+                </a:tc>
+                <a:tc hMerge="1">
+                  <a:txBody>
+                    <a:bodyPr/>
+                    <a:lstStyle/>
+                    <a:p>
+                      <a:endParaRPr lang="ru-RU" sz="100" dirty="0"/>
+                    </a:p>
+                  </a:txBody>
+                  <a:tcPr>
+                    <a:solidFill>
+                      <a:schemeClr val="tx1">
+                        <a:lumMod val="50000"/>
+                        <a:lumOff val="50000"/>
+                      </a:schemeClr>
+                    </a:solidFill>
+                  </a:tcPr>
+                </a:tc>
+                <a:extLst>
+                  <a:ext uri="{0D108BD9-81ED-4DB2-BD59-A6C34878D82A}">
+                    <a16:rowId xmlns:a16="http://schemas.microsoft.com/office/drawing/2014/main" val="3180678447"/>
+                  </a:ext>
+                </a:extLst>
+              </a:tr>
+              <a:tr h="370840">
+                <a:tc>
+                  <a:txBody>
+                    <a:bodyPr/>
+                    <a:lstStyle/>
+                    <a:p>
+                      <a:pPr algn="ctr"/>
+                      <a:r>
+                        <a:rPr lang="ru-RU" sz="1400" b="0" i="0" kern="1200" dirty="0" smtClean="0">
+                          <a:solidFill>
+                            <a:schemeClr val="dk1"/>
+                          </a:solidFill>
+                          <a:effectLst/>
+                          <a:latin typeface="Garamond" panose="02020404030301010803" pitchFamily="18" charset="0"/>
+                          <a:ea typeface="+mn-ea"/>
+                          <a:cs typeface="+mn-cs"/>
+                        </a:rPr>
+                        <a:t>Глина</a:t>
+                      </a:r>
+                      <a:endParaRPr lang="ru-RU" sz="1400" dirty="0">
+                        <a:latin typeface="Garamond" panose="02020404030301010803" pitchFamily="18" charset="0"/>
+                      </a:endParaRPr>
+                    </a:p>
+                  </a:txBody>
+                  <a:tcPr>
+                    <a:lnL w="12700" cap="flat" cmpd="sng" algn="ctr">
+                      <a:solidFill>
+                        <a:schemeClr val="tx1"/>
+                      </a:solidFill>
+                      <a:prstDash val="solid"/>
+                      <a:round/>
+                      <a:headEnd type="none" w="med" len="med"/>
+                      <a:tailEnd type="none" w="med" len="med"/>
+                    </a:lnL>
+                    <a:lnR w="12700" cap="flat" cmpd="sng" algn="ctr">
+                      <a:solidFill>
+                        <a:schemeClr val="tx1"/>
+                      </a:solidFill>
+                      <a:prstDash val="solid"/>
+                      <a:round/>
+                      <a:headEnd type="none" w="med" len="med"/>
+                      <a:tailEnd type="none" w="med" len="med"/>
+                    </a:lnR>
+                    <a:lnT w="12700" cap="flat" cmpd="sng" algn="ctr">
+                      <a:solidFill>
+                        <a:schemeClr val="tx1"/>
+                      </a:solidFill>
+                      <a:prstDash val="solid"/>
+                      <a:round/>
+                      <a:headEnd type="none" w="med" len="med"/>
+                      <a:tailEnd type="none" w="med" len="med"/>
+                    </a:lnT>
+                    <a:lnB w="12700" cap="flat" cmpd="sng" algn="ctr">
+                      <a:solidFill>
+                        <a:schemeClr val="tx1"/>
+                      </a:solidFill>
+                      <a:prstDash val="solid"/>
+                      <a:round/>
+                      <a:headEnd type="none" w="med" len="med"/>
+                      <a:tailEnd type="none" w="med" len="med"/>
+                    </a:lnB>
+                    <a:solidFill>
+                      <a:schemeClr val="bg1">
+                        <a:lumMod val="85000"/>
+                      </a:schemeClr>
+                    </a:solidFill>
+                  </a:tcPr>
+                </a:tc>
+                <a:tc>
+                  <a:txBody>
+                    <a:bodyPr/>
+                    <a:lstStyle/>
+                    <a:p>
+                      <a:pPr algn="ctr"/>
+                      <a:r>
+                        <a:rPr lang="ru-RU" sz="1400" dirty="0" smtClean="0">
+                          <a:latin typeface="Garamond" panose="02020404030301010803" pitchFamily="18" charset="0"/>
+                        </a:rPr>
+                        <a:t>Шнур легко свертывается в нерастрескивающееся кольцо</a:t>
+                      </a:r>
+                      <a:endParaRPr lang="ru-RU" sz="1400" dirty="0">
+                        <a:latin typeface="Garamond" panose="02020404030301010803" pitchFamily="18" charset="0"/>
+                      </a:endParaRPr>
+                    </a:p>
+                  </a:txBody>
+                  <a:tcPr>
+                    <a:lnL w="12700" cap="flat" cmpd="sng" algn="ctr">
+                      <a:solidFill>
+                        <a:schemeClr val="tx1"/>
+                      </a:solidFill>
+                      <a:prstDash val="solid"/>
+                      <a:round/>
+                      <a:headEnd type="none" w="med" len="med"/>
+                      <a:tailEnd type="none" w="med" len="med"/>
+                    </a:lnL>
+                    <a:lnR w="12700" cap="flat" cmpd="sng" algn="ctr">
+                      <a:solidFill>
+                        <a:schemeClr val="tx1"/>
+                      </a:solidFill>
+                      <a:prstDash val="solid"/>
+                      <a:round/>
+                      <a:headEnd type="none" w="med" len="med"/>
+                      <a:tailEnd type="none" w="med" len="med"/>
+                    </a:lnR>
+                    <a:lnT w="12700" cap="flat" cmpd="sng" algn="ctr">
+                      <a:solidFill>
+                        <a:schemeClr val="tx1"/>
+                      </a:solidFill>
+                      <a:prstDash val="solid"/>
+                      <a:round/>
+                      <a:headEnd type="none" w="med" len="med"/>
+                      <a:tailEnd type="none" w="med" len="med"/>
+                    </a:lnT>
+                    <a:lnB w="12700" cap="flat" cmpd="sng" algn="ctr">
+                      <a:solidFill>
+                        <a:schemeClr val="tx1"/>
+                      </a:solidFill>
+                      <a:prstDash val="solid"/>
+                      <a:round/>
+                      <a:headEnd type="none" w="med" len="med"/>
+                      <a:tailEnd type="none" w="med" len="med"/>
+                    </a:lnB>
+                    <a:solidFill>
+                      <a:schemeClr val="bg1">
+                        <a:lumMod val="85000"/>
+                      </a:schemeClr>
+                    </a:solidFill>
+                  </a:tcPr>
+                </a:tc>
+                <a:extLst>
+                  <a:ext uri="{0D108BD9-81ED-4DB2-BD59-A6C34878D82A}">
+                    <a16:rowId xmlns:a16="http://schemas.microsoft.com/office/drawing/2014/main" val="2097413942"/>
+                  </a:ext>
+                </a:extLst>
+              </a:tr>
+            </a:tbl>
+          </a:graphicData>
+        </a:graphic>
+      </p:graphicFrame>
+    </p:spTree>
+    <p:extLst>
+      <p:ext uri="{BB962C8B-B14F-4D97-AF65-F5344CB8AC3E}">
+        <p14:creationId xmlns:p14="http://schemas.microsoft.com/office/powerpoint/2010/main" val="2850420028"/>
+      </p:ext>
+    </p:extLst>
+  </p:cSld>
+  <p:clrMapOvr>
+    <a:masterClrMapping/>
+  </p:clrMapOvr>
+</p:sld>
+</file>
+
+<file path=ppt/slides/slide5.xml><?xml version="1.0" encoding="utf-8"?>
+<p:sld xmlns:a="http://schemas.openxmlformats.org/drawingml/2006/main" xmlns:r="http://schemas.openxmlformats.org/officeDocument/2006/relationships" xmlns:p="http://schemas.openxmlformats.org/presentationml/2006/main">
+  <p:cSld>
+    <p:spTree>
+      <p:nvGrpSpPr>
+        <p:cNvPr id="1" name=""/>
+        <p:cNvGrpSpPr/>
+        <p:nvPr/>
+      </p:nvGrpSpPr>
+      <p:grpSpPr>
+        <a:xfrm>
+          <a:off x="0" y="0"/>
+          <a:ext cx="0" cy="0"/>
+          <a:chOff x="0" y="0"/>
+          <a:chExt cx="0" cy="0"/>
+        </a:xfrm>
+      </p:grpSpPr>
+      <p:sp>
+        <p:nvSpPr>
+          <p:cNvPr id="2" name="TextBox 1"/>
+          <p:cNvSpPr txBox="1"/>
+          <p:nvPr/>
+        </p:nvSpPr>
+        <p:spPr>
+          <a:xfrm>
             <a:off x="1205345" y="249382"/>
             <a:ext cx="8861368" cy="830997"/>
           </a:xfrm>
@@ -3743,7 +5249,7 @@
 </p:sld>
 </file>
 
-<file path=ppt/slides/slide5.xml><?xml version="1.0" encoding="utf-8"?>
+<file path=ppt/slides/slide6.xml><?xml version="1.0" encoding="utf-8"?>
 <p:sld xmlns:a="http://schemas.openxmlformats.org/drawingml/2006/main" xmlns:r="http://schemas.openxmlformats.org/officeDocument/2006/relationships" xmlns:p="http://schemas.openxmlformats.org/presentationml/2006/main">
   <p:cSld>
     <p:spTree>
@@ -3768,7 +5274,7 @@
         </p:nvSpPr>
         <p:spPr>
           <a:xfrm>
-            <a:off x="2219569" y="476738"/>
+            <a:off x="2219569" y="152541"/>
             <a:ext cx="7494954" cy="769441"/>
           </a:xfrm>
           <a:prstGeom prst="rect">
@@ -3803,14 +5309,14 @@
           <p:nvPr>
             <p:extLst>
               <p:ext uri="{D42A27DB-BD31-4B8C-83A1-F6EECF244321}">
-                <p14:modId xmlns:p14="http://schemas.microsoft.com/office/powerpoint/2010/main" val="1888806474"/>
+                <p14:modId xmlns:p14="http://schemas.microsoft.com/office/powerpoint/2010/main" val="3614921549"/>
               </p:ext>
             </p:extLst>
           </p:nvPr>
         </p:nvGraphicFramePr>
         <p:xfrm>
-          <a:off x="1281723" y="1555913"/>
-          <a:ext cx="8128000" cy="4252872"/>
+          <a:off x="867970" y="1022239"/>
+          <a:ext cx="10198152" cy="4171256"/>
         </p:xfrm>
         <a:graphic>
           <a:graphicData uri="http://schemas.openxmlformats.org/drawingml/2006/table">
@@ -3819,28 +5325,28 @@
                 <a:tableStyleId>{5C22544A-7EE6-4342-B048-85BDC9FD1C3A}</a:tableStyleId>
               </a:tblPr>
               <a:tblGrid>
-                <a:gridCol w="2032000">
+                <a:gridCol w="2549538">
                   <a:extLst>
                     <a:ext uri="{9D8B030D-6E8A-4147-A177-3AD203B41FA5}">
                       <a16:colId xmlns:a16="http://schemas.microsoft.com/office/drawing/2014/main" val="781814201"/>
                     </a:ext>
                   </a:extLst>
                 </a:gridCol>
-                <a:gridCol w="2032000">
+                <a:gridCol w="2549538">
                   <a:extLst>
                     <a:ext uri="{9D8B030D-6E8A-4147-A177-3AD203B41FA5}">
                       <a16:colId xmlns:a16="http://schemas.microsoft.com/office/drawing/2014/main" val="2055137972"/>
                     </a:ext>
                   </a:extLst>
                 </a:gridCol>
-                <a:gridCol w="2032000">
+                <a:gridCol w="2549538">
                   <a:extLst>
                     <a:ext uri="{9D8B030D-6E8A-4147-A177-3AD203B41FA5}">
                       <a16:colId xmlns:a16="http://schemas.microsoft.com/office/drawing/2014/main" val="2937634764"/>
                     </a:ext>
                   </a:extLst>
                 </a:gridCol>
-                <a:gridCol w="2032000">
+                <a:gridCol w="2549538">
                   <a:extLst>
                     <a:ext uri="{9D8B030D-6E8A-4147-A177-3AD203B41FA5}">
                       <a16:colId xmlns:a16="http://schemas.microsoft.com/office/drawing/2014/main" val="2456483943"/>
@@ -3848,7 +5354,7 @@
                   </a:extLst>
                 </a:gridCol>
               </a:tblGrid>
-              <a:tr h="370840">
+              <a:tr h="315488">
                 <a:tc>
                   <a:txBody>
                     <a:bodyPr/>
@@ -4159,7 +5665,7 @@
                   </a:ext>
                 </a:extLst>
               </a:tr>
-              <a:tr h="370840">
+              <a:tr h="457426">
                 <a:tc rowSpan="3">
                   <a:txBody>
                     <a:bodyPr/>
@@ -4391,17 +5897,6 @@
                     <a:p>
                       <a:pPr algn="ctr"/>
                       <a:r>
-                        <a:rPr lang="ru-RU" dirty="0" err="1" smtClean="0">
-                          <a:solidFill>
-                            <a:schemeClr val="tx2">
-                              <a:lumMod val="50000"/>
-                            </a:schemeClr>
-                          </a:solidFill>
-                          <a:latin typeface="Garamond" panose="02020404030301010803" pitchFamily="18" charset="0"/>
-                        </a:rPr>
-                        <a:t>Корневины</a:t>
-                      </a:r>
-                      <a:r>
                         <a:rPr lang="ru-RU" dirty="0" smtClean="0">
                           <a:solidFill>
                             <a:schemeClr val="tx2">
@@ -4410,7 +5905,7 @@
                           </a:solidFill>
                           <a:latin typeface="Garamond" panose="02020404030301010803" pitchFamily="18" charset="0"/>
                         </a:rPr>
-                        <a:t>,</a:t>
+                        <a:t>Корни,</a:t>
                       </a:r>
                       <a:r>
                         <a:rPr lang="ru-RU" baseline="0" dirty="0" smtClean="0">
@@ -4494,7 +5989,7 @@
                   </a:ext>
                 </a:extLst>
               </a:tr>
-              <a:tr h="370840">
+              <a:tr h="365929">
                 <a:tc vMerge="1">
                   <a:txBody>
                     <a:bodyPr/>
@@ -4705,16 +6200,8 @@
                           </a:solidFill>
                           <a:latin typeface="Garamond" panose="02020404030301010803" pitchFamily="18" charset="0"/>
                         </a:rPr>
-                        <a:t>Корни</a:t>
+                        <a:t>Корни, </a:t>
                       </a:r>
-                      <a:endParaRPr lang="ru-RU" dirty="0">
-                        <a:solidFill>
-                          <a:schemeClr val="tx2">
-                            <a:lumMod val="50000"/>
-                          </a:schemeClr>
-                        </a:solidFill>
-                        <a:latin typeface="Garamond" panose="02020404030301010803" pitchFamily="18" charset="0"/>
-                      </a:endParaRPr>
                     </a:p>
                   </a:txBody>
                   <a:tcPr>
@@ -4767,7 +6254,7 @@
                   </a:ext>
                 </a:extLst>
               </a:tr>
-              <a:tr h="370840">
+              <a:tr h="365929">
                 <a:tc vMerge="1">
                   <a:txBody>
                     <a:bodyPr/>
@@ -5040,7 +6527,7 @@
                   </a:ext>
                 </a:extLst>
               </a:tr>
-              <a:tr h="138072">
+              <a:tr h="136244">
                 <a:tc gridSpan="4">
                   <a:txBody>
                     <a:bodyPr/>
@@ -5287,7 +6774,7 @@
                   </a:ext>
                 </a:extLst>
               </a:tr>
-              <a:tr h="370840">
+              <a:tr h="512247">
                 <a:tc rowSpan="3">
                   <a:txBody>
                     <a:bodyPr/>
@@ -5538,7 +7025,23 @@
                     <a:bodyPr/>
                     <a:lstStyle/>
                     <a:p>
-                      <a:pPr algn="ctr"/>
+                      <a:pPr marL="0" marR="0" indent="0" algn="ctr" defTabSz="914400" rtl="0" eaLnBrk="1" fontAlgn="auto" latinLnBrk="0" hangingPunct="1">
+                        <a:lnSpc>
+                          <a:spcPct val="100000"/>
+                        </a:lnSpc>
+                        <a:spcBef>
+                          <a:spcPts val="0"/>
+                        </a:spcBef>
+                        <a:spcAft>
+                          <a:spcPts val="0"/>
+                        </a:spcAft>
+                        <a:buClrTx/>
+                        <a:buSzTx/>
+                        <a:buFontTx/>
+                        <a:buNone/>
+                        <a:tabLst/>
+                        <a:defRPr/>
+                      </a:pPr>
                       <a:r>
                         <a:rPr lang="ru-RU" dirty="0" smtClean="0">
                           <a:solidFill>
@@ -5610,7 +7113,7 @@
                   </a:ext>
                 </a:extLst>
               </a:tr>
-              <a:tr h="370840">
+              <a:tr h="365929">
                 <a:tc vMerge="1">
                   <a:txBody>
                     <a:bodyPr/>
@@ -5906,7 +7409,7 @@
                   </a:ext>
                 </a:extLst>
               </a:tr>
-              <a:tr h="370840">
+              <a:tr h="365929">
                 <a:tc vMerge="1">
                   <a:txBody>
                     <a:bodyPr/>
@@ -6202,7 +7705,7 @@
                   </a:ext>
                 </a:extLst>
               </a:tr>
-              <a:tr h="119835">
+              <a:tr h="135528">
                 <a:tc gridSpan="4">
                   <a:txBody>
                     <a:bodyPr/>
@@ -6481,7 +7984,7 @@
                   </a:ext>
                 </a:extLst>
               </a:tr>
-              <a:tr h="370840">
+              <a:tr h="365929">
                 <a:tc rowSpan="3">
                   <a:txBody>
                     <a:bodyPr/>
@@ -6804,7 +8307,7 @@
                   </a:ext>
                 </a:extLst>
               </a:tr>
-              <a:tr h="370840">
+              <a:tr h="365929">
                 <a:tc vMerge="1">
                   <a:txBody>
                     <a:bodyPr/>
@@ -7127,7 +8630,7 @@
                   </a:ext>
                 </a:extLst>
               </a:tr>
-              <a:tr h="370840">
+              <a:tr h="365929">
                 <a:tc vMerge="1">
                   <a:txBody>
                     <a:bodyPr/>
@@ -7233,6 +8736,7 @@
                               <a:lumMod val="50000"/>
                             </a:schemeClr>
                           </a:solidFill>
+                          <a:latin typeface="Garamond" panose="02020404030301010803" pitchFamily="18" charset="0"/>
                         </a:rPr>
                         <a:t>A2B</a:t>
                       </a:r>
@@ -7242,6 +8746,7 @@
                             <a:lumMod val="50000"/>
                           </a:schemeClr>
                         </a:solidFill>
+                        <a:latin typeface="Garamond" panose="02020404030301010803" pitchFamily="18" charset="0"/>
                       </a:endParaRPr>
                     </a:p>
                   </a:txBody>
@@ -7443,71 +8948,6 @@
     <p:extLst>
       <p:ext uri="{BB962C8B-B14F-4D97-AF65-F5344CB8AC3E}">
         <p14:creationId xmlns:p14="http://schemas.microsoft.com/office/powerpoint/2010/main" val="1803013645"/>
-      </p:ext>
-    </p:extLst>
-  </p:cSld>
-  <p:clrMapOvr>
-    <a:masterClrMapping/>
-  </p:clrMapOvr>
-</p:sld>
-</file>
-
-<file path=ppt/slides/slide6.xml><?xml version="1.0" encoding="utf-8"?>
-<p:sld xmlns:a="http://schemas.openxmlformats.org/drawingml/2006/main" xmlns:r="http://schemas.openxmlformats.org/officeDocument/2006/relationships" xmlns:p="http://schemas.openxmlformats.org/presentationml/2006/main">
-  <p:cSld>
-    <p:spTree>
-      <p:nvGrpSpPr>
-        <p:cNvPr id="1" name=""/>
-        <p:cNvGrpSpPr/>
-        <p:nvPr/>
-      </p:nvGrpSpPr>
-      <p:grpSpPr>
-        <a:xfrm>
-          <a:off x="0" y="0"/>
-          <a:ext cx="0" cy="0"/>
-          <a:chOff x="0" y="0"/>
-          <a:chExt cx="0" cy="0"/>
-        </a:xfrm>
-      </p:grpSpPr>
-      <p:sp>
-        <p:nvSpPr>
-          <p:cNvPr id="2" name="TextBox 1"/>
-          <p:cNvSpPr txBox="1"/>
-          <p:nvPr/>
-        </p:nvSpPr>
-        <p:spPr>
-          <a:xfrm>
-            <a:off x="3149600" y="226647"/>
-            <a:ext cx="5126892" cy="769441"/>
-          </a:xfrm>
-          <a:prstGeom prst="rect">
-            <a:avLst/>
-          </a:prstGeom>
-          <a:noFill/>
-        </p:spPr>
-        <p:txBody>
-          <a:bodyPr wrap="square" rtlCol="0" anchor="ctr">
-            <a:spAutoFit/>
-          </a:bodyPr>
-          <a:lstStyle/>
-          <a:p>
-            <a:pPr algn="ctr"/>
-            <a:r>
-              <a:rPr lang="ru-RU" sz="4400" b="1" dirty="0" smtClean="0">
-                <a:latin typeface="Garamond" panose="02020404030301010803" pitchFamily="18" charset="0"/>
-              </a:rPr>
-              <a:t>Анализ данных</a:t>
-            </a:r>
-            <a:endParaRPr lang="ru-RU" sz="4400" b="1" dirty="0">
-              <a:latin typeface="Garamond" panose="02020404030301010803" pitchFamily="18" charset="0"/>
-            </a:endParaRPr>
-          </a:p>
-        </p:txBody>
-      </p:sp>
-    </p:spTree>
-    <p:extLst>
-      <p:ext uri="{BB962C8B-B14F-4D97-AF65-F5344CB8AC3E}">
-        <p14:creationId xmlns:p14="http://schemas.microsoft.com/office/powerpoint/2010/main" val="2220465195"/>
       </p:ext>
     </p:extLst>
   </p:cSld>
@@ -7561,9 +9001,107 @@
               <a:rPr lang="ru-RU" sz="4400" b="1" dirty="0" smtClean="0">
                 <a:latin typeface="Garamond" panose="02020404030301010803" pitchFamily="18" charset="0"/>
               </a:rPr>
-              <a:t>Заключение</a:t>
+              <a:t>Выводы</a:t>
             </a:r>
             <a:endParaRPr lang="ru-RU" sz="4400" b="1" dirty="0">
+              <a:latin typeface="Garamond" panose="02020404030301010803" pitchFamily="18" charset="0"/>
+            </a:endParaRPr>
+          </a:p>
+        </p:txBody>
+      </p:sp>
+      <p:sp>
+        <p:nvSpPr>
+          <p:cNvPr id="3" name="TextBox 2"/>
+          <p:cNvSpPr txBox="1"/>
+          <p:nvPr/>
+        </p:nvSpPr>
+        <p:spPr>
+          <a:xfrm>
+            <a:off x="756457" y="1712422"/>
+            <a:ext cx="10956175" cy="2677656"/>
+          </a:xfrm>
+          <a:prstGeom prst="rect">
+            <a:avLst/>
+          </a:prstGeom>
+          <a:noFill/>
+        </p:spPr>
+        <p:txBody>
+          <a:bodyPr wrap="square" rtlCol="0">
+            <a:spAutoFit/>
+          </a:bodyPr>
+          <a:lstStyle/>
+          <a:p>
+            <a:r>
+              <a:rPr lang="en-US" sz="2800" dirty="0" smtClean="0">
+                <a:latin typeface="Garamond" panose="02020404030301010803" pitchFamily="18" charset="0"/>
+              </a:rPr>
+              <a:t>I. </a:t>
+            </a:r>
+            <a:r>
+              <a:rPr lang="ru-RU" sz="2800" dirty="0" smtClean="0">
+                <a:latin typeface="Garamond" panose="02020404030301010803" pitchFamily="18" charset="0"/>
+              </a:rPr>
+              <a:t>В большинстве исследованных разрезах на уровнях </a:t>
+            </a:r>
+            <a:r>
+              <a:rPr lang="en-US" sz="2800" dirty="0" smtClean="0">
+                <a:latin typeface="Garamond" panose="02020404030301010803" pitchFamily="18" charset="0"/>
+              </a:rPr>
+              <a:t>A1 </a:t>
+            </a:r>
+            <a:r>
+              <a:rPr lang="tt-RU" sz="2800" dirty="0" smtClean="0">
+                <a:latin typeface="Garamond" panose="02020404030301010803" pitchFamily="18" charset="0"/>
+              </a:rPr>
+              <a:t>и </a:t>
+            </a:r>
+            <a:r>
+              <a:rPr lang="en-US" sz="2800" dirty="0" smtClean="0">
+                <a:latin typeface="Garamond" panose="02020404030301010803" pitchFamily="18" charset="0"/>
+              </a:rPr>
+              <a:t>A2 </a:t>
+            </a:r>
+            <a:r>
+              <a:rPr lang="ru-RU" sz="2800" dirty="0" smtClean="0">
+                <a:latin typeface="Garamond" panose="02020404030301010803" pitchFamily="18" charset="0"/>
+              </a:rPr>
+              <a:t>имеются корни</a:t>
+            </a:r>
+            <a:endParaRPr lang="en-US" sz="2800" dirty="0" smtClean="0">
+              <a:latin typeface="Garamond" panose="02020404030301010803" pitchFamily="18" charset="0"/>
+            </a:endParaRPr>
+          </a:p>
+          <a:p>
+            <a:r>
+              <a:rPr lang="en-US" sz="2800" dirty="0" smtClean="0">
+                <a:latin typeface="Garamond" panose="02020404030301010803" pitchFamily="18" charset="0"/>
+              </a:rPr>
+              <a:t>II.</a:t>
+            </a:r>
+            <a:r>
+              <a:rPr lang="ru-RU" sz="2800" dirty="0" smtClean="0">
+                <a:latin typeface="Garamond" panose="02020404030301010803" pitchFamily="18" charset="0"/>
+              </a:rPr>
+              <a:t> Больше всего гумусовых потёков было на 3-ем участке с супесью и песком. Однако для большей точности нужно больше исследованных участков</a:t>
+            </a:r>
+            <a:endParaRPr lang="en-US" sz="2800" dirty="0" smtClean="0">
+              <a:latin typeface="Garamond" panose="02020404030301010803" pitchFamily="18" charset="0"/>
+            </a:endParaRPr>
+          </a:p>
+          <a:p>
+            <a:r>
+              <a:rPr lang="en-US" sz="2800" dirty="0" smtClean="0">
+                <a:latin typeface="Garamond" panose="02020404030301010803" pitchFamily="18" charset="0"/>
+              </a:rPr>
+              <a:t>III.</a:t>
+            </a:r>
+            <a:r>
+              <a:rPr lang="ru-RU" sz="2800" dirty="0" smtClean="0">
+                <a:latin typeface="Garamond" panose="02020404030301010803" pitchFamily="18" charset="0"/>
+              </a:rPr>
+              <a:t> ???</a:t>
+            </a:r>
+            <a:endParaRPr lang="ru-RU" sz="2800" dirty="0">
               <a:latin typeface="Garamond" panose="02020404030301010803" pitchFamily="18" charset="0"/>
             </a:endParaRPr>
           </a:p>
@@ -7601,14 +9139,14 @@
       </p:grpSpPr>
       <p:sp>
         <p:nvSpPr>
-          <p:cNvPr id="2" name="TextBox 1"/>
+          <p:cNvPr id="3" name="TextBox 2"/>
           <p:cNvSpPr txBox="1"/>
           <p:nvPr/>
         </p:nvSpPr>
         <p:spPr>
           <a:xfrm>
-            <a:off x="105507" y="1305169"/>
-            <a:ext cx="8995508" cy="1200329"/>
+            <a:off x="105507" y="2161104"/>
+            <a:ext cx="9452708" cy="2677656"/>
           </a:xfrm>
           <a:prstGeom prst="rect">
             <a:avLst/>
@@ -7621,7 +9159,7 @@
           </a:bodyPr>
           <a:lstStyle/>
           <a:p>
-            <a:pPr marL="285750" indent="-285750">
+            <a:pPr marL="342900" indent="-342900">
               <a:buFont typeface="Arial" panose="020B0604020202020204" pitchFamily="34" charset="0"/>
               <a:buChar char="•"/>
             </a:pPr>
@@ -7629,37 +9167,193 @@
               <a:rPr lang="ru-RU" sz="2400" b="1" dirty="0" smtClean="0">
                 <a:latin typeface="Garamond" panose="02020404030301010803" pitchFamily="18" charset="0"/>
               </a:rPr>
-              <a:t>Ссылка на проект:</a:t>
-            </a:r>
-          </a:p>
-          <a:p>
-            <a:r>
-              <a:rPr lang="en-US" sz="2400" dirty="0">
+              <a:t>Используемая литература:</a:t>
+            </a:r>
+          </a:p>
+          <a:p>
+            <a:pPr marL="457200" indent="-457200">
+              <a:buFont typeface="+mj-lt"/>
+              <a:buAutoNum type="arabicPeriod"/>
+            </a:pPr>
+            <a:r>
+              <a:rPr lang="ru-RU" sz="2400" dirty="0" smtClean="0">
+                <a:latin typeface="Garamond" panose="02020404030301010803" pitchFamily="18" charset="0"/>
+              </a:rPr>
+              <a:t>А.С </a:t>
+            </a:r>
+            <a:r>
+              <a:rPr lang="ru-RU" sz="2400" dirty="0" err="1" smtClean="0">
+                <a:latin typeface="Garamond" panose="02020404030301010803" pitchFamily="18" charset="0"/>
+              </a:rPr>
+              <a:t>Тлепов</a:t>
+            </a:r>
+            <a:r>
+              <a:rPr lang="ru-RU" sz="2400" dirty="0" smtClean="0">
+                <a:latin typeface="Garamond" panose="02020404030301010803" pitchFamily="18" charset="0"/>
+              </a:rPr>
+              <a:t>. Гранулометрический состав почвы и его роль в накоплении органического вещества в </a:t>
+            </a:r>
+            <a:r>
+              <a:rPr lang="ru-RU" sz="2400" dirty="0" smtClean="0">
+                <a:latin typeface="Garamond" panose="02020404030301010803" pitchFamily="18" charset="0"/>
+              </a:rPr>
+              <a:t>почве</a:t>
+            </a:r>
+          </a:p>
+          <a:p>
+            <a:pPr marL="457200" indent="-457200">
+              <a:buFont typeface="+mj-lt"/>
+              <a:buAutoNum type="arabicPeriod"/>
+            </a:pPr>
+            <a:r>
+              <a:rPr lang="ru-RU" sz="2400" dirty="0">
+                <a:latin typeface="Garamond" panose="02020404030301010803" pitchFamily="18" charset="0"/>
+              </a:rPr>
+              <a:t>Методы определения гранулометрического состава </a:t>
+            </a:r>
+            <a:r>
+              <a:rPr lang="ru-RU" sz="2400" dirty="0" smtClean="0">
+                <a:latin typeface="Garamond" panose="02020404030301010803" pitchFamily="18" charset="0"/>
+              </a:rPr>
+              <a:t>почв. </a:t>
+            </a:r>
+            <a:r>
+              <a:rPr lang="ru-RU" sz="2400" dirty="0" smtClean="0">
+                <a:latin typeface="Garamond" panose="02020404030301010803" pitchFamily="18" charset="0"/>
                 <a:hlinkClick r:id="rId2"/>
               </a:rPr>
-              <a:t>https://github.com/Zhabich12/PochvaZZZ/tree/main</a:t>
-            </a:r>
-            <a:r>
-              <a:rPr lang="ru-RU" sz="2400" dirty="0" smtClean="0"/>
-              <a:t/>
-            </a:r>
-            <a:br>
-              <a:rPr lang="ru-RU" sz="2400" dirty="0" smtClean="0"/>
-            </a:br>
-            <a:endParaRPr lang="ru-RU" sz="2400" dirty="0"/>
+              <a:t>Ссылка</a:t>
+            </a:r>
+            <a:endParaRPr lang="ru-RU" sz="2400" dirty="0">
+              <a:latin typeface="Garamond" panose="02020404030301010803" pitchFamily="18" charset="0"/>
+            </a:endParaRPr>
+          </a:p>
+          <a:p>
+            <a:pPr marL="457200" indent="-457200">
+              <a:buFont typeface="+mj-lt"/>
+              <a:buAutoNum type="arabicPeriod"/>
+            </a:pPr>
+            <a:r>
+              <a:rPr lang="ru-RU" sz="2400" dirty="0">
+                <a:latin typeface="Garamond" panose="02020404030301010803" pitchFamily="18" charset="0"/>
+              </a:rPr>
+              <a:t>В</a:t>
+            </a:r>
+            <a:r>
+              <a:rPr lang="ru-RU" sz="2400" dirty="0" smtClean="0">
+                <a:latin typeface="Garamond" panose="02020404030301010803" pitchFamily="18" charset="0"/>
+              </a:rPr>
+              <a:t>заимосвязь гумуса и гранулометрического состава </a:t>
+            </a:r>
+            <a:r>
+              <a:rPr lang="ru-RU" sz="2400" dirty="0" err="1" smtClean="0">
+                <a:latin typeface="Garamond" panose="02020404030301010803" pitchFamily="18" charset="0"/>
+              </a:rPr>
+              <a:t>дерновопалево</a:t>
+            </a:r>
+            <a:r>
+              <a:rPr lang="ru-RU" sz="2400" dirty="0" smtClean="0">
+                <a:latin typeface="Garamond" panose="02020404030301010803" pitchFamily="18" charset="0"/>
+              </a:rPr>
+              <a:t>-подзолистых легкосуглинистых почв разной степени </a:t>
+            </a:r>
+            <a:r>
+              <a:rPr lang="ru-RU" sz="2400" dirty="0" err="1" smtClean="0">
+                <a:latin typeface="Garamond" panose="02020404030301010803" pitchFamily="18" charset="0"/>
+              </a:rPr>
+              <a:t>агрогенной</a:t>
+            </a:r>
+            <a:r>
+              <a:rPr lang="ru-RU" sz="2400" dirty="0" smtClean="0">
+                <a:latin typeface="Garamond" panose="02020404030301010803" pitchFamily="18" charset="0"/>
+              </a:rPr>
+              <a:t> трансформации С</a:t>
+            </a:r>
+            <a:r>
+              <a:rPr lang="ru-RU" sz="2400" dirty="0">
+                <a:latin typeface="Garamond" panose="02020404030301010803" pitchFamily="18" charset="0"/>
+              </a:rPr>
+              <a:t>. В. </a:t>
+            </a:r>
+            <a:r>
+              <a:rPr lang="ru-RU" sz="2400" dirty="0" err="1">
+                <a:latin typeface="Garamond" panose="02020404030301010803" pitchFamily="18" charset="0"/>
+              </a:rPr>
+              <a:t>Дыдышко</a:t>
+            </a:r>
+            <a:r>
+              <a:rPr lang="ru-RU" sz="2400" dirty="0">
+                <a:latin typeface="Garamond" panose="02020404030301010803" pitchFamily="18" charset="0"/>
+              </a:rPr>
+              <a:t>, Т. Н. </a:t>
+            </a:r>
+            <a:r>
+              <a:rPr lang="ru-RU" sz="2400" dirty="0" err="1">
+                <a:latin typeface="Garamond" panose="02020404030301010803" pitchFamily="18" charset="0"/>
+              </a:rPr>
+              <a:t>Азаренок</a:t>
+            </a:r>
+            <a:r>
+              <a:rPr lang="ru-RU" sz="2400" dirty="0">
+                <a:latin typeface="Garamond" panose="02020404030301010803" pitchFamily="18" charset="0"/>
+              </a:rPr>
+              <a:t>, С. В. </a:t>
+            </a:r>
+            <a:r>
+              <a:rPr lang="ru-RU" sz="2400" dirty="0" smtClean="0">
+                <a:latin typeface="Garamond" panose="02020404030301010803" pitchFamily="18" charset="0"/>
+              </a:rPr>
+              <a:t>Шульгина</a:t>
+            </a:r>
+            <a:endParaRPr lang="ru-RU" dirty="0"/>
           </a:p>
         </p:txBody>
       </p:sp>
       <p:sp>
         <p:nvSpPr>
-          <p:cNvPr id="3" name="TextBox 2"/>
+          <p:cNvPr id="5" name="TextBox 4"/>
           <p:cNvSpPr txBox="1"/>
           <p:nvPr/>
         </p:nvSpPr>
         <p:spPr>
           <a:xfrm>
-            <a:off x="105507" y="2136166"/>
-            <a:ext cx="9452708" cy="1477328"/>
+            <a:off x="1421476" y="249381"/>
+            <a:ext cx="8670174" cy="769441"/>
+          </a:xfrm>
+          <a:prstGeom prst="rect">
+            <a:avLst/>
+          </a:prstGeom>
+          <a:noFill/>
+        </p:spPr>
+        <p:txBody>
+          <a:bodyPr wrap="square" rtlCol="0" anchor="ctr">
+            <a:spAutoFit/>
+          </a:bodyPr>
+          <a:lstStyle/>
+          <a:p>
+            <a:pPr algn="ctr"/>
+            <a:r>
+              <a:rPr lang="ru-RU" sz="4400" b="1" dirty="0" smtClean="0">
+                <a:latin typeface="Garamond" panose="02020404030301010803" pitchFamily="18" charset="0"/>
+              </a:rPr>
+              <a:t>Дополнительная информация</a:t>
+            </a:r>
+            <a:endParaRPr lang="ru-RU" sz="4400" b="1" dirty="0">
+              <a:latin typeface="Garamond" panose="02020404030301010803" pitchFamily="18" charset="0"/>
+            </a:endParaRPr>
+          </a:p>
+        </p:txBody>
+      </p:sp>
+      <p:sp>
+        <p:nvSpPr>
+          <p:cNvPr id="6" name="TextBox 5"/>
+          <p:cNvSpPr txBox="1"/>
+          <p:nvPr/>
+        </p:nvSpPr>
+        <p:spPr>
+          <a:xfrm>
+            <a:off x="105507" y="1188720"/>
+            <a:ext cx="6084916" cy="830997"/>
           </a:xfrm>
           <a:prstGeom prst="rect">
             <a:avLst/>
@@ -7680,7 +9374,7 @@
               <a:rPr lang="ru-RU" sz="2400" b="1" dirty="0" smtClean="0">
                 <a:latin typeface="Garamond" panose="02020404030301010803" pitchFamily="18" charset="0"/>
               </a:rPr>
-              <a:t>Используемая литература:</a:t>
+              <a:t>Фотокарточки и материалы работы:</a:t>
             </a:r>
           </a:p>
           <a:p>
@@ -7691,24 +9385,13 @@
             <a:r>
               <a:rPr lang="ru-RU" sz="2400" dirty="0" smtClean="0">
                 <a:latin typeface="Garamond" panose="02020404030301010803" pitchFamily="18" charset="0"/>
+                <a:hlinkClick r:id="rId3"/>
               </a:rPr>
-              <a:t>А.С </a:t>
-            </a:r>
-            <a:r>
-              <a:rPr lang="ru-RU" sz="2400" dirty="0" err="1" smtClean="0">
-                <a:latin typeface="Garamond" panose="02020404030301010803" pitchFamily="18" charset="0"/>
-              </a:rPr>
-              <a:t>Тлепов</a:t>
-            </a:r>
-            <a:r>
-              <a:rPr lang="ru-RU" sz="2400" dirty="0" smtClean="0">
-                <a:latin typeface="Garamond" panose="02020404030301010803" pitchFamily="18" charset="0"/>
-              </a:rPr>
-              <a:t>. Гранулометрический состав почвы и его роль в накоплении органического вещества в почве</a:t>
-            </a:r>
-          </a:p>
-          <a:p>
-            <a:endParaRPr lang="ru-RU" dirty="0"/>
+              <a:t>Ссылка</a:t>
+            </a:r>
+            <a:endParaRPr lang="ru-RU" sz="2400" dirty="0">
+              <a:latin typeface="Garamond" panose="02020404030301010803" pitchFamily="18" charset="0"/>
+            </a:endParaRPr>
           </a:p>
         </p:txBody>
       </p:sp>

--- a/презентация PochaZZZ.pptx
+++ b/презентация PochaZZZ.pptx
@@ -250,7 +250,7 @@
           <a:p>
             <a:fld id="{2994EAAF-8E2B-4A3F-881A-40ECFB194ECF}" type="datetimeFigureOut">
               <a:rPr lang="ru-RU" smtClean="0"/>
-              <a:t>05.08.2024</a:t>
+              <a:t>06.08.2024</a:t>
             </a:fld>
             <a:endParaRPr lang="ru-RU"/>
           </a:p>
@@ -420,7 +420,7 @@
           <a:p>
             <a:fld id="{2994EAAF-8E2B-4A3F-881A-40ECFB194ECF}" type="datetimeFigureOut">
               <a:rPr lang="ru-RU" smtClean="0"/>
-              <a:t>05.08.2024</a:t>
+              <a:t>06.08.2024</a:t>
             </a:fld>
             <a:endParaRPr lang="ru-RU"/>
           </a:p>
@@ -600,7 +600,7 @@
           <a:p>
             <a:fld id="{2994EAAF-8E2B-4A3F-881A-40ECFB194ECF}" type="datetimeFigureOut">
               <a:rPr lang="ru-RU" smtClean="0"/>
-              <a:t>05.08.2024</a:t>
+              <a:t>06.08.2024</a:t>
             </a:fld>
             <a:endParaRPr lang="ru-RU"/>
           </a:p>
@@ -770,7 +770,7 @@
           <a:p>
             <a:fld id="{2994EAAF-8E2B-4A3F-881A-40ECFB194ECF}" type="datetimeFigureOut">
               <a:rPr lang="ru-RU" smtClean="0"/>
-              <a:t>05.08.2024</a:t>
+              <a:t>06.08.2024</a:t>
             </a:fld>
             <a:endParaRPr lang="ru-RU"/>
           </a:p>
@@ -1016,7 +1016,7 @@
           <a:p>
             <a:fld id="{2994EAAF-8E2B-4A3F-881A-40ECFB194ECF}" type="datetimeFigureOut">
               <a:rPr lang="ru-RU" smtClean="0"/>
-              <a:t>05.08.2024</a:t>
+              <a:t>06.08.2024</a:t>
             </a:fld>
             <a:endParaRPr lang="ru-RU"/>
           </a:p>
@@ -1248,7 +1248,7 @@
           <a:p>
             <a:fld id="{2994EAAF-8E2B-4A3F-881A-40ECFB194ECF}" type="datetimeFigureOut">
               <a:rPr lang="ru-RU" smtClean="0"/>
-              <a:t>05.08.2024</a:t>
+              <a:t>06.08.2024</a:t>
             </a:fld>
             <a:endParaRPr lang="ru-RU"/>
           </a:p>
@@ -1615,7 +1615,7 @@
           <a:p>
             <a:fld id="{2994EAAF-8E2B-4A3F-881A-40ECFB194ECF}" type="datetimeFigureOut">
               <a:rPr lang="ru-RU" smtClean="0"/>
-              <a:t>05.08.2024</a:t>
+              <a:t>06.08.2024</a:t>
             </a:fld>
             <a:endParaRPr lang="ru-RU"/>
           </a:p>
@@ -1733,7 +1733,7 @@
           <a:p>
             <a:fld id="{2994EAAF-8E2B-4A3F-881A-40ECFB194ECF}" type="datetimeFigureOut">
               <a:rPr lang="ru-RU" smtClean="0"/>
-              <a:t>05.08.2024</a:t>
+              <a:t>06.08.2024</a:t>
             </a:fld>
             <a:endParaRPr lang="ru-RU"/>
           </a:p>
@@ -1828,7 +1828,7 @@
           <a:p>
             <a:fld id="{2994EAAF-8E2B-4A3F-881A-40ECFB194ECF}" type="datetimeFigureOut">
               <a:rPr lang="ru-RU" smtClean="0"/>
-              <a:t>05.08.2024</a:t>
+              <a:t>06.08.2024</a:t>
             </a:fld>
             <a:endParaRPr lang="ru-RU"/>
           </a:p>
@@ -2105,7 +2105,7 @@
           <a:p>
             <a:fld id="{2994EAAF-8E2B-4A3F-881A-40ECFB194ECF}" type="datetimeFigureOut">
               <a:rPr lang="ru-RU" smtClean="0"/>
-              <a:t>05.08.2024</a:t>
+              <a:t>06.08.2024</a:t>
             </a:fld>
             <a:endParaRPr lang="ru-RU"/>
           </a:p>
@@ -2358,7 +2358,7 @@
           <a:p>
             <a:fld id="{2994EAAF-8E2B-4A3F-881A-40ECFB194ECF}" type="datetimeFigureOut">
               <a:rPr lang="ru-RU" smtClean="0"/>
-              <a:t>05.08.2024</a:t>
+              <a:t>06.08.2024</a:t>
             </a:fld>
             <a:endParaRPr lang="ru-RU"/>
           </a:p>
@@ -2571,7 +2571,7 @@
           <a:p>
             <a:fld id="{2994EAAF-8E2B-4A3F-881A-40ECFB194ECF}" type="datetimeFigureOut">
               <a:rPr lang="ru-RU" smtClean="0"/>
-              <a:t>05.08.2024</a:t>
+              <a:t>06.08.2024</a:t>
             </a:fld>
             <a:endParaRPr lang="ru-RU"/>
           </a:p>
@@ -2986,7 +2986,12 @@
             <p:ph type="ctrTitle"/>
           </p:nvPr>
         </p:nvSpPr>
-        <p:spPr/>
+        <p:spPr>
+          <a:xfrm>
+            <a:off x="1623753" y="1339129"/>
+            <a:ext cx="9144000" cy="2387600"/>
+          </a:xfrm>
+        </p:spPr>
         <p:txBody>
           <a:bodyPr>
             <a:normAutofit fontScale="90000"/>
@@ -2997,7 +3002,19 @@
               <a:rPr lang="tt-RU" b="1" dirty="0" smtClean="0">
                 <a:latin typeface="Garamond" panose="02020404030301010803" pitchFamily="18" charset="0"/>
               </a:rPr>
-              <a:t>Влияние ГМС на количество гумуса в почве на территории лагеря Дуслык</a:t>
+              <a:t>Влияние </a:t>
+            </a:r>
+            <a:r>
+              <a:rPr lang="tt-RU" b="1" dirty="0" smtClean="0">
+                <a:latin typeface="Garamond" panose="02020404030301010803" pitchFamily="18" charset="0"/>
+              </a:rPr>
+              <a:t>гранулометрического состава </a:t>
+            </a:r>
+            <a:r>
+              <a:rPr lang="tt-RU" b="1" dirty="0" smtClean="0">
+                <a:latin typeface="Garamond" panose="02020404030301010803" pitchFamily="18" charset="0"/>
+              </a:rPr>
+              <a:t>на количество гумуса в почве на территории лагеря Дуслык</a:t>
             </a:r>
             <a:endParaRPr lang="ru-RU" b="1" dirty="0">
               <a:latin typeface="Garamond" panose="02020404030301010803" pitchFamily="18" charset="0"/>
@@ -3153,8 +3170,8 @@
         </p:nvSpPr>
         <p:spPr>
           <a:xfrm>
-            <a:off x="382385" y="1022189"/>
-            <a:ext cx="6716684" cy="830997"/>
+            <a:off x="382384" y="1019136"/>
+            <a:ext cx="6716684" cy="1077218"/>
           </a:xfrm>
           <a:prstGeom prst="rect">
             <a:avLst/>
@@ -3172,30 +3189,18 @@
               <a:buChar char="•"/>
             </a:pPr>
             <a:r>
-              <a:rPr lang="ru-RU" sz="2400" b="1" dirty="0" smtClean="0">
+              <a:rPr lang="ru-RU" sz="3600" b="1" dirty="0" smtClean="0">
                 <a:latin typeface="Garamond" panose="02020404030301010803" pitchFamily="18" charset="0"/>
               </a:rPr>
               <a:t>Цель работы: </a:t>
             </a:r>
             <a:r>
-              <a:rPr lang="ru-RU" sz="2400" dirty="0" smtClean="0">
+              <a:rPr lang="ru-RU" sz="2800" dirty="0" smtClean="0">
                 <a:latin typeface="Garamond" panose="02020404030301010803" pitchFamily="18" charset="0"/>
               </a:rPr>
-              <a:t>Изучение влияния ГМС на </a:t>
-            </a:r>
-            <a:r>
-              <a:rPr lang="ru-RU" sz="2400" dirty="0" smtClean="0">
-                <a:latin typeface="Garamond" panose="02020404030301010803" pitchFamily="18" charset="0"/>
-              </a:rPr>
-              <a:t>гумус </a:t>
-            </a:r>
-            <a:r>
-              <a:rPr lang="ru-RU" sz="2400" dirty="0" smtClean="0">
-                <a:latin typeface="Garamond" panose="02020404030301010803" pitchFamily="18" charset="0"/>
-              </a:rPr>
-              <a:t>в почве</a:t>
-            </a:r>
-            <a:endParaRPr lang="ru-RU" sz="2400" b="1" dirty="0">
+              <a:t>Изучение влияния ГМС на гумус в почве</a:t>
+            </a:r>
+            <a:endParaRPr lang="ru-RU" sz="2800" b="1" dirty="0">
               <a:latin typeface="Garamond" panose="02020404030301010803" pitchFamily="18" charset="0"/>
             </a:endParaRPr>
           </a:p>
@@ -3209,8 +3214,8 @@
         </p:nvSpPr>
         <p:spPr>
           <a:xfrm>
-            <a:off x="382385" y="1853186"/>
-            <a:ext cx="7057506" cy="461665"/>
+            <a:off x="382384" y="2092440"/>
+            <a:ext cx="7057506" cy="646331"/>
           </a:xfrm>
           <a:prstGeom prst="rect">
             <a:avLst/>
@@ -3228,18 +3233,12 @@
               <a:buChar char="•"/>
             </a:pPr>
             <a:r>
-              <a:rPr lang="ru-RU" sz="2400" b="1" dirty="0" smtClean="0">
+              <a:rPr lang="ru-RU" sz="3600" b="1" dirty="0" smtClean="0">
                 <a:latin typeface="Garamond" panose="02020404030301010803" pitchFamily="18" charset="0"/>
               </a:rPr>
-              <a:t>Задачи:</a:t>
-            </a:r>
-            <a:r>
-              <a:rPr lang="ru-RU" b="1" dirty="0" smtClean="0">
-                <a:latin typeface="Garamond" panose="02020404030301010803" pitchFamily="18" charset="0"/>
-              </a:rPr>
-              <a:t> </a:t>
-            </a:r>
-            <a:endParaRPr lang="ru-RU" dirty="0"/>
+              <a:t>Задачи: </a:t>
+            </a:r>
+            <a:endParaRPr lang="ru-RU" sz="3600" dirty="0"/>
           </a:p>
         </p:txBody>
       </p:sp>
@@ -3251,8 +3250,8 @@
         </p:nvSpPr>
         <p:spPr>
           <a:xfrm>
-            <a:off x="382385" y="2427316"/>
-            <a:ext cx="5636030" cy="1200329"/>
+            <a:off x="382384" y="2738771"/>
+            <a:ext cx="8354292" cy="1384995"/>
           </a:xfrm>
           <a:prstGeom prst="rect">
             <a:avLst/>
@@ -3270,7 +3269,7 @@
               <a:buAutoNum type="arabicPeriod"/>
             </a:pPr>
             <a:r>
-              <a:rPr lang="ru-RU" dirty="0" smtClean="0">
+              <a:rPr lang="ru-RU" sz="2800" dirty="0" smtClean="0">
                 <a:latin typeface="Garamond" panose="02020404030301010803" pitchFamily="18" charset="0"/>
               </a:rPr>
               <a:t>Выбор участка исследования</a:t>
@@ -3282,11 +3281,20 @@
               <a:buAutoNum type="arabicPeriod"/>
             </a:pPr>
             <a:r>
-              <a:rPr lang="ru-RU" dirty="0" smtClean="0">
+              <a:rPr lang="ru-RU" sz="2800" dirty="0" smtClean="0">
                 <a:latin typeface="Garamond" panose="02020404030301010803" pitchFamily="18" charset="0"/>
               </a:rPr>
-              <a:t>Сбор данных по гумусу почвы и ГМС</a:t>
-            </a:r>
+              <a:t>Сбор </a:t>
+            </a:r>
+            <a:r>
+              <a:rPr lang="ru-RU" sz="2800" dirty="0" smtClean="0">
+                <a:latin typeface="Garamond" panose="02020404030301010803" pitchFamily="18" charset="0"/>
+              </a:rPr>
+              <a:t>информации на выбранных участках</a:t>
+            </a:r>
+            <a:endParaRPr lang="ru-RU" sz="2800" dirty="0" smtClean="0">
+              <a:latin typeface="Garamond" panose="02020404030301010803" pitchFamily="18" charset="0"/>
+            </a:endParaRPr>
           </a:p>
           <a:p>
             <a:pPr marL="342900" indent="-342900">
@@ -3294,36 +3302,18 @@
               <a:buAutoNum type="arabicPeriod"/>
             </a:pPr>
             <a:r>
-              <a:rPr lang="ru-RU" dirty="0" smtClean="0">
+              <a:rPr lang="ru-RU" sz="2800" dirty="0" smtClean="0">
                 <a:latin typeface="Garamond" panose="02020404030301010803" pitchFamily="18" charset="0"/>
               </a:rPr>
               <a:t>Сравнение </a:t>
             </a:r>
             <a:r>
-              <a:rPr lang="ru-RU" dirty="0" smtClean="0">
+              <a:rPr lang="ru-RU" sz="2800" dirty="0" smtClean="0">
                 <a:latin typeface="Garamond" panose="02020404030301010803" pitchFamily="18" charset="0"/>
               </a:rPr>
-              <a:t>данных по гумусу в </a:t>
-            </a:r>
-            <a:r>
-              <a:rPr lang="ru-RU" dirty="0" smtClean="0">
-                <a:latin typeface="Garamond" panose="02020404030301010803" pitchFamily="18" charset="0"/>
-              </a:rPr>
-              <a:t>почве и данных </a:t>
-            </a:r>
-            <a:r>
-              <a:rPr lang="ru-RU" dirty="0" smtClean="0">
-                <a:latin typeface="Garamond" panose="02020404030301010803" pitchFamily="18" charset="0"/>
-              </a:rPr>
-              <a:t>по ГМС </a:t>
-            </a:r>
-            <a:r>
-              <a:rPr lang="ru-RU" dirty="0" smtClean="0">
-                <a:latin typeface="Garamond" panose="02020404030301010803" pitchFamily="18" charset="0"/>
-              </a:rPr>
-              <a:t>ГМС</a:t>
-            </a:r>
-            <a:endParaRPr lang="ru-RU" dirty="0">
+              <a:t>показателей данных</a:t>
+            </a:r>
+            <a:endParaRPr lang="ru-RU" sz="2800" dirty="0">
               <a:latin typeface="Garamond" panose="02020404030301010803" pitchFamily="18" charset="0"/>
             </a:endParaRPr>
           </a:p>
@@ -3351,7 +3341,7 @@
         </p:blipFill>
         <p:spPr>
           <a:xfrm>
-            <a:off x="0" y="3275831"/>
+            <a:off x="7515528" y="3350646"/>
             <a:ext cx="4676472" cy="3507354"/>
           </a:xfrm>
           <a:prstGeom prst="rect">
@@ -3439,8 +3429,8 @@
         </p:nvSpPr>
         <p:spPr>
           <a:xfrm>
-            <a:off x="439266" y="1997117"/>
-            <a:ext cx="5162204" cy="461665"/>
+            <a:off x="439265" y="1816159"/>
+            <a:ext cx="7096067" cy="646331"/>
           </a:xfrm>
           <a:prstGeom prst="rect">
             <a:avLst/>
@@ -3458,13 +3448,13 @@
               <a:buChar char="•"/>
             </a:pPr>
             <a:r>
-              <a:rPr lang="ru-RU" sz="2400" b="1" dirty="0" smtClean="0">
+              <a:rPr lang="ru-RU" sz="3600" b="1" dirty="0" smtClean="0">
                 <a:latin typeface="Garamond" panose="02020404030301010803" pitchFamily="18" charset="0"/>
               </a:rPr>
               <a:t>Объект исследования: </a:t>
             </a:r>
             <a:r>
-              <a:rPr lang="ru-RU" sz="2400" dirty="0" smtClean="0">
+              <a:rPr lang="ru-RU" sz="2800" dirty="0" smtClean="0">
                 <a:latin typeface="Garamond" panose="02020404030301010803" pitchFamily="18" charset="0"/>
               </a:rPr>
               <a:t>почва</a:t>
@@ -3481,7 +3471,7 @@
         <p:spPr>
           <a:xfrm>
             <a:off x="439266" y="2462490"/>
-            <a:ext cx="6816437" cy="461665"/>
+            <a:ext cx="6816437" cy="1077218"/>
           </a:xfrm>
           <a:prstGeom prst="rect">
             <a:avLst/>
@@ -3499,13 +3489,13 @@
               <a:buChar char="•"/>
             </a:pPr>
             <a:r>
-              <a:rPr lang="ru-RU" sz="2400" b="1" dirty="0" smtClean="0">
+              <a:rPr lang="ru-RU" sz="3600" b="1" dirty="0" smtClean="0">
                 <a:latin typeface="Garamond" panose="02020404030301010803" pitchFamily="18" charset="0"/>
               </a:rPr>
               <a:t>Предмет исследования: </a:t>
             </a:r>
             <a:r>
-              <a:rPr lang="ru-RU" sz="2400" dirty="0" smtClean="0">
+              <a:rPr lang="ru-RU" sz="2800" dirty="0" smtClean="0">
                 <a:latin typeface="Garamond" panose="02020404030301010803" pitchFamily="18" charset="0"/>
               </a:rPr>
               <a:t>гумус и ГМС почвы</a:t>
@@ -3551,8 +3541,8 @@
         </p:nvSpPr>
         <p:spPr>
           <a:xfrm>
-            <a:off x="439266" y="2924155"/>
-            <a:ext cx="6375749" cy="461665"/>
+            <a:off x="439265" y="3539708"/>
+            <a:ext cx="6375749" cy="707886"/>
           </a:xfrm>
           <a:prstGeom prst="rect">
             <a:avLst/>
@@ -3570,18 +3560,24 @@
               <a:buChar char="•"/>
             </a:pPr>
             <a:r>
-              <a:rPr lang="ru-RU" sz="2400" b="1" dirty="0" smtClean="0">
+              <a:rPr lang="ru-RU" sz="3600" b="1" dirty="0" smtClean="0">
                 <a:latin typeface="Garamond" panose="02020404030301010803" pitchFamily="18" charset="0"/>
               </a:rPr>
-              <a:t>Методика: </a:t>
-            </a:r>
-            <a:r>
-              <a:rPr lang="ru-RU" sz="2400" dirty="0" smtClean="0">
+              <a:t>Методика:</a:t>
+            </a:r>
+            <a:r>
+              <a:rPr lang="ru-RU" sz="4000" b="1" dirty="0" smtClean="0">
+                <a:latin typeface="Garamond" panose="02020404030301010803" pitchFamily="18" charset="0"/>
+              </a:rPr>
+              <a:t> </a:t>
+            </a:r>
+            <a:r>
+              <a:rPr lang="ru-RU" sz="2800" dirty="0" smtClean="0">
                 <a:latin typeface="Garamond" panose="02020404030301010803" pitchFamily="18" charset="0"/>
               </a:rPr>
               <a:t>полевой метод шнура</a:t>
             </a:r>
-            <a:endParaRPr lang="ru-RU" sz="2400" b="1" dirty="0">
+            <a:endParaRPr lang="ru-RU" sz="2800" b="1" dirty="0">
               <a:latin typeface="Garamond" panose="02020404030301010803" pitchFamily="18" charset="0"/>
             </a:endParaRPr>
           </a:p>
@@ -3661,13 +3657,13 @@
           <p:nvPr>
             <p:extLst>
               <p:ext uri="{D42A27DB-BD31-4B8C-83A1-F6EECF244321}">
-                <p14:modId xmlns:p14="http://schemas.microsoft.com/office/powerpoint/2010/main" val="451182050"/>
+                <p14:modId xmlns:p14="http://schemas.microsoft.com/office/powerpoint/2010/main" val="1722116284"/>
               </p:ext>
             </p:extLst>
           </p:nvPr>
         </p:nvGraphicFramePr>
         <p:xfrm>
-          <a:off x="1779847" y="1502896"/>
+          <a:off x="1779847" y="1538163"/>
           <a:ext cx="8128000" cy="5153582"/>
         </p:xfrm>
         <a:graphic>
@@ -5309,7 +5305,7 @@
           <p:nvPr>
             <p:extLst>
               <p:ext uri="{D42A27DB-BD31-4B8C-83A1-F6EECF244321}">
-                <p14:modId xmlns:p14="http://schemas.microsoft.com/office/powerpoint/2010/main" val="3614921549"/>
+                <p14:modId xmlns:p14="http://schemas.microsoft.com/office/powerpoint/2010/main" val="756041067"/>
               </p:ext>
             </p:extLst>
           </p:nvPr>
@@ -8807,8 +8803,9 @@
                               <a:lumMod val="50000"/>
                             </a:schemeClr>
                           </a:solidFill>
+                          <a:latin typeface="Garamond" panose="02020404030301010803" pitchFamily="18" charset="0"/>
                         </a:rPr>
-                        <a:t>-</a:t>
+                        <a:t>Бесструктурный</a:t>
                       </a:r>
                       <a:endParaRPr lang="ru-RU" dirty="0">
                         <a:solidFill>
@@ -8816,6 +8813,7 @@
                             <a:lumMod val="50000"/>
                           </a:schemeClr>
                         </a:solidFill>
+                        <a:latin typeface="Garamond" panose="02020404030301010803" pitchFamily="18" charset="0"/>
                       </a:endParaRPr>
                     </a:p>
                   </a:txBody>
@@ -8878,7 +8876,18 @@
                           </a:solidFill>
                           <a:latin typeface="Garamond" panose="02020404030301010803" pitchFamily="18" charset="0"/>
                         </a:rPr>
-                        <a:t>Железные потеки</a:t>
+                        <a:t>Пятна</a:t>
+                      </a:r>
+                      <a:r>
+                        <a:rPr lang="ru-RU" baseline="0" dirty="0" smtClean="0">
+                          <a:solidFill>
+                            <a:schemeClr val="tx2">
+                              <a:lumMod val="50000"/>
+                            </a:schemeClr>
+                          </a:solidFill>
+                          <a:latin typeface="Garamond" panose="02020404030301010803" pitchFamily="18" charset="0"/>
+                        </a:rPr>
+                        <a:t> железа</a:t>
                       </a:r>
                       <a:endParaRPr lang="ru-RU" dirty="0">
                         <a:solidFill>
@@ -9018,7 +9027,7 @@
         <p:spPr>
           <a:xfrm>
             <a:off x="756457" y="1712422"/>
-            <a:ext cx="10956175" cy="2677656"/>
+            <a:ext cx="10956175" cy="3108543"/>
           </a:xfrm>
           <a:prstGeom prst="rect">
             <a:avLst/>
@@ -9041,7 +9050,13 @@
               <a:rPr lang="ru-RU" sz="2800" dirty="0" smtClean="0">
                 <a:latin typeface="Garamond" panose="02020404030301010803" pitchFamily="18" charset="0"/>
               </a:rPr>
-              <a:t>В большинстве исследованных разрезах на уровнях </a:t>
+              <a:t>В 1 и 2 участках в сло</a:t>
+            </a:r>
+            <a:r>
+              <a:rPr lang="ru-RU" sz="2800" dirty="0" smtClean="0">
+                <a:latin typeface="Garamond" panose="02020404030301010803" pitchFamily="18" charset="0"/>
+              </a:rPr>
+              <a:t>ях </a:t>
             </a:r>
             <a:r>
               <a:rPr lang="en-US" sz="2800" dirty="0" smtClean="0">
@@ -9050,7 +9065,7 @@
               <a:t>A1 </a:t>
             </a:r>
             <a:r>
-              <a:rPr lang="tt-RU" sz="2800" dirty="0" smtClean="0">
+              <a:rPr lang="ru-RU" sz="2800" dirty="0" smtClean="0">
                 <a:latin typeface="Garamond" panose="02020404030301010803" pitchFamily="18" charset="0"/>
               </a:rPr>
               <a:t>и </a:t>
@@ -9059,13 +9074,13 @@
               <a:rPr lang="en-US" sz="2800" dirty="0" smtClean="0">
                 <a:latin typeface="Garamond" panose="02020404030301010803" pitchFamily="18" charset="0"/>
               </a:rPr>
-              <a:t>A2 </a:t>
+              <a:t>A2</a:t>
             </a:r>
             <a:r>
               <a:rPr lang="ru-RU" sz="2800" dirty="0" smtClean="0">
                 <a:latin typeface="Garamond" panose="02020404030301010803" pitchFamily="18" charset="0"/>
               </a:rPr>
-              <a:t>имеются корни</a:t>
+              <a:t> в качестве новообразований чаще всего были корни.</a:t>
             </a:r>
             <a:endParaRPr lang="en-US" sz="2800" dirty="0" smtClean="0">
               <a:latin typeface="Garamond" panose="02020404030301010803" pitchFamily="18" charset="0"/>
@@ -9082,7 +9097,55 @@
               <a:rPr lang="ru-RU" sz="2800" dirty="0" smtClean="0">
                 <a:latin typeface="Garamond" panose="02020404030301010803" pitchFamily="18" charset="0"/>
               </a:rPr>
-              <a:t> Больше всего гумусовых потёков было на 3-ем участке с супесью и песком. Однако для большей точности нужно больше исследованных участков</a:t>
+              <a:t> </a:t>
+            </a:r>
+            <a:r>
+              <a:rPr lang="ru-RU" sz="2800" dirty="0">
+                <a:latin typeface="Garamond" panose="02020404030301010803" pitchFamily="18" charset="0"/>
+              </a:rPr>
+              <a:t>Г</a:t>
+            </a:r>
+            <a:r>
+              <a:rPr lang="ru-RU" sz="2800" dirty="0" smtClean="0">
+                <a:latin typeface="Garamond" panose="02020404030301010803" pitchFamily="18" charset="0"/>
+              </a:rPr>
+              <a:t>умусовые потеки в качестве новообразований чаще всего были выявлены на 3 участке в слоях </a:t>
+            </a:r>
+            <a:r>
+              <a:rPr lang="en-US" sz="2800" dirty="0" smtClean="0">
+                <a:latin typeface="Garamond" panose="02020404030301010803" pitchFamily="18" charset="0"/>
+              </a:rPr>
+              <a:t>A1, A2</a:t>
+            </a:r>
+            <a:r>
+              <a:rPr lang="ru-RU" sz="2800" dirty="0" smtClean="0">
+                <a:latin typeface="Garamond" panose="02020404030301010803" pitchFamily="18" charset="0"/>
+              </a:rPr>
+              <a:t>. Гранулометрический состав в слое </a:t>
+            </a:r>
+            <a:r>
+              <a:rPr lang="en-US" sz="2800" dirty="0" smtClean="0">
+                <a:latin typeface="Garamond" panose="02020404030301010803" pitchFamily="18" charset="0"/>
+              </a:rPr>
+              <a:t>A1 </a:t>
+            </a:r>
+            <a:r>
+              <a:rPr lang="ru-RU" sz="2800" dirty="0" smtClean="0">
+                <a:latin typeface="Garamond" panose="02020404030301010803" pitchFamily="18" charset="0"/>
+              </a:rPr>
+              <a:t>был супесь, в слое </a:t>
+            </a:r>
+            <a:r>
+              <a:rPr lang="en-US" sz="2800" dirty="0" smtClean="0">
+                <a:latin typeface="Garamond" panose="02020404030301010803" pitchFamily="18" charset="0"/>
+              </a:rPr>
+              <a:t>A2 – </a:t>
+            </a:r>
+            <a:r>
+              <a:rPr lang="ru-RU" sz="2800" dirty="0" smtClean="0">
+                <a:latin typeface="Garamond" panose="02020404030301010803" pitchFamily="18" charset="0"/>
+              </a:rPr>
+              <a:t>песок.</a:t>
             </a:r>
             <a:endParaRPr lang="en-US" sz="2800" dirty="0" smtClean="0">
               <a:latin typeface="Garamond" panose="02020404030301010803" pitchFamily="18" charset="0"/>
@@ -9099,7 +9162,13 @@
               <a:rPr lang="ru-RU" sz="2800" dirty="0" smtClean="0">
                 <a:latin typeface="Garamond" panose="02020404030301010803" pitchFamily="18" charset="0"/>
               </a:rPr>
-              <a:t> ???</a:t>
+              <a:t> </a:t>
+            </a:r>
+            <a:r>
+              <a:rPr lang="ru-RU" sz="2800" dirty="0" smtClean="0">
+                <a:latin typeface="Garamond" panose="02020404030301010803" pitchFamily="18" charset="0"/>
+              </a:rPr>
+              <a:t>Тут надо сделать вывод, что ГМС не оказывает сильного влияния, поскольку гумус в песке это нелогично.</a:t>
             </a:r>
             <a:endParaRPr lang="ru-RU" sz="2800" dirty="0">
               <a:latin typeface="Garamond" panose="02020404030301010803" pitchFamily="18" charset="0"/>
@@ -9191,13 +9260,7 @@
               <a:rPr lang="ru-RU" sz="2400" dirty="0" smtClean="0">
                 <a:latin typeface="Garamond" panose="02020404030301010803" pitchFamily="18" charset="0"/>
               </a:rPr>
-              <a:t>. Гранулометрический состав почвы и его роль в накоплении органического вещества в </a:t>
-            </a:r>
-            <a:r>
-              <a:rPr lang="ru-RU" sz="2400" dirty="0" smtClean="0">
-                <a:latin typeface="Garamond" panose="02020404030301010803" pitchFamily="18" charset="0"/>
-              </a:rPr>
-              <a:t>почве</a:t>
+              <a:t>. Гранулометрический состав почвы и его роль в накоплении органического вещества в почве</a:t>
             </a:r>
           </a:p>
           <a:p>
